--- a/SAP-on-Azure-Workshop-multi-day-/Presentations/Architecting VM Hybrid Solutions.pptx
+++ b/SAP-on-Azure-Workshop-multi-day-/Presentations/Architecting VM Hybrid Solutions.pptx
@@ -5,7 +5,7 @@
     <p:sldMasterId id="2147483800" r:id="rId1"/>
   </p:sldMasterIdLst>
   <p:notesMasterIdLst>
-    <p:notesMasterId r:id="rId57"/>
+    <p:notesMasterId r:id="rId59"/>
   </p:notesMasterIdLst>
   <p:sldIdLst>
     <p:sldId id="540" r:id="rId2"/>
@@ -20,49 +20,51 @@
     <p:sldId id="949" r:id="rId11"/>
     <p:sldId id="950" r:id="rId12"/>
     <p:sldId id="951" r:id="rId13"/>
-    <p:sldId id="903" r:id="rId14"/>
-    <p:sldId id="803" r:id="rId15"/>
-    <p:sldId id="978" r:id="rId16"/>
-    <p:sldId id="977" r:id="rId17"/>
-    <p:sldId id="855" r:id="rId18"/>
-    <p:sldId id="979" r:id="rId19"/>
-    <p:sldId id="980" r:id="rId20"/>
-    <p:sldId id="981" r:id="rId21"/>
-    <p:sldId id="954" r:id="rId22"/>
-    <p:sldId id="983" r:id="rId23"/>
-    <p:sldId id="955" r:id="rId24"/>
-    <p:sldId id="957" r:id="rId25"/>
-    <p:sldId id="952" r:id="rId26"/>
-    <p:sldId id="982" r:id="rId27"/>
-    <p:sldId id="960" r:id="rId28"/>
-    <p:sldId id="961" r:id="rId29"/>
-    <p:sldId id="962" r:id="rId30"/>
-    <p:sldId id="963" r:id="rId31"/>
-    <p:sldId id="964" r:id="rId32"/>
-    <p:sldId id="965" r:id="rId33"/>
-    <p:sldId id="966" r:id="rId34"/>
-    <p:sldId id="971" r:id="rId35"/>
-    <p:sldId id="539" r:id="rId36"/>
-    <p:sldId id="973" r:id="rId37"/>
-    <p:sldId id="852" r:id="rId38"/>
-    <p:sldId id="927" r:id="rId39"/>
-    <p:sldId id="953" r:id="rId40"/>
-    <p:sldId id="967" r:id="rId41"/>
-    <p:sldId id="943" r:id="rId42"/>
-    <p:sldId id="944" r:id="rId43"/>
-    <p:sldId id="945" r:id="rId44"/>
-    <p:sldId id="947" r:id="rId45"/>
-    <p:sldId id="946" r:id="rId46"/>
-    <p:sldId id="968" r:id="rId47"/>
-    <p:sldId id="969" r:id="rId48"/>
-    <p:sldId id="970" r:id="rId49"/>
-    <p:sldId id="930" r:id="rId50"/>
-    <p:sldId id="871" r:id="rId51"/>
-    <p:sldId id="875" r:id="rId52"/>
-    <p:sldId id="866" r:id="rId53"/>
-    <p:sldId id="984" r:id="rId54"/>
-    <p:sldId id="985" r:id="rId55"/>
-    <p:sldId id="986" r:id="rId56"/>
+    <p:sldId id="987" r:id="rId14"/>
+    <p:sldId id="988" r:id="rId15"/>
+    <p:sldId id="903" r:id="rId16"/>
+    <p:sldId id="803" r:id="rId17"/>
+    <p:sldId id="978" r:id="rId18"/>
+    <p:sldId id="977" r:id="rId19"/>
+    <p:sldId id="855" r:id="rId20"/>
+    <p:sldId id="979" r:id="rId21"/>
+    <p:sldId id="980" r:id="rId22"/>
+    <p:sldId id="981" r:id="rId23"/>
+    <p:sldId id="954" r:id="rId24"/>
+    <p:sldId id="983" r:id="rId25"/>
+    <p:sldId id="955" r:id="rId26"/>
+    <p:sldId id="957" r:id="rId27"/>
+    <p:sldId id="952" r:id="rId28"/>
+    <p:sldId id="982" r:id="rId29"/>
+    <p:sldId id="960" r:id="rId30"/>
+    <p:sldId id="961" r:id="rId31"/>
+    <p:sldId id="962" r:id="rId32"/>
+    <p:sldId id="963" r:id="rId33"/>
+    <p:sldId id="964" r:id="rId34"/>
+    <p:sldId id="965" r:id="rId35"/>
+    <p:sldId id="966" r:id="rId36"/>
+    <p:sldId id="971" r:id="rId37"/>
+    <p:sldId id="539" r:id="rId38"/>
+    <p:sldId id="973" r:id="rId39"/>
+    <p:sldId id="852" r:id="rId40"/>
+    <p:sldId id="927" r:id="rId41"/>
+    <p:sldId id="953" r:id="rId42"/>
+    <p:sldId id="967" r:id="rId43"/>
+    <p:sldId id="943" r:id="rId44"/>
+    <p:sldId id="944" r:id="rId45"/>
+    <p:sldId id="945" r:id="rId46"/>
+    <p:sldId id="947" r:id="rId47"/>
+    <p:sldId id="946" r:id="rId48"/>
+    <p:sldId id="968" r:id="rId49"/>
+    <p:sldId id="969" r:id="rId50"/>
+    <p:sldId id="970" r:id="rId51"/>
+    <p:sldId id="930" r:id="rId52"/>
+    <p:sldId id="871" r:id="rId53"/>
+    <p:sldId id="875" r:id="rId54"/>
+    <p:sldId id="866" r:id="rId55"/>
+    <p:sldId id="984" r:id="rId56"/>
+    <p:sldId id="985" r:id="rId57"/>
+    <p:sldId id="986" r:id="rId58"/>
   </p:sldIdLst>
   <p:sldSz cx="12192000" cy="6858000"/>
   <p:notesSz cx="6858000" cy="9144000"/>
@@ -189,6 +191,8 @@
             <p14:sldId id="949"/>
             <p14:sldId id="950"/>
             <p14:sldId id="951"/>
+            <p14:sldId id="987"/>
+            <p14:sldId id="988"/>
           </p14:sldIdLst>
         </p14:section>
         <p14:section name="Best practices for SQL database solutions (15 mins)" id="{1BD7E062-C925-4964-97B9-D568D0B2F9A7}">
@@ -1048,57 +1052,17 @@
           <a:p>
             <a:r>
               <a:rPr lang="en-US" dirty="0"/>
-              <a:t>Use Azure Templates to provision and deploy Azure resources in seconds</a:t>
-            </a:r>
-          </a:p>
-          <a:p>
-            <a:pPr lvl="1"/>
+              <a:t>Reference</a:t>
+            </a:r>
+          </a:p>
+          <a:p>
             <a:r>
               <a:rPr lang="en-US" dirty="0"/>
-              <a:t>An Azure Template is a description of an Azure application's resources</a:t>
-            </a:r>
-          </a:p>
-          <a:p>
-            <a:pPr lvl="1"/>
-            <a:r>
-              <a:rPr lang="en-US" dirty="0"/>
-              <a:t>Notifications show details that occur when you use an Azure Template</a:t>
-            </a:r>
-          </a:p>
-          <a:p>
-            <a:pPr lvl="1"/>
-            <a:r>
-              <a:rPr lang="en-US" dirty="0"/>
-              <a:t>The Website + SQL Azure Template</a:t>
-            </a:r>
-          </a:p>
-          <a:p>
-            <a:pPr lvl="1"/>
-            <a:r>
-              <a:rPr lang="en-US" dirty="0"/>
-              <a:t>Azure Templates are described using JSON</a:t>
-            </a:r>
-          </a:p>
-          <a:p>
-            <a:endParaRPr lang="de-DE" dirty="0"/>
-          </a:p>
-          <a:p>
-            <a:endParaRPr lang="de-DE" dirty="0"/>
-          </a:p>
-          <a:p>
-            <a:r>
-              <a:rPr lang="de-DE" dirty="0"/>
-              <a:t>Reference:</a:t>
-            </a:r>
-          </a:p>
-          <a:p>
-            <a:r>
-              <a:rPr lang="de-DE" dirty="0"/>
-              <a:t>https://azure.microsoft.com/en-us/blog/sql-server-alwayson-cluster-template-updated-with-internal-listeners-and-optimized-performance/</a:t>
-            </a:r>
-          </a:p>
-          <a:p>
-            <a:endParaRPr lang="de-DE" dirty="0"/>
+              <a:t>https://doc.opensuse.org/documentation/html/openSUSE_122/opensuse-security/cha.security.ad.html</a:t>
+            </a:r>
+          </a:p>
+          <a:p>
+            <a:endParaRPr lang="en-US" dirty="0"/>
           </a:p>
         </p:txBody>
       </p:sp>
@@ -1117,18 +1081,18 @@
           <a:bodyPr/>
           <a:lstStyle/>
           <a:p>
-            <a:fld id="{3914BC00-1402-49CF-9CEB-7C8FB383AFA3}" type="slidenum">
-              <a:rPr lang="de-DE" smtClean="0"/>
-              <a:t>17</a:t>
+            <a:fld id="{7A2D9050-ECBC-4706-AA5F-C061ABCE0250}" type="slidenum">
+              <a:rPr lang="en-US" smtClean="0"/>
+              <a:t>13</a:t>
             </a:fld>
-            <a:endParaRPr lang="de-DE"/>
+            <a:endParaRPr lang="en-US"/>
           </a:p>
         </p:txBody>
       </p:sp>
     </p:spTree>
     <p:extLst>
       <p:ext uri="{BB962C8B-B14F-4D97-AF65-F5344CB8AC3E}">
-        <p14:creationId xmlns:p14="http://schemas.microsoft.com/office/powerpoint/2010/main" val="3001206639"/>
+        <p14:creationId xmlns:p14="http://schemas.microsoft.com/office/powerpoint/2010/main" val="797946037"/>
       </p:ext>
     </p:extLst>
   </p:cSld>
@@ -1183,76 +1147,58 @@
           <a:lstStyle/>
           <a:p>
             <a:r>
-              <a:rPr lang="en-US" baseline="0" dirty="0"/>
-              <a:t>Show the AD Availability Set resource.</a:t>
-            </a:r>
-          </a:p>
-          <a:p>
-            <a:pPr marL="171450" indent="-171450">
-              <a:buFontTx/>
-              <a:buChar char="-"/>
-            </a:pPr>
-            <a:r>
-              <a:rPr lang="en-US" baseline="0" dirty="0"/>
-              <a:t>Point out fault and update domains.</a:t>
-            </a:r>
-          </a:p>
-          <a:p>
-            <a:r>
-              <a:rPr lang="en-US" baseline="0" dirty="0"/>
-              <a:t>Show Virtual Network “Connected Devices”</a:t>
-            </a:r>
-          </a:p>
-          <a:p>
-            <a:r>
-              <a:rPr lang="en-US" baseline="0" dirty="0"/>
-              <a:t>Show Virtual Network Custom DNS settings (pointing to primary and secondary DC VM’s)</a:t>
-            </a:r>
-          </a:p>
-          <a:p>
-            <a:r>
-              <a:rPr lang="en-US" baseline="0" dirty="0"/>
-              <a:t>Show Storage Account resource where VHD’s are stored</a:t>
-            </a:r>
-          </a:p>
-          <a:p>
-            <a:r>
-              <a:rPr lang="en-US" baseline="0" dirty="0"/>
-              <a:t>Show VM + Disks blade to show disk cache settings</a:t>
-            </a:r>
-          </a:p>
-          <a:p>
-            <a:pPr marL="171450" indent="-171450">
-              <a:buFontTx/>
-              <a:buChar char="-"/>
-            </a:pPr>
-            <a:r>
-              <a:rPr lang="en-US" baseline="0" dirty="0"/>
-              <a:t>Explain why this is important</a:t>
-            </a:r>
-          </a:p>
-          <a:p>
-            <a:pPr marL="0" indent="0">
-              <a:buFontTx/>
-              <a:buNone/>
-            </a:pPr>
-            <a:endParaRPr lang="en-US" baseline="0" dirty="0"/>
-          </a:p>
-          <a:p>
-            <a:pPr marL="0" indent="0">
-              <a:buFontTx/>
-              <a:buNone/>
-            </a:pPr>
-            <a:endParaRPr lang="en-US" baseline="0" dirty="0"/>
-          </a:p>
-          <a:p>
-            <a:endParaRPr lang="en-US" baseline="0" dirty="0"/>
-          </a:p>
-          <a:p>
-            <a:endParaRPr lang="en-US" baseline="0" dirty="0"/>
-          </a:p>
-          <a:p>
-            <a:endParaRPr lang="en-US" baseline="0" dirty="0"/>
+              <a:rPr lang="en-US" dirty="0"/>
+              <a:t>Use Azure Templates to provision and deploy Azure resources in seconds</a:t>
+            </a:r>
+          </a:p>
+          <a:p>
+            <a:pPr lvl="1"/>
+            <a:r>
+              <a:rPr lang="en-US" dirty="0"/>
+              <a:t>An Azure Template is a description of an Azure application's resources</a:t>
+            </a:r>
+          </a:p>
+          <a:p>
+            <a:pPr lvl="1"/>
+            <a:r>
+              <a:rPr lang="en-US" dirty="0"/>
+              <a:t>Notifications show details that occur when you use an Azure Template</a:t>
+            </a:r>
+          </a:p>
+          <a:p>
+            <a:pPr lvl="1"/>
+            <a:r>
+              <a:rPr lang="en-US" dirty="0"/>
+              <a:t>The Website + SQL Azure Template</a:t>
+            </a:r>
+          </a:p>
+          <a:p>
+            <a:pPr lvl="1"/>
+            <a:r>
+              <a:rPr lang="en-US" dirty="0"/>
+              <a:t>Azure Templates are described using JSON</a:t>
+            </a:r>
+          </a:p>
+          <a:p>
+            <a:endParaRPr lang="de-DE" dirty="0"/>
+          </a:p>
+          <a:p>
+            <a:endParaRPr lang="de-DE" dirty="0"/>
+          </a:p>
+          <a:p>
+            <a:r>
+              <a:rPr lang="de-DE" dirty="0"/>
+              <a:t>Reference:</a:t>
+            </a:r>
+          </a:p>
+          <a:p>
+            <a:r>
+              <a:rPr lang="de-DE" dirty="0"/>
+              <a:t>https://azure.microsoft.com/en-us/blog/sql-server-alwayson-cluster-template-updated-with-internal-listeners-and-optimized-performance/</a:t>
+            </a:r>
+          </a:p>
+          <a:p>
+            <a:endParaRPr lang="de-DE" dirty="0"/>
           </a:p>
         </p:txBody>
       </p:sp>
@@ -1271,18 +1217,18 @@
           <a:bodyPr/>
           <a:lstStyle/>
           <a:p>
-            <a:fld id="{7A2D9050-ECBC-4706-AA5F-C061ABCE0250}" type="slidenum">
-              <a:rPr lang="en-US" smtClean="0"/>
-              <a:t>20</a:t>
+            <a:fld id="{3914BC00-1402-49CF-9CEB-7C8FB383AFA3}" type="slidenum">
+              <a:rPr lang="de-DE" smtClean="0"/>
+              <a:t>19</a:t>
             </a:fld>
-            <a:endParaRPr lang="en-US"/>
+            <a:endParaRPr lang="de-DE"/>
           </a:p>
         </p:txBody>
       </p:sp>
     </p:spTree>
     <p:extLst>
       <p:ext uri="{BB962C8B-B14F-4D97-AF65-F5344CB8AC3E}">
-        <p14:creationId xmlns:p14="http://schemas.microsoft.com/office/powerpoint/2010/main" val="514835298"/>
+        <p14:creationId xmlns:p14="http://schemas.microsoft.com/office/powerpoint/2010/main" val="3001206639"/>
       </p:ext>
     </p:extLst>
   </p:cSld>
@@ -1336,113 +1282,27 @@
           <a:bodyPr/>
           <a:lstStyle/>
           <a:p>
-            <a:r>
-              <a:rPr lang="en-US" dirty="0"/>
-              <a:t>Reference</a:t>
-            </a:r>
-            <a:r>
-              <a:rPr lang="en-US" baseline="0" dirty="0"/>
-              <a:t> blog: https://technet.microsoft.com/en-us/library/jj919148%28v=sql.110%29.aspx?f=255&amp;MSPPError=-2147217396</a:t>
-            </a:r>
-          </a:p>
-          <a:p>
+            <a:pPr marL="0" indent="0">
+              <a:buFontTx/>
+              <a:buNone/>
+            </a:pPr>
             <a:endParaRPr lang="en-US" baseline="0" dirty="0"/>
           </a:p>
           <a:p>
-            <a:r>
-              <a:rPr lang="en-US" b="1" baseline="0" dirty="0"/>
-              <a:t>Key points about backing up DBs to Azure</a:t>
-            </a:r>
-          </a:p>
-          <a:p>
+            <a:pPr marL="0" indent="0">
+              <a:buFontTx/>
+              <a:buNone/>
+            </a:pPr>
             <a:endParaRPr lang="en-US" baseline="0" dirty="0"/>
           </a:p>
           <a:p>
-            <a:r>
-              <a:rPr lang="en-US" b="1" dirty="0">
-                <a:effectLst/>
-              </a:rPr>
-              <a:t>URL: </a:t>
-            </a:r>
-            <a:r>
-              <a:rPr lang="en-US" dirty="0">
-                <a:effectLst/>
-              </a:rPr>
-              <a:t>A URL specifies a Uniform Resource Identifier (URI) to a unique backup file. The URL is used to provide the location and name of the SQL Server backup file. In this implementation, the only valid URL is one that points to a page Blob in a Windows Azure storage account. The URL must point to an actual Blob, not just a container. If the Blob does not exist, it is created. If an existing Blob is specified, BACKUP fails, unless the “WITH FORMAT” option is specified. </a:t>
-            </a:r>
-          </a:p>
-          <a:p>
-            <a:r>
-              <a:rPr lang="en-US" dirty="0">
-                <a:effectLst/>
-              </a:rPr>
-              <a:t>If you choose to copy and upload a backup file to the Windows Azure Blob storage service, use page blob as your storage option. </a:t>
-            </a:r>
-            <a:r>
-              <a:rPr lang="en-US" b="1" dirty="0">
-                <a:effectLst/>
-              </a:rPr>
-              <a:t>Restores from Block Blobs are not supported</a:t>
-            </a:r>
-            <a:r>
-              <a:rPr lang="en-US" dirty="0">
-                <a:effectLst/>
-              </a:rPr>
-              <a:t>.</a:t>
-            </a:r>
-          </a:p>
-          <a:p>
-            <a:endParaRPr lang="en-US" dirty="0">
-              <a:effectLst/>
-            </a:endParaRPr>
-          </a:p>
-          <a:p>
-            <a:r>
-              <a:rPr lang="en-US" b="1" dirty="0">
-                <a:effectLst/>
-              </a:rPr>
-              <a:t>Credential: </a:t>
-            </a:r>
-            <a:r>
-              <a:rPr lang="en-US" dirty="0">
-                <a:effectLst/>
-              </a:rPr>
-              <a:t>A SQL Server credential is an object that is used to store authentication information required to connect to a resource outside of SQL Server. Here, SQL Server backup and restore processes use credential to authenticate to the Windows Azure Blob storage service. The Credential stores the name of the storage account and the storage account </a:t>
-            </a:r>
-            <a:r>
-              <a:rPr lang="en-US" b="1" dirty="0">
-                <a:effectLst/>
-              </a:rPr>
-              <a:t>access key</a:t>
-            </a:r>
-            <a:r>
-              <a:rPr lang="en-US" dirty="0">
-                <a:effectLst/>
-              </a:rPr>
-              <a:t> values. Once the credential is created, it must be specified in the WITH CREDENTIAL option when issuing the BACKUP/RESTORE statements.</a:t>
-            </a:r>
-          </a:p>
-          <a:p>
-            <a:endParaRPr lang="en-US" dirty="0">
-              <a:effectLst/>
-            </a:endParaRPr>
-          </a:p>
-          <a:p>
-            <a:r>
-              <a:rPr lang="en-US" dirty="0">
-                <a:effectLst/>
-              </a:rPr>
-              <a:t>For</a:t>
-            </a:r>
-            <a:r>
-              <a:rPr lang="en-US" baseline="0" dirty="0">
-                <a:effectLst/>
-              </a:rPr>
-              <a:t> backups larger than 1TB, backup to disks (storage pool).</a:t>
-            </a:r>
-          </a:p>
-          <a:p>
-            <a:endParaRPr lang="en-US" dirty="0"/>
+            <a:endParaRPr lang="en-US" baseline="0" dirty="0"/>
+          </a:p>
+          <a:p>
+            <a:endParaRPr lang="en-US" baseline="0" dirty="0"/>
+          </a:p>
+          <a:p>
+            <a:endParaRPr lang="en-US" baseline="0" dirty="0"/>
           </a:p>
         </p:txBody>
       </p:sp>
@@ -1461,9 +1321,9 @@
           <a:bodyPr/>
           <a:lstStyle/>
           <a:p>
-            <a:fld id="{D2E9B5C7-E893-44FC-BCCF-622F37DEFA34}" type="slidenum">
+            <a:fld id="{7A2D9050-ECBC-4706-AA5F-C061ABCE0250}" type="slidenum">
               <a:rPr lang="en-US" smtClean="0"/>
-              <a:t>21</a:t>
+              <a:t>22</a:t>
             </a:fld>
             <a:endParaRPr lang="en-US"/>
           </a:p>
@@ -1472,7 +1332,7 @@
     </p:spTree>
     <p:extLst>
       <p:ext uri="{BB962C8B-B14F-4D97-AF65-F5344CB8AC3E}">
-        <p14:creationId xmlns:p14="http://schemas.microsoft.com/office/powerpoint/2010/main" val="1331101485"/>
+        <p14:creationId xmlns:p14="http://schemas.microsoft.com/office/powerpoint/2010/main" val="514835298"/>
       </p:ext>
     </p:extLst>
   </p:cSld>
@@ -1528,78 +1388,111 @@
           <a:p>
             <a:r>
               <a:rPr lang="en-US" dirty="0"/>
-              <a:t>Open SSMS</a:t>
-            </a:r>
-          </a:p>
-          <a:p>
-            <a:r>
-              <a:rPr lang="en-US" dirty="0"/>
-              <a:t>Generate a credential for</a:t>
+              <a:t>Reference</a:t>
             </a:r>
             <a:r>
               <a:rPr lang="en-US" baseline="0" dirty="0"/>
-              <a:t> SQL Server to use to access blob storage</a:t>
-            </a:r>
-          </a:p>
-          <a:p>
-            <a:r>
-              <a:rPr lang="en-US" baseline="0" dirty="0"/>
-              <a:t>Backup database</a:t>
-            </a:r>
-          </a:p>
-          <a:p>
-            <a:pPr marL="171450" indent="-171450">
-              <a:buFontTx/>
-              <a:buChar char="-"/>
-            </a:pPr>
-            <a:r>
-              <a:rPr lang="en-US" baseline="0" dirty="0"/>
-              <a:t>Select URL</a:t>
-            </a:r>
-          </a:p>
-          <a:p>
-            <a:pPr marL="171450" indent="-171450">
-              <a:buFontTx/>
-              <a:buChar char="-"/>
-            </a:pPr>
-            <a:r>
-              <a:rPr lang="en-US" baseline="0" dirty="0"/>
-              <a:t>Select the credential</a:t>
-            </a:r>
-          </a:p>
-          <a:p>
-            <a:pPr marL="171450" indent="-171450">
-              <a:buFontTx/>
-              <a:buChar char="-"/>
-            </a:pPr>
-            <a:r>
-              <a:rPr lang="en-US" baseline="0" dirty="0"/>
-              <a:t>Set storage account and container</a:t>
-            </a:r>
-          </a:p>
-          <a:p>
-            <a:pPr marL="171450" indent="-171450">
-              <a:buFontTx/>
-              <a:buChar char="-"/>
-            </a:pPr>
+              <a:t> blog: https://technet.microsoft.com/en-us/library/jj919148%28v=sql.110%29.aspx?f=255&amp;MSPPError=-2147217396</a:t>
+            </a:r>
+          </a:p>
+          <a:p>
             <a:endParaRPr lang="en-US" baseline="0" dirty="0"/>
           </a:p>
           <a:p>
-            <a:pPr marL="0" indent="0">
-              <a:buFontTx/>
-              <a:buNone/>
-            </a:pPr>
-            <a:r>
-              <a:rPr lang="en-US" baseline="0" dirty="0"/>
-              <a:t>Show the back up in blob storage.</a:t>
-            </a:r>
-          </a:p>
-          <a:p>
-            <a:pPr marL="0" indent="0">
-              <a:buFontTx/>
-              <a:buNone/>
-            </a:pPr>
+            <a:r>
+              <a:rPr lang="en-US" b="1" baseline="0" dirty="0"/>
+              <a:t>Key points about backing up DBs to Azure</a:t>
+            </a:r>
+          </a:p>
+          <a:p>
             <a:endParaRPr lang="en-US" baseline="0" dirty="0"/>
+          </a:p>
+          <a:p>
+            <a:r>
+              <a:rPr lang="en-US" b="1" dirty="0">
+                <a:effectLst/>
+              </a:rPr>
+              <a:t>URL: </a:t>
+            </a:r>
+            <a:r>
+              <a:rPr lang="en-US" dirty="0">
+                <a:effectLst/>
+              </a:rPr>
+              <a:t>A URL specifies a Uniform Resource Identifier (URI) to a unique backup file. The URL is used to provide the location and name of the SQL Server backup file. In this implementation, the only valid URL is one that points to a page Blob in a Windows Azure storage account. The URL must point to an actual Blob, not just a container. If the Blob does not exist, it is created. If an existing Blob is specified, BACKUP fails, unless the “WITH FORMAT” option is specified. </a:t>
+            </a:r>
+          </a:p>
+          <a:p>
+            <a:r>
+              <a:rPr lang="en-US" dirty="0">
+                <a:effectLst/>
+              </a:rPr>
+              <a:t>If you choose to copy and upload a backup file to the Windows Azure Blob storage service, use page blob as your storage option. </a:t>
+            </a:r>
+            <a:r>
+              <a:rPr lang="en-US" b="1" dirty="0">
+                <a:effectLst/>
+              </a:rPr>
+              <a:t>Restores from Block Blobs are not supported</a:t>
+            </a:r>
+            <a:r>
+              <a:rPr lang="en-US" dirty="0">
+                <a:effectLst/>
+              </a:rPr>
+              <a:t>.</a:t>
+            </a:r>
+          </a:p>
+          <a:p>
+            <a:endParaRPr lang="en-US" dirty="0">
+              <a:effectLst/>
+            </a:endParaRPr>
+          </a:p>
+          <a:p>
+            <a:r>
+              <a:rPr lang="en-US" b="1" dirty="0">
+                <a:effectLst/>
+              </a:rPr>
+              <a:t>Credential: </a:t>
+            </a:r>
+            <a:r>
+              <a:rPr lang="en-US" dirty="0">
+                <a:effectLst/>
+              </a:rPr>
+              <a:t>A SQL Server credential is an object that is used to store authentication information required to connect to a resource outside of SQL Server. Here, SQL Server backup and restore processes use credential to authenticate to the Windows Azure Blob storage service. The Credential stores the name of the storage account and the storage account </a:t>
+            </a:r>
+            <a:r>
+              <a:rPr lang="en-US" b="1" dirty="0">
+                <a:effectLst/>
+              </a:rPr>
+              <a:t>access key</a:t>
+            </a:r>
+            <a:r>
+              <a:rPr lang="en-US" dirty="0">
+                <a:effectLst/>
+              </a:rPr>
+              <a:t> values. Once the credential is created, it must be specified in the WITH CREDENTIAL option when issuing the BACKUP/RESTORE statements.</a:t>
+            </a:r>
+          </a:p>
+          <a:p>
+            <a:endParaRPr lang="en-US" dirty="0">
+              <a:effectLst/>
+            </a:endParaRPr>
+          </a:p>
+          <a:p>
+            <a:r>
+              <a:rPr lang="en-US" dirty="0">
+                <a:effectLst/>
+              </a:rPr>
+              <a:t>For</a:t>
+            </a:r>
+            <a:r>
+              <a:rPr lang="en-US" baseline="0" dirty="0">
+                <a:effectLst/>
+              </a:rPr>
+              <a:t> backups larger than 1TB, backup to disks (storage pool).</a:t>
+            </a:r>
+          </a:p>
+          <a:p>
+            <a:endParaRPr lang="en-US" dirty="0"/>
           </a:p>
         </p:txBody>
       </p:sp>
@@ -1618,9 +1511,9 @@
           <a:bodyPr/>
           <a:lstStyle/>
           <a:p>
-            <a:fld id="{7A2D9050-ECBC-4706-AA5F-C061ABCE0250}" type="slidenum">
+            <a:fld id="{D2E9B5C7-E893-44FC-BCCF-622F37DEFA34}" type="slidenum">
               <a:rPr lang="en-US" smtClean="0"/>
-              <a:t>22</a:t>
+              <a:t>23</a:t>
             </a:fld>
             <a:endParaRPr lang="en-US"/>
           </a:p>
@@ -1629,7 +1522,7 @@
     </p:spTree>
     <p:extLst>
       <p:ext uri="{BB962C8B-B14F-4D97-AF65-F5344CB8AC3E}">
-        <p14:creationId xmlns:p14="http://schemas.microsoft.com/office/powerpoint/2010/main" val="3983697100"/>
+        <p14:creationId xmlns:p14="http://schemas.microsoft.com/office/powerpoint/2010/main" val="1331101485"/>
       </p:ext>
     </p:extLst>
   </p:cSld>
@@ -1684,223 +1577,79 @@
           <a:lstStyle/>
           <a:p>
             <a:r>
-              <a:rPr lang="en-US" sz="1200" kern="1200" dirty="0">
-                <a:solidFill>
-                  <a:schemeClr val="tx1"/>
-                </a:solidFill>
-                <a:latin typeface="+mn-lt"/>
-                <a:ea typeface="+mn-ea"/>
-                <a:cs typeface="+mn-cs"/>
-              </a:rPr>
-              <a:t>Reference</a:t>
-            </a:r>
-          </a:p>
-          <a:p>
-            <a:r>
-              <a:rPr lang="en-US" sz="1200" kern="1200" dirty="0">
-                <a:solidFill>
-                  <a:schemeClr val="tx1"/>
-                </a:solidFill>
-                <a:latin typeface="+mn-lt"/>
-                <a:ea typeface="+mn-ea"/>
-                <a:cs typeface="+mn-cs"/>
-              </a:rPr>
-              <a:t>https://technet.microsoft.com/library/ms187103.aspx</a:t>
-            </a:r>
-          </a:p>
-          <a:p>
-            <a:r>
-              <a:rPr lang="en-US" sz="1200" kern="1200" baseline="0" dirty="0">
-                <a:solidFill>
-                  <a:schemeClr val="tx1"/>
-                </a:solidFill>
-                <a:latin typeface="+mn-lt"/>
-                <a:ea typeface="+mn-ea"/>
-                <a:cs typeface="+mn-cs"/>
-              </a:rPr>
-              <a:t>https://sqlserver-help.com/2014/07/03/alwayson-better-together-using-alwayson-availability-group-and-log-shipping/</a:t>
-            </a:r>
-          </a:p>
-          <a:p>
-            <a:endParaRPr lang="en-US" sz="1200" kern="1200" baseline="0" dirty="0">
-              <a:solidFill>
-                <a:schemeClr val="tx1"/>
-              </a:solidFill>
-              <a:latin typeface="+mn-lt"/>
-              <a:ea typeface="+mn-ea"/>
-              <a:cs typeface="+mn-cs"/>
-            </a:endParaRPr>
-          </a:p>
-          <a:p>
-            <a:endParaRPr lang="en-US" sz="1200" kern="1200" baseline="0" dirty="0">
-              <a:solidFill>
-                <a:schemeClr val="tx1"/>
-              </a:solidFill>
-              <a:latin typeface="+mn-lt"/>
-              <a:ea typeface="+mn-ea"/>
-              <a:cs typeface="+mn-cs"/>
-            </a:endParaRPr>
-          </a:p>
-          <a:p>
-            <a:r>
-              <a:rPr lang="en-US" sz="1200" b="1" kern="1200" baseline="0" dirty="0">
-                <a:solidFill>
-                  <a:schemeClr val="tx1"/>
-                </a:solidFill>
-                <a:latin typeface="+mn-lt"/>
-                <a:ea typeface="+mn-ea"/>
-                <a:cs typeface="+mn-cs"/>
-              </a:rPr>
-              <a:t>NO log ship to URL (Azure storage) directly yet</a:t>
-            </a:r>
-            <a:endParaRPr lang="en-US" sz="1200" b="1" kern="1200" dirty="0">
-              <a:solidFill>
-                <a:schemeClr val="tx1"/>
-              </a:solidFill>
-              <a:latin typeface="+mn-lt"/>
-              <a:ea typeface="+mn-ea"/>
-              <a:cs typeface="+mn-cs"/>
-            </a:endParaRPr>
-          </a:p>
-          <a:p>
-            <a:endParaRPr lang="en-US" sz="1200" kern="1200" dirty="0">
-              <a:solidFill>
-                <a:schemeClr val="tx1"/>
-              </a:solidFill>
-              <a:effectLst/>
-              <a:latin typeface="+mn-lt"/>
-              <a:ea typeface="+mn-ea"/>
-              <a:cs typeface="+mn-cs"/>
-            </a:endParaRPr>
-          </a:p>
-          <a:p>
-            <a:r>
-              <a:rPr lang="en-US" sz="3200" dirty="0">
-                <a:effectLst/>
-              </a:rPr>
-              <a:t>SQL Server Log shipping allows you to automatically send transaction log backups from a </a:t>
-            </a:r>
-            <a:r>
-              <a:rPr lang="en-US" sz="3200" i="1" dirty="0">
-                <a:effectLst/>
-              </a:rPr>
-              <a:t>primary database</a:t>
-            </a:r>
-            <a:r>
-              <a:rPr lang="en-US" sz="3200" dirty="0">
-                <a:effectLst/>
-              </a:rPr>
-              <a:t> on a </a:t>
-            </a:r>
-            <a:r>
-              <a:rPr lang="en-US" sz="3200" i="1" dirty="0">
-                <a:effectLst/>
-              </a:rPr>
-              <a:t>primary server</a:t>
-            </a:r>
-            <a:r>
-              <a:rPr lang="en-US" sz="3200" dirty="0">
-                <a:effectLst/>
-              </a:rPr>
-              <a:t> instance to one or more </a:t>
-            </a:r>
-            <a:r>
-              <a:rPr lang="en-US" sz="3200" i="1" dirty="0">
-                <a:effectLst/>
-              </a:rPr>
-              <a:t>secondary databases</a:t>
-            </a:r>
-            <a:r>
-              <a:rPr lang="en-US" sz="3200" dirty="0">
-                <a:effectLst/>
-              </a:rPr>
-              <a:t> on separate </a:t>
-            </a:r>
-            <a:r>
-              <a:rPr lang="en-US" sz="3200" i="1" dirty="0">
-                <a:effectLst/>
-              </a:rPr>
-              <a:t>secondary server</a:t>
-            </a:r>
-            <a:r>
-              <a:rPr lang="en-US" sz="3200" dirty="0">
-                <a:effectLst/>
-              </a:rPr>
-              <a:t> instances. The transaction log backups are applied to each of the secondary databases individually. An optional third server instance, known as the </a:t>
-            </a:r>
-            <a:r>
-              <a:rPr lang="en-US" sz="3200" i="1" dirty="0">
-                <a:effectLst/>
-              </a:rPr>
-              <a:t>monitor server</a:t>
-            </a:r>
-            <a:r>
-              <a:rPr lang="en-US" sz="3200" dirty="0">
-                <a:effectLst/>
-              </a:rPr>
-              <a:t>, records the history and status of backup and restore operations and, optionally, raises alerts if these operations fail to occur as scheduled.</a:t>
-            </a:r>
-          </a:p>
-          <a:p>
-            <a:endParaRPr lang="en-US" sz="3200" dirty="0">
-              <a:effectLst/>
-            </a:endParaRPr>
-          </a:p>
-          <a:p>
-            <a:r>
-              <a:rPr lang="en-US" sz="3200" dirty="0">
-                <a:effectLst/>
-              </a:rPr>
-              <a:t>AG can combine with Log shipping.  its about controlling the data movement and restore delay on secondary database in log-shipping. Here is list of reasons why someone would use AlwaysOn Availability Group and Log Shipping together.  Reasons for the combination</a:t>
-            </a:r>
-            <a:r>
-              <a:rPr lang="en-US" sz="3200" baseline="0" dirty="0">
-                <a:effectLst/>
-              </a:rPr>
-              <a:t> are:</a:t>
-            </a:r>
-            <a:endParaRPr lang="en-US" sz="3200" dirty="0">
-              <a:effectLst/>
-            </a:endParaRPr>
-          </a:p>
-          <a:p>
-            <a:pPr lvl="1"/>
-            <a:r>
-              <a:rPr lang="en-US" sz="3200" dirty="0">
-                <a:effectLst/>
-              </a:rPr>
-              <a:t>Delayed Recovery – In Log-shipping we can have definite delay on secondary database. This would safe guard DBA from “oops!” and “was that the production server?” situations. Log shipping can control the delay of transaction log restore while Asynchronous secondary replica can not. </a:t>
-            </a:r>
-          </a:p>
-          <a:p>
-            <a:pPr lvl="1"/>
-            <a:r>
-              <a:rPr lang="en-US" sz="3200" dirty="0">
-                <a:effectLst/>
-              </a:rPr>
-              <a:t>Single DR Server – Single Server can be used as multiple log-shipping pair’s destination. </a:t>
-            </a:r>
-          </a:p>
-          <a:p>
-            <a:pPr lvl="1"/>
-            <a:r>
-              <a:rPr lang="en-US" sz="3200" dirty="0">
-                <a:effectLst/>
-              </a:rPr>
-              <a:t>Infrastructure – Server at DR site can’t be a part of current cluster due to infrastructure limitations. </a:t>
-            </a:r>
-          </a:p>
-          <a:p>
-            <a:pPr lvl="1"/>
-            <a:r>
-              <a:rPr lang="en-US" sz="3200" dirty="0">
-                <a:effectLst/>
-              </a:rPr>
-              <a:t>Technical – Secondary server is already a part of different windows failover cluster. In availability group, we can’t have overlap of nodes by two windows clusters.</a:t>
-            </a:r>
-          </a:p>
-          <a:p>
-            <a:endParaRPr lang="en-US" sz="3200" dirty="0"/>
+              <a:rPr lang="en-US" dirty="0"/>
+              <a:t>Open SSMS</a:t>
+            </a:r>
+          </a:p>
+          <a:p>
+            <a:r>
+              <a:rPr lang="en-US" dirty="0"/>
+              <a:t>Generate a credential for</a:t>
+            </a:r>
+            <a:r>
+              <a:rPr lang="en-US" baseline="0" dirty="0"/>
+              <a:t> SQL Server to use to access blob storage</a:t>
+            </a:r>
+          </a:p>
+          <a:p>
+            <a:r>
+              <a:rPr lang="en-US" baseline="0" dirty="0"/>
+              <a:t>Backup database</a:t>
+            </a:r>
+          </a:p>
+          <a:p>
+            <a:pPr marL="171450" indent="-171450">
+              <a:buFontTx/>
+              <a:buChar char="-"/>
+            </a:pPr>
+            <a:r>
+              <a:rPr lang="en-US" baseline="0" dirty="0"/>
+              <a:t>Select URL</a:t>
+            </a:r>
+          </a:p>
+          <a:p>
+            <a:pPr marL="171450" indent="-171450">
+              <a:buFontTx/>
+              <a:buChar char="-"/>
+            </a:pPr>
+            <a:r>
+              <a:rPr lang="en-US" baseline="0" dirty="0"/>
+              <a:t>Select the credential</a:t>
+            </a:r>
+          </a:p>
+          <a:p>
+            <a:pPr marL="171450" indent="-171450">
+              <a:buFontTx/>
+              <a:buChar char="-"/>
+            </a:pPr>
+            <a:r>
+              <a:rPr lang="en-US" baseline="0" dirty="0"/>
+              <a:t>Set storage account and container</a:t>
+            </a:r>
+          </a:p>
+          <a:p>
+            <a:pPr marL="171450" indent="-171450">
+              <a:buFontTx/>
+              <a:buChar char="-"/>
+            </a:pPr>
+            <a:endParaRPr lang="en-US" baseline="0" dirty="0"/>
+          </a:p>
+          <a:p>
+            <a:pPr marL="0" indent="0">
+              <a:buFontTx/>
+              <a:buNone/>
+            </a:pPr>
+            <a:r>
+              <a:rPr lang="en-US" baseline="0" dirty="0"/>
+              <a:t>Show the back up in blob storage.</a:t>
+            </a:r>
+          </a:p>
+          <a:p>
+            <a:pPr marL="0" indent="0">
+              <a:buFontTx/>
+              <a:buNone/>
+            </a:pPr>
+            <a:endParaRPr lang="en-US" baseline="0" dirty="0"/>
           </a:p>
         </p:txBody>
       </p:sp>
@@ -1919,9 +1668,9 @@
           <a:bodyPr/>
           <a:lstStyle/>
           <a:p>
-            <a:fld id="{D2E9B5C7-E893-44FC-BCCF-622F37DEFA34}" type="slidenum">
+            <a:fld id="{7A2D9050-ECBC-4706-AA5F-C061ABCE0250}" type="slidenum">
               <a:rPr lang="en-US" smtClean="0"/>
-              <a:t>23</a:t>
+              <a:t>24</a:t>
             </a:fld>
             <a:endParaRPr lang="en-US"/>
           </a:p>
@@ -1930,7 +1679,7 @@
     </p:spTree>
     <p:extLst>
       <p:ext uri="{BB962C8B-B14F-4D97-AF65-F5344CB8AC3E}">
-        <p14:creationId xmlns:p14="http://schemas.microsoft.com/office/powerpoint/2010/main" val="2355804464"/>
+        <p14:creationId xmlns:p14="http://schemas.microsoft.com/office/powerpoint/2010/main" val="3983697100"/>
       </p:ext>
     </p:extLst>
   </p:cSld>
@@ -1985,44 +1734,223 @@
           <a:lstStyle/>
           <a:p>
             <a:r>
-              <a:rPr lang="en-US" sz="3200" dirty="0"/>
-              <a:t>In this SQL DR solution, we have three</a:t>
-            </a:r>
-            <a:r>
-              <a:rPr lang="en-US" sz="3200" baseline="0" dirty="0"/>
-              <a:t> nodes in a Windows Server Failover Cluster stretched across two premises.</a:t>
-            </a:r>
-          </a:p>
-          <a:p>
-            <a:endParaRPr lang="en-US" sz="3200" baseline="0" dirty="0"/>
-          </a:p>
-          <a:p>
-            <a:r>
-              <a:rPr lang="en-US" sz="3200" baseline="0" dirty="0"/>
-              <a:t>The two nodes on-premises offers automatic failover and zero data loss with synchronous replication</a:t>
-            </a:r>
-          </a:p>
-          <a:p>
-            <a:r>
-              <a:rPr lang="en-US" sz="3200" baseline="0" dirty="0"/>
-              <a:t>The remote node on Azure serves as a DR replica.  For performance consideration of the application, this replica uses asynchronous replication which has the potential of data loss when failover.  The failover is manual.</a:t>
-            </a:r>
-          </a:p>
-          <a:p>
-            <a:endParaRPr lang="en-US" sz="3200" baseline="0" dirty="0"/>
-          </a:p>
-          <a:p>
-            <a:r>
-              <a:rPr lang="en-US" sz="3200" b="1" baseline="0" dirty="0"/>
-              <a:t>Benefits:</a:t>
-            </a:r>
-          </a:p>
-          <a:p>
-            <a:r>
-              <a:rPr lang="en-US" sz="3200" b="0" baseline="0" dirty="0"/>
-              <a:t>Not only can customers protect against system failure to keep up with SLA, they can also minimize planned down time.  With rolling upgrade and maintenance, all planned maintenance and upgrades can be performed during business hours without taking the primary instance down.  </a:t>
-            </a:r>
-            <a:endParaRPr lang="en-US" sz="3200" b="0" dirty="0"/>
+              <a:rPr lang="en-US" sz="1200" kern="1200" dirty="0">
+                <a:solidFill>
+                  <a:schemeClr val="tx1"/>
+                </a:solidFill>
+                <a:latin typeface="+mn-lt"/>
+                <a:ea typeface="+mn-ea"/>
+                <a:cs typeface="+mn-cs"/>
+              </a:rPr>
+              <a:t>Reference</a:t>
+            </a:r>
+          </a:p>
+          <a:p>
+            <a:r>
+              <a:rPr lang="en-US" sz="1200" kern="1200" dirty="0">
+                <a:solidFill>
+                  <a:schemeClr val="tx1"/>
+                </a:solidFill>
+                <a:latin typeface="+mn-lt"/>
+                <a:ea typeface="+mn-ea"/>
+                <a:cs typeface="+mn-cs"/>
+              </a:rPr>
+              <a:t>https://technet.microsoft.com/library/ms187103.aspx</a:t>
+            </a:r>
+          </a:p>
+          <a:p>
+            <a:r>
+              <a:rPr lang="en-US" sz="1200" kern="1200" baseline="0" dirty="0">
+                <a:solidFill>
+                  <a:schemeClr val="tx1"/>
+                </a:solidFill>
+                <a:latin typeface="+mn-lt"/>
+                <a:ea typeface="+mn-ea"/>
+                <a:cs typeface="+mn-cs"/>
+              </a:rPr>
+              <a:t>https://sqlserver-help.com/2014/07/03/alwayson-better-together-using-alwayson-availability-group-and-log-shipping/</a:t>
+            </a:r>
+          </a:p>
+          <a:p>
+            <a:endParaRPr lang="en-US" sz="1200" kern="1200" baseline="0" dirty="0">
+              <a:solidFill>
+                <a:schemeClr val="tx1"/>
+              </a:solidFill>
+              <a:latin typeface="+mn-lt"/>
+              <a:ea typeface="+mn-ea"/>
+              <a:cs typeface="+mn-cs"/>
+            </a:endParaRPr>
+          </a:p>
+          <a:p>
+            <a:endParaRPr lang="en-US" sz="1200" kern="1200" baseline="0" dirty="0">
+              <a:solidFill>
+                <a:schemeClr val="tx1"/>
+              </a:solidFill>
+              <a:latin typeface="+mn-lt"/>
+              <a:ea typeface="+mn-ea"/>
+              <a:cs typeface="+mn-cs"/>
+            </a:endParaRPr>
+          </a:p>
+          <a:p>
+            <a:r>
+              <a:rPr lang="en-US" sz="1200" b="1" kern="1200" baseline="0" dirty="0">
+                <a:solidFill>
+                  <a:schemeClr val="tx1"/>
+                </a:solidFill>
+                <a:latin typeface="+mn-lt"/>
+                <a:ea typeface="+mn-ea"/>
+                <a:cs typeface="+mn-cs"/>
+              </a:rPr>
+              <a:t>NO log ship to URL (Azure storage) directly yet</a:t>
+            </a:r>
+            <a:endParaRPr lang="en-US" sz="1200" b="1" kern="1200" dirty="0">
+              <a:solidFill>
+                <a:schemeClr val="tx1"/>
+              </a:solidFill>
+              <a:latin typeface="+mn-lt"/>
+              <a:ea typeface="+mn-ea"/>
+              <a:cs typeface="+mn-cs"/>
+            </a:endParaRPr>
+          </a:p>
+          <a:p>
+            <a:endParaRPr lang="en-US" sz="1200" kern="1200" dirty="0">
+              <a:solidFill>
+                <a:schemeClr val="tx1"/>
+              </a:solidFill>
+              <a:effectLst/>
+              <a:latin typeface="+mn-lt"/>
+              <a:ea typeface="+mn-ea"/>
+              <a:cs typeface="+mn-cs"/>
+            </a:endParaRPr>
+          </a:p>
+          <a:p>
+            <a:r>
+              <a:rPr lang="en-US" sz="3200" dirty="0">
+                <a:effectLst/>
+              </a:rPr>
+              <a:t>SQL Server Log shipping allows you to automatically send transaction log backups from a </a:t>
+            </a:r>
+            <a:r>
+              <a:rPr lang="en-US" sz="3200" i="1" dirty="0">
+                <a:effectLst/>
+              </a:rPr>
+              <a:t>primary database</a:t>
+            </a:r>
+            <a:r>
+              <a:rPr lang="en-US" sz="3200" dirty="0">
+                <a:effectLst/>
+              </a:rPr>
+              <a:t> on a </a:t>
+            </a:r>
+            <a:r>
+              <a:rPr lang="en-US" sz="3200" i="1" dirty="0">
+                <a:effectLst/>
+              </a:rPr>
+              <a:t>primary server</a:t>
+            </a:r>
+            <a:r>
+              <a:rPr lang="en-US" sz="3200" dirty="0">
+                <a:effectLst/>
+              </a:rPr>
+              <a:t> instance to one or more </a:t>
+            </a:r>
+            <a:r>
+              <a:rPr lang="en-US" sz="3200" i="1" dirty="0">
+                <a:effectLst/>
+              </a:rPr>
+              <a:t>secondary databases</a:t>
+            </a:r>
+            <a:r>
+              <a:rPr lang="en-US" sz="3200" dirty="0">
+                <a:effectLst/>
+              </a:rPr>
+              <a:t> on separate </a:t>
+            </a:r>
+            <a:r>
+              <a:rPr lang="en-US" sz="3200" i="1" dirty="0">
+                <a:effectLst/>
+              </a:rPr>
+              <a:t>secondary server</a:t>
+            </a:r>
+            <a:r>
+              <a:rPr lang="en-US" sz="3200" dirty="0">
+                <a:effectLst/>
+              </a:rPr>
+              <a:t> instances. The transaction log backups are applied to each of the secondary databases individually. An optional third server instance, known as the </a:t>
+            </a:r>
+            <a:r>
+              <a:rPr lang="en-US" sz="3200" i="1" dirty="0">
+                <a:effectLst/>
+              </a:rPr>
+              <a:t>monitor server</a:t>
+            </a:r>
+            <a:r>
+              <a:rPr lang="en-US" sz="3200" dirty="0">
+                <a:effectLst/>
+              </a:rPr>
+              <a:t>, records the history and status of backup and restore operations and, optionally, raises alerts if these operations fail to occur as scheduled.</a:t>
+            </a:r>
+          </a:p>
+          <a:p>
+            <a:endParaRPr lang="en-US" sz="3200" dirty="0">
+              <a:effectLst/>
+            </a:endParaRPr>
+          </a:p>
+          <a:p>
+            <a:r>
+              <a:rPr lang="en-US" sz="3200" dirty="0">
+                <a:effectLst/>
+              </a:rPr>
+              <a:t>AG can combine with Log shipping.  its about controlling the data movement and restore delay on secondary database in log-shipping. Here is list of reasons why someone would use AlwaysOn Availability Group and Log Shipping together.  Reasons for the combination</a:t>
+            </a:r>
+            <a:r>
+              <a:rPr lang="en-US" sz="3200" baseline="0" dirty="0">
+                <a:effectLst/>
+              </a:rPr>
+              <a:t> are:</a:t>
+            </a:r>
+            <a:endParaRPr lang="en-US" sz="3200" dirty="0">
+              <a:effectLst/>
+            </a:endParaRPr>
+          </a:p>
+          <a:p>
+            <a:pPr lvl="1"/>
+            <a:r>
+              <a:rPr lang="en-US" sz="3200" dirty="0">
+                <a:effectLst/>
+              </a:rPr>
+              <a:t>Delayed Recovery – In Log-shipping we can have definite delay on secondary database. This would safe guard DBA from “oops!” and “was that the production server?” situations. Log shipping can control the delay of transaction log restore while Asynchronous secondary replica can not. </a:t>
+            </a:r>
+          </a:p>
+          <a:p>
+            <a:pPr lvl="1"/>
+            <a:r>
+              <a:rPr lang="en-US" sz="3200" dirty="0">
+                <a:effectLst/>
+              </a:rPr>
+              <a:t>Single DR Server – Single Server can be used as multiple log-shipping pair’s destination. </a:t>
+            </a:r>
+          </a:p>
+          <a:p>
+            <a:pPr lvl="1"/>
+            <a:r>
+              <a:rPr lang="en-US" sz="3200" dirty="0">
+                <a:effectLst/>
+              </a:rPr>
+              <a:t>Infrastructure – Server at DR site can’t be a part of current cluster due to infrastructure limitations. </a:t>
+            </a:r>
+          </a:p>
+          <a:p>
+            <a:pPr lvl="1"/>
+            <a:r>
+              <a:rPr lang="en-US" sz="3200" dirty="0">
+                <a:effectLst/>
+              </a:rPr>
+              <a:t>Technical – Secondary server is already a part of different windows failover cluster. In availability group, we can’t have overlap of nodes by two windows clusters.</a:t>
+            </a:r>
+          </a:p>
+          <a:p>
+            <a:endParaRPr lang="en-US" sz="3200" dirty="0"/>
           </a:p>
         </p:txBody>
       </p:sp>
@@ -2043,7 +1971,7 @@
           <a:p>
             <a:fld id="{D2E9B5C7-E893-44FC-BCCF-622F37DEFA34}" type="slidenum">
               <a:rPr lang="en-US" smtClean="0"/>
-              <a:t>24</a:t>
+              <a:t>25</a:t>
             </a:fld>
             <a:endParaRPr lang="en-US"/>
           </a:p>
@@ -2052,7 +1980,7 @@
     </p:spTree>
     <p:extLst>
       <p:ext uri="{BB962C8B-B14F-4D97-AF65-F5344CB8AC3E}">
-        <p14:creationId xmlns:p14="http://schemas.microsoft.com/office/powerpoint/2010/main" val="3752841200"/>
+        <p14:creationId xmlns:p14="http://schemas.microsoft.com/office/powerpoint/2010/main" val="2355804464"/>
       </p:ext>
     </p:extLst>
   </p:cSld>
@@ -2107,9 +2035,44 @@
           <a:lstStyle/>
           <a:p>
             <a:r>
-              <a:rPr lang="en-US" dirty="0"/>
-              <a:t>https://blogs.msdn.microsoft.com/igorpag/2015/07/28/multi-terabyte-sql-server-database-backup-strategies-for-azure-virtual-machines/</a:t>
-            </a:r>
+              <a:rPr lang="en-US" sz="3200" dirty="0"/>
+              <a:t>In this SQL DR solution, we have three</a:t>
+            </a:r>
+            <a:r>
+              <a:rPr lang="en-US" sz="3200" baseline="0" dirty="0"/>
+              <a:t> nodes in a Windows Server Failover Cluster stretched across two premises.</a:t>
+            </a:r>
+          </a:p>
+          <a:p>
+            <a:endParaRPr lang="en-US" sz="3200" baseline="0" dirty="0"/>
+          </a:p>
+          <a:p>
+            <a:r>
+              <a:rPr lang="en-US" sz="3200" baseline="0" dirty="0"/>
+              <a:t>The two nodes on-premises offers automatic failover and zero data loss with synchronous replication</a:t>
+            </a:r>
+          </a:p>
+          <a:p>
+            <a:r>
+              <a:rPr lang="en-US" sz="3200" baseline="0" dirty="0"/>
+              <a:t>The remote node on Azure serves as a DR replica.  For performance consideration of the application, this replica uses asynchronous replication which has the potential of data loss when failover.  The failover is manual.</a:t>
+            </a:r>
+          </a:p>
+          <a:p>
+            <a:endParaRPr lang="en-US" sz="3200" baseline="0" dirty="0"/>
+          </a:p>
+          <a:p>
+            <a:r>
+              <a:rPr lang="en-US" sz="3200" b="1" baseline="0" dirty="0"/>
+              <a:t>Benefits:</a:t>
+            </a:r>
+          </a:p>
+          <a:p>
+            <a:r>
+              <a:rPr lang="en-US" sz="3200" b="0" baseline="0" dirty="0"/>
+              <a:t>Not only can customers protect against system failure to keep up with SLA, they can also minimize planned down time.  With rolling upgrade and maintenance, all planned maintenance and upgrades can be performed during business hours without taking the primary instance down.  </a:t>
+            </a:r>
+            <a:endParaRPr lang="en-US" sz="3200" b="0" dirty="0"/>
           </a:p>
         </p:txBody>
       </p:sp>
@@ -2128,7 +2091,7 @@
           <a:bodyPr/>
           <a:lstStyle/>
           <a:p>
-            <a:fld id="{7A2D9050-ECBC-4706-AA5F-C061ABCE0250}" type="slidenum">
+            <a:fld id="{D2E9B5C7-E893-44FC-BCCF-622F37DEFA34}" type="slidenum">
               <a:rPr lang="en-US" smtClean="0"/>
               <a:t>26</a:t>
             </a:fld>
@@ -2139,7 +2102,7 @@
     </p:spTree>
     <p:extLst>
       <p:ext uri="{BB962C8B-B14F-4D97-AF65-F5344CB8AC3E}">
-        <p14:creationId xmlns:p14="http://schemas.microsoft.com/office/powerpoint/2010/main" val="2742646331"/>
+        <p14:creationId xmlns:p14="http://schemas.microsoft.com/office/powerpoint/2010/main" val="3752841200"/>
       </p:ext>
     </p:extLst>
   </p:cSld>
@@ -2193,256 +2156,9 @@
           <a:bodyPr/>
           <a:lstStyle/>
           <a:p>
-            <a:pPr marL="0" marR="0" indent="0" algn="l" defTabSz="914400" rtl="0" eaLnBrk="1" fontAlgn="auto" latinLnBrk="0" hangingPunct="1">
-              <a:lnSpc>
-                <a:spcPct val="100000"/>
-              </a:lnSpc>
-              <a:spcBef>
-                <a:spcPts val="0"/>
-              </a:spcBef>
-              <a:spcAft>
-                <a:spcPts val="0"/>
-              </a:spcAft>
-              <a:buClrTx/>
-              <a:buSzTx/>
-              <a:buFontTx/>
-              <a:buNone/>
-              <a:tabLst/>
-              <a:defRPr/>
-            </a:pPr>
-            <a:r>
-              <a:rPr lang="en-US" sz="1200" b="1" dirty="0">
-                <a:solidFill>
-                  <a:schemeClr val="accent1"/>
-                </a:solidFill>
-                <a:latin typeface="Segoe UI Light" panose="020B0502040204020203" pitchFamily="34" charset="0"/>
-                <a:ea typeface="Segoe UI" panose="020B0502040204020203" pitchFamily="34" charset="0"/>
-                <a:cs typeface="Segoe UI" panose="020B0502040204020203" pitchFamily="34" charset="0"/>
-              </a:rPr>
-              <a:t>Azure Integrated Backup Solution</a:t>
-            </a:r>
-            <a:endParaRPr lang="en-US" sz="1200" b="1" dirty="0">
-              <a:latin typeface="Segoe UI Light" panose="020B0502040204020203" pitchFamily="34" charset="0"/>
-            </a:endParaRPr>
-          </a:p>
-          <a:p>
-            <a:pPr marL="171450" indent="-171450">
-              <a:buFont typeface="Arial" panose="020B0604020202020204" pitchFamily="34" charset="0"/>
-              <a:buChar char="•"/>
-            </a:pPr>
             <a:r>
               <a:rPr lang="en-US" dirty="0"/>
-              <a:t>Azure Backup protects your data in the cloud and optionally can be integrated with System Center Data Protection Manager for advanced workload protection.</a:t>
-            </a:r>
-          </a:p>
-          <a:p>
-            <a:pPr marL="171450" indent="-171450">
-              <a:buFont typeface="Arial" panose="020B0604020202020204" pitchFamily="34" charset="0"/>
-              <a:buChar char="•"/>
-            </a:pPr>
-            <a:r>
-              <a:rPr lang="en-US" dirty="0"/>
-              <a:t>Data protection schedules can be daily, monthly, weekly, and yearly with retention up to 99 years in Azure</a:t>
-            </a:r>
-          </a:p>
-          <a:p>
-            <a:pPr marL="171450" indent="-171450">
-              <a:buFont typeface="Arial" panose="020B0604020202020204" pitchFamily="34" charset="0"/>
-              <a:buChar char="•"/>
-            </a:pPr>
-            <a:r>
-              <a:rPr lang="en-US" dirty="0"/>
-              <a:t>Protects workloads running in Azure, in VMs, or on physical servers</a:t>
-            </a:r>
-          </a:p>
-          <a:p>
-            <a:pPr marL="171450" indent="-171450">
-              <a:buFont typeface="Arial" panose="020B0604020202020204" pitchFamily="34" charset="0"/>
-              <a:buChar char="•"/>
-            </a:pPr>
-            <a:r>
-              <a:rPr lang="en-US" dirty="0"/>
-              <a:t>Centralized monitoring and reporting across on premises and Azure</a:t>
-            </a:r>
-          </a:p>
-          <a:p>
-            <a:endParaRPr lang="en-US" dirty="0"/>
-          </a:p>
-          <a:p>
-            <a:pPr marL="0" marR="0" indent="0" algn="l" defTabSz="914400" rtl="0" eaLnBrk="1" fontAlgn="auto" latinLnBrk="0" hangingPunct="1">
-              <a:lnSpc>
-                <a:spcPct val="100000"/>
-              </a:lnSpc>
-              <a:spcBef>
-                <a:spcPts val="0"/>
-              </a:spcBef>
-              <a:spcAft>
-                <a:spcPts val="0"/>
-              </a:spcAft>
-              <a:buClrTx/>
-              <a:buSzTx/>
-              <a:buFontTx/>
-              <a:buNone/>
-              <a:tabLst/>
-              <a:defRPr/>
-            </a:pPr>
-            <a:r>
-              <a:rPr lang="en-US" sz="1200" b="1" dirty="0">
-                <a:solidFill>
-                  <a:schemeClr val="accent1"/>
-                </a:solidFill>
-                <a:latin typeface="Segoe UI Light" panose="020B0502040204020203" pitchFamily="34" charset="0"/>
-                <a:ea typeface="Segoe UI" panose="020B0502040204020203" pitchFamily="34" charset="0"/>
-                <a:cs typeface="Segoe UI" panose="020B0502040204020203" pitchFamily="34" charset="0"/>
-              </a:rPr>
-              <a:t>Advanced Workload Protection</a:t>
-            </a:r>
-          </a:p>
-          <a:p>
-            <a:pPr marL="171450" indent="-171450">
-              <a:buFont typeface="Arial" panose="020B0604020202020204" pitchFamily="34" charset="0"/>
-              <a:buChar char="•"/>
-            </a:pPr>
-            <a:r>
-              <a:rPr lang="en-US" dirty="0"/>
-              <a:t>Protects files and folders from Windows Servers and Windows Clients</a:t>
-            </a:r>
-          </a:p>
-          <a:p>
-            <a:pPr marL="171450" indent="-171450">
-              <a:buFont typeface="Arial" panose="020B0604020202020204" pitchFamily="34" charset="0"/>
-              <a:buChar char="•"/>
-            </a:pPr>
-            <a:r>
-              <a:rPr lang="en-US" dirty="0"/>
-              <a:t>Integrates with SCDPM protects enterprise workloads including SharePoint, Exchange, SQL Server, and Hyper-V VMs</a:t>
-            </a:r>
-          </a:p>
-          <a:p>
-            <a:pPr marL="171450" indent="-171450">
-              <a:buFont typeface="Arial" panose="020B0604020202020204" pitchFamily="34" charset="0"/>
-              <a:buChar char="•"/>
-            </a:pPr>
-            <a:r>
-              <a:rPr lang="en-US" dirty="0"/>
-              <a:t>Protects guest workloads running in VMware environments</a:t>
-            </a:r>
-          </a:p>
-          <a:p>
-            <a:pPr marL="171450" indent="-171450">
-              <a:buFont typeface="Arial" panose="020B0604020202020204" pitchFamily="34" charset="0"/>
-              <a:buChar char="•"/>
-            </a:pPr>
-            <a:r>
-              <a:rPr lang="en-US" dirty="0"/>
-              <a:t>DPM works seamlessly with the Hyper-V Volume Shadow Copy Services (VSS) writer to ensure that consistent versions of virtual machines are captured and protected without affecting virtual machine access</a:t>
-            </a:r>
-          </a:p>
-          <a:p>
-            <a:pPr marL="171450" indent="-171450">
-              <a:buFont typeface="Arial" panose="020B0604020202020204" pitchFamily="34" charset="0"/>
-              <a:buChar char="•"/>
-            </a:pPr>
-            <a:r>
-              <a:rPr lang="en-US" dirty="0"/>
-              <a:t>Granular restore capability such as mailbox recovery for Exchange, DB level recovery for SQL, and ILR for SharePoint</a:t>
-            </a:r>
-          </a:p>
-          <a:p>
-            <a:pPr marL="0" indent="0">
-              <a:buFont typeface="Arial" panose="020B0604020202020204" pitchFamily="34" charset="0"/>
-              <a:buNone/>
-            </a:pPr>
-            <a:endParaRPr lang="en-US" dirty="0">
-              <a:solidFill>
-                <a:schemeClr val="tx2">
-                  <a:lumMod val="50000"/>
-                </a:schemeClr>
-              </a:solidFill>
-            </a:endParaRPr>
-          </a:p>
-          <a:p>
-            <a:pPr marL="0" indent="0">
-              <a:buFont typeface="Arial" panose="020B0604020202020204" pitchFamily="34" charset="0"/>
-              <a:buNone/>
-            </a:pPr>
-            <a:endParaRPr lang="en-US" dirty="0">
-              <a:solidFill>
-                <a:schemeClr val="tx2">
-                  <a:lumMod val="50000"/>
-                </a:schemeClr>
-              </a:solidFill>
-            </a:endParaRPr>
-          </a:p>
-          <a:p>
-            <a:pPr marL="0" indent="0">
-              <a:buFont typeface="Arial" panose="020B0604020202020204" pitchFamily="34" charset="0"/>
-              <a:buNone/>
-            </a:pPr>
-            <a:r>
-              <a:rPr lang="en-US" sz="1600" i="1" dirty="0">
-                <a:solidFill>
-                  <a:schemeClr val="tx2">
-                    <a:lumMod val="50000"/>
-                  </a:schemeClr>
-                </a:solidFill>
-              </a:rPr>
-              <a:t>When setting up the Azure Backup Vault,</a:t>
-            </a:r>
-            <a:r>
-              <a:rPr lang="en-US" sz="1600" i="1" baseline="0" dirty="0">
-                <a:solidFill>
-                  <a:schemeClr val="tx2">
-                    <a:lumMod val="50000"/>
-                  </a:schemeClr>
-                </a:solidFill>
-              </a:rPr>
-              <a:t> selecting a region far away from your primary region is unnecessary.  Azure Backup automatically copies the backup files to a remote region.  So select a region close to your primary region for faster backups  ??</a:t>
-            </a:r>
-          </a:p>
-          <a:p>
-            <a:pPr marL="0" indent="0">
-              <a:buFont typeface="Arial" panose="020B0604020202020204" pitchFamily="34" charset="0"/>
-              <a:buNone/>
-            </a:pPr>
-            <a:endParaRPr lang="en-US" baseline="0" dirty="0"/>
-          </a:p>
-          <a:p>
-            <a:pPr marL="0" indent="0">
-              <a:buFont typeface="Arial" panose="020B0604020202020204" pitchFamily="34" charset="0"/>
-              <a:buNone/>
-            </a:pPr>
-            <a:r>
-              <a:rPr lang="en-US" dirty="0"/>
-              <a:t>Virtual machine backup is local. The backup vault from a specified Azure region will not allow you to backup virtual machines from another Azure region. Thus for every Azure region that has VMs that need backup, at least 1 backup vault must be created in that region.</a:t>
-            </a:r>
-            <a:endParaRPr lang="en-US" baseline="0" dirty="0"/>
-          </a:p>
-          <a:p>
-            <a:pPr marL="0" indent="0">
-              <a:buFont typeface="Arial" panose="020B0604020202020204" pitchFamily="34" charset="0"/>
-              <a:buNone/>
-            </a:pPr>
-            <a:endParaRPr lang="en-US" baseline="0" dirty="0"/>
-          </a:p>
-          <a:p>
-            <a:pPr marL="0" indent="0">
-              <a:buFont typeface="Arial" panose="020B0604020202020204" pitchFamily="34" charset="0"/>
-              <a:buNone/>
-            </a:pPr>
-            <a:r>
-              <a:rPr lang="en-US" b="1" baseline="0" dirty="0"/>
-              <a:t>Limitations for DPM backup to Azure</a:t>
-            </a:r>
-          </a:p>
-          <a:p>
-            <a:pPr marL="0" indent="0">
-              <a:buFont typeface="Arial" panose="020B0604020202020204" pitchFamily="34" charset="0"/>
-              <a:buNone/>
-            </a:pPr>
-            <a:r>
-              <a:rPr lang="en-US" b="0" dirty="0"/>
-              <a:t>https://msdn.microsoft.com/en-us/library/azure/dn337337.aspx</a:t>
+              <a:t>https://blogs.msdn.microsoft.com/igorpag/2015/07/28/multi-terabyte-sql-server-database-backup-strategies-for-azure-virtual-machines/</a:t>
             </a:r>
           </a:p>
         </p:txBody>
@@ -2462,9 +2178,9 @@
           <a:bodyPr/>
           <a:lstStyle/>
           <a:p>
-            <a:fld id="{D2E9B5C7-E893-44FC-BCCF-622F37DEFA34}" type="slidenum">
+            <a:fld id="{7A2D9050-ECBC-4706-AA5F-C061ABCE0250}" type="slidenum">
               <a:rPr lang="en-US" smtClean="0"/>
-              <a:t>27</a:t>
+              <a:t>28</a:t>
             </a:fld>
             <a:endParaRPr lang="en-US"/>
           </a:p>
@@ -2473,7 +2189,7 @@
     </p:spTree>
     <p:extLst>
       <p:ext uri="{BB962C8B-B14F-4D97-AF65-F5344CB8AC3E}">
-        <p14:creationId xmlns:p14="http://schemas.microsoft.com/office/powerpoint/2010/main" val="3223950912"/>
+        <p14:creationId xmlns:p14="http://schemas.microsoft.com/office/powerpoint/2010/main" val="2742646331"/>
       </p:ext>
     </p:extLst>
   </p:cSld>
@@ -2628,72 +2344,257 @@
           <a:bodyPr/>
           <a:lstStyle/>
           <a:p>
-            <a:r>
-              <a:rPr lang="en-US" b="1" dirty="0"/>
-              <a:t>Discover Azure virtual machines</a:t>
-            </a:r>
-          </a:p>
-          <a:p>
+            <a:pPr marL="0" marR="0" indent="0" algn="l" defTabSz="914400" rtl="0" eaLnBrk="1" fontAlgn="auto" latinLnBrk="0" hangingPunct="1">
+              <a:lnSpc>
+                <a:spcPct val="100000"/>
+              </a:lnSpc>
+              <a:spcBef>
+                <a:spcPts val="0"/>
+              </a:spcBef>
+              <a:spcAft>
+                <a:spcPts val="0"/>
+              </a:spcAft>
+              <a:buClrTx/>
+              <a:buSzTx/>
+              <a:buFontTx/>
+              <a:buNone/>
+              <a:tabLst/>
+              <a:defRPr/>
+            </a:pPr>
+            <a:r>
+              <a:rPr lang="en-US" sz="1200" b="1" dirty="0">
+                <a:solidFill>
+                  <a:schemeClr val="accent1"/>
+                </a:solidFill>
+                <a:latin typeface="Segoe UI Light" panose="020B0502040204020203" pitchFamily="34" charset="0"/>
+                <a:ea typeface="Segoe UI" panose="020B0502040204020203" pitchFamily="34" charset="0"/>
+                <a:cs typeface="Segoe UI" panose="020B0502040204020203" pitchFamily="34" charset="0"/>
+              </a:rPr>
+              <a:t>Azure Integrated Backup Solution</a:t>
+            </a:r>
+            <a:endParaRPr lang="en-US" sz="1200" b="1" dirty="0">
+              <a:latin typeface="Segoe UI Light" panose="020B0502040204020203" pitchFamily="34" charset="0"/>
+            </a:endParaRPr>
+          </a:p>
+          <a:p>
+            <a:pPr marL="171450" indent="-171450">
+              <a:buFont typeface="Arial" panose="020B0604020202020204" pitchFamily="34" charset="0"/>
+              <a:buChar char="•"/>
+            </a:pPr>
             <a:r>
               <a:rPr lang="en-US" dirty="0"/>
-              <a:t>The discovery process queries Azure for the list of virtual machines in the subscription, along with additional information like the Cloud Service name and the Region. The discovery process should always be run as the first step. This is to ensure that any new virtual machines added to the subscription are identified.</a:t>
-            </a:r>
-          </a:p>
-          <a:p>
-            <a:r>
-              <a:rPr lang="en-US" b="1" dirty="0"/>
-              <a:t>Register Azure virtual machines</a:t>
-            </a:r>
-          </a:p>
-          <a:p>
+              <a:t>Azure Backup protects your data in the cloud and optionally can be integrated with System Center Data Protection Manager for advanced workload protection.</a:t>
+            </a:r>
+          </a:p>
+          <a:p>
+            <a:pPr marL="171450" indent="-171450">
+              <a:buFont typeface="Arial" panose="020B0604020202020204" pitchFamily="34" charset="0"/>
+              <a:buChar char="•"/>
+            </a:pPr>
             <a:r>
               <a:rPr lang="en-US" dirty="0"/>
-              <a:t>Before a virtual machine can be protected it needs to be registered with the Azure Backup service. The primary goal of the registration process is to associate the virtual machine with the Azure Backup service. Registration is typically a one-time activity.</a:t>
-            </a:r>
-          </a:p>
-          <a:p>
-            <a:r>
-              <a:rPr lang="en-US" b="1" dirty="0"/>
-              <a:t>Protect: Backup Azure virtual machines</a:t>
-            </a:r>
-          </a:p>
-          <a:p>
+              <a:t>Data protection schedules can be daily, monthly, weekly, and yearly with retention up to 99 years in Azure</a:t>
+            </a:r>
+          </a:p>
+          <a:p>
+            <a:pPr marL="171450" indent="-171450">
+              <a:buFont typeface="Arial" panose="020B0604020202020204" pitchFamily="34" charset="0"/>
+              <a:buChar char="•"/>
+            </a:pPr>
             <a:r>
               <a:rPr lang="en-US" dirty="0"/>
-              <a:t>This step involves setting up a backup and retention policy for the virtual machine. Multiple virtual machines can be protected at scale using a single protect action.</a:t>
+              <a:t>Protects workloads running in Azure, in VMs, or on physical servers</a:t>
+            </a:r>
+          </a:p>
+          <a:p>
+            <a:pPr marL="171450" indent="-171450">
+              <a:buFont typeface="Arial" panose="020B0604020202020204" pitchFamily="34" charset="0"/>
+              <a:buChar char="•"/>
+            </a:pPr>
+            <a:r>
+              <a:rPr lang="en-US" dirty="0"/>
+              <a:t>Centralized monitoring and reporting across on premises and Azure</a:t>
             </a:r>
           </a:p>
           <a:p>
             <a:endParaRPr lang="en-US" dirty="0"/>
           </a:p>
           <a:p>
+            <a:pPr marL="0" marR="0" indent="0" algn="l" defTabSz="914400" rtl="0" eaLnBrk="1" fontAlgn="auto" latinLnBrk="0" hangingPunct="1">
+              <a:lnSpc>
+                <a:spcPct val="100000"/>
+              </a:lnSpc>
+              <a:spcBef>
+                <a:spcPts val="0"/>
+              </a:spcBef>
+              <a:spcAft>
+                <a:spcPts val="0"/>
+              </a:spcAft>
+              <a:buClrTx/>
+              <a:buSzTx/>
+              <a:buFontTx/>
+              <a:buNone/>
+              <a:tabLst/>
+              <a:defRPr/>
+            </a:pPr>
+            <a:r>
+              <a:rPr lang="en-US" sz="1200" b="1" dirty="0">
+                <a:solidFill>
+                  <a:schemeClr val="accent1"/>
+                </a:solidFill>
+                <a:latin typeface="Segoe UI Light" panose="020B0502040204020203" pitchFamily="34" charset="0"/>
+                <a:ea typeface="Segoe UI" panose="020B0502040204020203" pitchFamily="34" charset="0"/>
+                <a:cs typeface="Segoe UI" panose="020B0502040204020203" pitchFamily="34" charset="0"/>
+              </a:rPr>
+              <a:t>Advanced Workload Protection</a:t>
+            </a:r>
+          </a:p>
+          <a:p>
+            <a:pPr marL="171450" indent="-171450">
+              <a:buFont typeface="Arial" panose="020B0604020202020204" pitchFamily="34" charset="0"/>
+              <a:buChar char="•"/>
+            </a:pPr>
             <a:r>
               <a:rPr lang="en-US" dirty="0"/>
-              <a:t>See </a:t>
-            </a:r>
-            <a:r>
-              <a:rPr lang="en-US" sz="1200" u="sng" kern="1200" dirty="0">
+              <a:t>Protects files and folders from Windows Servers and Windows Clients</a:t>
+            </a:r>
+          </a:p>
+          <a:p>
+            <a:pPr marL="171450" indent="-171450">
+              <a:buFont typeface="Arial" panose="020B0604020202020204" pitchFamily="34" charset="0"/>
+              <a:buChar char="•"/>
+            </a:pPr>
+            <a:r>
+              <a:rPr lang="en-US" dirty="0"/>
+              <a:t>Integrates with SCDPM protects enterprise workloads including SharePoint, Exchange, SQL Server, and Hyper-V VMs</a:t>
+            </a:r>
+          </a:p>
+          <a:p>
+            <a:pPr marL="171450" indent="-171450">
+              <a:buFont typeface="Arial" panose="020B0604020202020204" pitchFamily="34" charset="0"/>
+              <a:buChar char="•"/>
+            </a:pPr>
+            <a:r>
+              <a:rPr lang="en-US" dirty="0"/>
+              <a:t>Protects guest workloads running in VMware environments</a:t>
+            </a:r>
+          </a:p>
+          <a:p>
+            <a:pPr marL="171450" indent="-171450">
+              <a:buFont typeface="Arial" panose="020B0604020202020204" pitchFamily="34" charset="0"/>
+              <a:buChar char="•"/>
+            </a:pPr>
+            <a:r>
+              <a:rPr lang="en-US" dirty="0"/>
+              <a:t>DPM works seamlessly with the Hyper-V Volume Shadow Copy Services (VSS) writer to ensure that consistent versions of virtual machines are captured and protected without affecting virtual machine access</a:t>
+            </a:r>
+          </a:p>
+          <a:p>
+            <a:pPr marL="171450" indent="-171450">
+              <a:buFont typeface="Arial" panose="020B0604020202020204" pitchFamily="34" charset="0"/>
+              <a:buChar char="•"/>
+            </a:pPr>
+            <a:r>
+              <a:rPr lang="en-US" dirty="0"/>
+              <a:t>Granular restore capability such as mailbox recovery for Exchange, DB level recovery for SQL, and ILR for SharePoint</a:t>
+            </a:r>
+          </a:p>
+          <a:p>
+            <a:pPr marL="0" indent="0">
+              <a:buFont typeface="Arial" panose="020B0604020202020204" pitchFamily="34" charset="0"/>
+              <a:buNone/>
+            </a:pPr>
+            <a:endParaRPr lang="en-US" dirty="0">
+              <a:solidFill>
+                <a:schemeClr val="tx2">
+                  <a:lumMod val="50000"/>
+                </a:schemeClr>
+              </a:solidFill>
+            </a:endParaRPr>
+          </a:p>
+          <a:p>
+            <a:pPr marL="0" indent="0">
+              <a:buFont typeface="Arial" panose="020B0604020202020204" pitchFamily="34" charset="0"/>
+              <a:buNone/>
+            </a:pPr>
+            <a:endParaRPr lang="en-US" dirty="0">
+              <a:solidFill>
+                <a:schemeClr val="tx2">
+                  <a:lumMod val="50000"/>
+                </a:schemeClr>
+              </a:solidFill>
+            </a:endParaRPr>
+          </a:p>
+          <a:p>
+            <a:pPr marL="0" indent="0">
+              <a:buFont typeface="Arial" panose="020B0604020202020204" pitchFamily="34" charset="0"/>
+              <a:buNone/>
+            </a:pPr>
+            <a:r>
+              <a:rPr lang="en-US" sz="1600" i="1" dirty="0">
                 <a:solidFill>
-                  <a:schemeClr val="tx1"/>
+                  <a:schemeClr val="tx2">
+                    <a:lumMod val="50000"/>
+                  </a:schemeClr>
                 </a:solidFill>
-                <a:latin typeface="+mn-lt"/>
-                <a:ea typeface="+mn-ea"/>
-                <a:cs typeface="+mn-cs"/>
               </a:rPr>
-              <a:t>https://github.com/Azure/azure-content/blob/master/articles/backup/backup-azure-vms.md</a:t>
-            </a:r>
-            <a:r>
-              <a:rPr lang="en-US" sz="1200" kern="1200" dirty="0">
+              <a:t>When setting up the Azure Backup Vault,</a:t>
+            </a:r>
+            <a:r>
+              <a:rPr lang="en-US" sz="1600" i="1" baseline="0" dirty="0">
                 <a:solidFill>
-                  <a:schemeClr val="tx1"/>
+                  <a:schemeClr val="tx2">
+                    <a:lumMod val="50000"/>
+                  </a:schemeClr>
                 </a:solidFill>
-                <a:latin typeface="+mn-lt"/>
-                <a:ea typeface="+mn-ea"/>
-                <a:cs typeface="+mn-cs"/>
               </a:rPr>
-              <a:t> for more details</a:t>
-            </a:r>
-            <a:endParaRPr lang="en-US" dirty="0"/>
+              <a:t> selecting a region far away from your primary region is unnecessary.  Azure Backup automatically copies the backup files to a remote region.  So select a region close to your primary region for faster backups  ??</a:t>
+            </a:r>
+          </a:p>
+          <a:p>
+            <a:pPr marL="0" indent="0">
+              <a:buFont typeface="Arial" panose="020B0604020202020204" pitchFamily="34" charset="0"/>
+              <a:buNone/>
+            </a:pPr>
+            <a:endParaRPr lang="en-US" baseline="0" dirty="0"/>
+          </a:p>
+          <a:p>
+            <a:pPr marL="0" indent="0">
+              <a:buFont typeface="Arial" panose="020B0604020202020204" pitchFamily="34" charset="0"/>
+              <a:buNone/>
+            </a:pPr>
+            <a:r>
+              <a:rPr lang="en-US" dirty="0"/>
+              <a:t>Virtual machine backup is local. The backup vault from a specified Azure region will not allow you to backup virtual machines from another Azure region. Thus for every Azure region that has VMs that need backup, at least 1 backup vault must be created in that region.</a:t>
+            </a:r>
+            <a:endParaRPr lang="en-US" baseline="0" dirty="0"/>
+          </a:p>
+          <a:p>
+            <a:pPr marL="0" indent="0">
+              <a:buFont typeface="Arial" panose="020B0604020202020204" pitchFamily="34" charset="0"/>
+              <a:buNone/>
+            </a:pPr>
+            <a:endParaRPr lang="en-US" baseline="0" dirty="0"/>
+          </a:p>
+          <a:p>
+            <a:pPr marL="0" indent="0">
+              <a:buFont typeface="Arial" panose="020B0604020202020204" pitchFamily="34" charset="0"/>
+              <a:buNone/>
+            </a:pPr>
+            <a:r>
+              <a:rPr lang="en-US" b="1" baseline="0" dirty="0"/>
+              <a:t>Limitations for DPM backup to Azure</a:t>
+            </a:r>
+          </a:p>
+          <a:p>
+            <a:pPr marL="0" indent="0">
+              <a:buFont typeface="Arial" panose="020B0604020202020204" pitchFamily="34" charset="0"/>
+              <a:buNone/>
+            </a:pPr>
+            <a:r>
+              <a:rPr lang="en-US" b="0" dirty="0"/>
+              <a:t>https://msdn.microsoft.com/en-us/library/azure/dn337337.aspx</a:t>
+            </a:r>
           </a:p>
         </p:txBody>
       </p:sp>
@@ -2714,7 +2615,7 @@
           <a:p>
             <a:fld id="{D2E9B5C7-E893-44FC-BCCF-622F37DEFA34}" type="slidenum">
               <a:rPr lang="en-US" smtClean="0"/>
-              <a:t>28</a:t>
+              <a:t>29</a:t>
             </a:fld>
             <a:endParaRPr lang="en-US"/>
           </a:p>
@@ -2723,7 +2624,7 @@
     </p:spTree>
     <p:extLst>
       <p:ext uri="{BB962C8B-B14F-4D97-AF65-F5344CB8AC3E}">
-        <p14:creationId xmlns:p14="http://schemas.microsoft.com/office/powerpoint/2010/main" val="679518355"/>
+        <p14:creationId xmlns:p14="http://schemas.microsoft.com/office/powerpoint/2010/main" val="3223950912"/>
       </p:ext>
     </p:extLst>
   </p:cSld>
@@ -2777,6 +2678,71 @@
           <a:bodyPr/>
           <a:lstStyle/>
           <a:p>
+            <a:r>
+              <a:rPr lang="en-US" b="1" dirty="0"/>
+              <a:t>Discover Azure virtual machines</a:t>
+            </a:r>
+          </a:p>
+          <a:p>
+            <a:r>
+              <a:rPr lang="en-US" dirty="0"/>
+              <a:t>The discovery process queries Azure for the list of virtual machines in the subscription, along with additional information like the Cloud Service name and the Region. The discovery process should always be run as the first step. This is to ensure that any new virtual machines added to the subscription are identified.</a:t>
+            </a:r>
+          </a:p>
+          <a:p>
+            <a:r>
+              <a:rPr lang="en-US" b="1" dirty="0"/>
+              <a:t>Register Azure virtual machines</a:t>
+            </a:r>
+          </a:p>
+          <a:p>
+            <a:r>
+              <a:rPr lang="en-US" dirty="0"/>
+              <a:t>Before a virtual machine can be protected it needs to be registered with the Azure Backup service. The primary goal of the registration process is to associate the virtual machine with the Azure Backup service. Registration is typically a one-time activity.</a:t>
+            </a:r>
+          </a:p>
+          <a:p>
+            <a:r>
+              <a:rPr lang="en-US" b="1" dirty="0"/>
+              <a:t>Protect: Backup Azure virtual machines</a:t>
+            </a:r>
+          </a:p>
+          <a:p>
+            <a:r>
+              <a:rPr lang="en-US" dirty="0"/>
+              <a:t>This step involves setting up a backup and retention policy for the virtual machine. Multiple virtual machines can be protected at scale using a single protect action.</a:t>
+            </a:r>
+          </a:p>
+          <a:p>
+            <a:endParaRPr lang="en-US" dirty="0"/>
+          </a:p>
+          <a:p>
+            <a:r>
+              <a:rPr lang="en-US" dirty="0"/>
+              <a:t>See </a:t>
+            </a:r>
+            <a:r>
+              <a:rPr lang="en-US" sz="1200" u="sng" kern="1200" dirty="0">
+                <a:solidFill>
+                  <a:schemeClr val="tx1"/>
+                </a:solidFill>
+                <a:latin typeface="+mn-lt"/>
+                <a:ea typeface="+mn-ea"/>
+                <a:cs typeface="+mn-cs"/>
+              </a:rPr>
+              <a:t>https://github.com/Azure/azure-content/blob/master/articles/backup/backup-azure-vms.md</a:t>
+            </a:r>
+            <a:r>
+              <a:rPr lang="en-US" sz="1200" kern="1200" dirty="0">
+                <a:solidFill>
+                  <a:schemeClr val="tx1"/>
+                </a:solidFill>
+                <a:latin typeface="+mn-lt"/>
+                <a:ea typeface="+mn-ea"/>
+                <a:cs typeface="+mn-cs"/>
+              </a:rPr>
+              <a:t> for more details</a:t>
+            </a:r>
             <a:endParaRPr lang="en-US" dirty="0"/>
           </a:p>
         </p:txBody>
@@ -2798,7 +2764,7 @@
           <a:p>
             <a:fld id="{D2E9B5C7-E893-44FC-BCCF-622F37DEFA34}" type="slidenum">
               <a:rPr lang="en-US" smtClean="0"/>
-              <a:t>29</a:t>
+              <a:t>30</a:t>
             </a:fld>
             <a:endParaRPr lang="en-US"/>
           </a:p>
@@ -2807,7 +2773,7 @@
     </p:spTree>
     <p:extLst>
       <p:ext uri="{BB962C8B-B14F-4D97-AF65-F5344CB8AC3E}">
-        <p14:creationId xmlns:p14="http://schemas.microsoft.com/office/powerpoint/2010/main" val="2797554502"/>
+        <p14:creationId xmlns:p14="http://schemas.microsoft.com/office/powerpoint/2010/main" val="679518355"/>
       </p:ext>
     </p:extLst>
   </p:cSld>
@@ -2861,65 +2827,7 @@
           <a:bodyPr/>
           <a:lstStyle/>
           <a:p>
-            <a:r>
-              <a:rPr lang="en-US" sz="1200" dirty="0"/>
-              <a:t>Protection between two datacenters with VMM</a:t>
-            </a:r>
-          </a:p>
-          <a:p>
-            <a:r>
-              <a:rPr lang="en-US" sz="1200" dirty="0"/>
-              <a:t>Protection between two datacenters with VMware</a:t>
-            </a:r>
-          </a:p>
-          <a:p>
-            <a:r>
-              <a:rPr lang="en-US" sz="1200" dirty="0"/>
-              <a:t>Protection between a datacenter with VMM and Azure</a:t>
-            </a:r>
-          </a:p>
-          <a:p>
-            <a:r>
-              <a:rPr lang="en-US" sz="1200" dirty="0"/>
-              <a:t>Protection between a Hyper-V site and Azure</a:t>
-            </a:r>
-          </a:p>
-          <a:p>
-            <a:r>
-              <a:rPr lang="en-US" sz="1200" dirty="0"/>
-              <a:t>Protection between an on-premises physical server or VMware virtual machine and Azure</a:t>
-            </a:r>
-          </a:p>
-          <a:p>
-            <a:r>
-              <a:rPr lang="en-US" sz="1200" dirty="0"/>
-              <a:t>Protection between Amazon Web Services and Azure (Windows AMIs only)*	(Note showed</a:t>
-            </a:r>
-            <a:r>
-              <a:rPr lang="en-US" sz="1200" baseline="0" dirty="0"/>
-              <a:t> on diagram)</a:t>
-            </a:r>
-            <a:endParaRPr lang="en-US" sz="1200" dirty="0"/>
-          </a:p>
-          <a:p>
-            <a:r>
-              <a:rPr lang="en-US" sz="1200" dirty="0"/>
-              <a:t>Migration between Azure regions and subscriptions*</a:t>
-            </a:r>
-          </a:p>
-          <a:p>
-            <a:endParaRPr lang="en-US" sz="1200" dirty="0"/>
-          </a:p>
-          <a:p>
-            <a:r>
-              <a:rPr lang="en-US" sz="1200" b="1" dirty="0"/>
-              <a:t>Azure to Azure is only supported for migration,</a:t>
-            </a:r>
-            <a:r>
-              <a:rPr lang="en-US" sz="1200" b="1" baseline="0" dirty="0"/>
-              <a:t> NO DR as of 1/12/2016</a:t>
-            </a:r>
-            <a:endParaRPr lang="en-US" sz="1200" b="1" dirty="0"/>
+            <a:endParaRPr lang="en-US" dirty="0"/>
           </a:p>
         </p:txBody>
       </p:sp>
@@ -2949,7 +2857,7 @@
     </p:spTree>
     <p:extLst>
       <p:ext uri="{BB962C8B-B14F-4D97-AF65-F5344CB8AC3E}">
-        <p14:creationId xmlns:p14="http://schemas.microsoft.com/office/powerpoint/2010/main" val="1457291915"/>
+        <p14:creationId xmlns:p14="http://schemas.microsoft.com/office/powerpoint/2010/main" val="2797554502"/>
       </p:ext>
     </p:extLst>
   </p:cSld>
@@ -3003,138 +2911,65 @@
           <a:bodyPr/>
           <a:lstStyle/>
           <a:p>
-            <a:pPr marL="0" indent="0">
-              <a:buFont typeface="Arial" panose="020B0604020202020204" pitchFamily="34" charset="0"/>
-              <a:buNone/>
-            </a:pPr>
             <a:r>
               <a:rPr lang="en-US" sz="1200" dirty="0"/>
-              <a:t>Considerations</a:t>
+              <a:t>Protection between two datacenters with VMM</a:t>
+            </a:r>
+          </a:p>
+          <a:p>
+            <a:r>
+              <a:rPr lang="en-US" sz="1200" dirty="0"/>
+              <a:t>Protection between two datacenters with VMware</a:t>
+            </a:r>
+          </a:p>
+          <a:p>
+            <a:r>
+              <a:rPr lang="en-US" sz="1200" dirty="0"/>
+              <a:t>Protection between a datacenter with VMM and Azure</a:t>
+            </a:r>
+          </a:p>
+          <a:p>
+            <a:r>
+              <a:rPr lang="en-US" sz="1200" dirty="0"/>
+              <a:t>Protection between a Hyper-V site and Azure</a:t>
+            </a:r>
+          </a:p>
+          <a:p>
+            <a:r>
+              <a:rPr lang="en-US" sz="1200" dirty="0"/>
+              <a:t>Protection between an on-premises physical server or VMware virtual machine and Azure</a:t>
+            </a:r>
+          </a:p>
+          <a:p>
+            <a:r>
+              <a:rPr lang="en-US" sz="1200" dirty="0"/>
+              <a:t>Protection between Amazon Web Services and Azure (Windows AMIs only)*	(Note showed</a:t>
             </a:r>
             <a:r>
               <a:rPr lang="en-US" sz="1200" baseline="0" dirty="0"/>
-              <a:t> &gt;&gt; </a:t>
-            </a:r>
+              <a:t> on diagram)</a:t>
+            </a:r>
+            <a:endParaRPr lang="en-US" sz="1200" dirty="0"/>
+          </a:p>
+          <a:p>
             <a:r>
               <a:rPr lang="en-US" sz="1200" dirty="0"/>
-              <a:t>https://azure.microsoft.com/en-us/documentation/articles/site-recovery-vmware-to-azure-classic-legacy/</a:t>
-            </a:r>
-          </a:p>
-          <a:p>
-            <a:pPr marL="0" indent="0">
-              <a:buFont typeface="Arial" panose="020B0604020202020204" pitchFamily="34" charset="0"/>
-              <a:buNone/>
-            </a:pPr>
+              <a:t>Migration between Azure regions and subscriptions*</a:t>
+            </a:r>
+          </a:p>
+          <a:p>
             <a:endParaRPr lang="en-US" sz="1200" dirty="0"/>
           </a:p>
           <a:p>
-            <a:pPr marL="0" indent="0">
-              <a:buFont typeface="Arial" panose="020B0604020202020204" pitchFamily="34" charset="0"/>
-              <a:buNone/>
-            </a:pPr>
-            <a:r>
-              <a:rPr lang="en-US" sz="1200" dirty="0"/>
-              <a:t>For old WS 2003 systems:</a:t>
-            </a:r>
-          </a:p>
-          <a:p>
-            <a:pPr marL="342900" indent="-342900">
-              <a:buFont typeface="Arial" panose="020B0604020202020204" pitchFamily="34" charset="0"/>
-              <a:buChar char="•"/>
-            </a:pPr>
-            <a:r>
-              <a:rPr lang="en-US" sz="1200" dirty="0"/>
-              <a:t>Windows Server 2003 32-bit and 2008 32-bit support on Azure for CSA customers</a:t>
-            </a:r>
-          </a:p>
-          <a:p>
-            <a:pPr marL="342900" marR="0" indent="-342900" algn="l" defTabSz="914400" rtl="0" eaLnBrk="1" fontAlgn="auto" latinLnBrk="0" hangingPunct="1">
-              <a:lnSpc>
-                <a:spcPct val="100000"/>
-              </a:lnSpc>
-              <a:spcBef>
-                <a:spcPts val="0"/>
-              </a:spcBef>
-              <a:spcAft>
-                <a:spcPts val="0"/>
-              </a:spcAft>
-              <a:buClrTx/>
-              <a:buSzTx/>
-              <a:buFont typeface="Arial" panose="020B0604020202020204" pitchFamily="34" charset="0"/>
-              <a:buChar char="•"/>
-              <a:tabLst/>
-              <a:defRPr/>
-            </a:pPr>
-            <a:r>
-              <a:rPr lang="en-US" sz="1200" dirty="0"/>
-              <a:t>Customers must have migrations plans from Windows Server 2003 to more modern versions before deploying to Azure.</a:t>
-            </a:r>
-            <a:r>
-              <a:rPr lang="en-US" sz="1200" baseline="0" dirty="0"/>
-              <a:t>  </a:t>
-            </a:r>
-            <a:r>
-              <a:rPr lang="en-US" sz="1200" dirty="0"/>
-              <a:t>Migration Only, not DR </a:t>
-            </a:r>
-            <a:r>
-              <a:rPr lang="en-US" sz="1200" i="1" dirty="0"/>
-              <a:t>for now?</a:t>
-            </a:r>
-          </a:p>
-          <a:p>
-            <a:pPr marL="342900" marR="0" lvl="0" indent="-342900" algn="l" defTabSz="914400" rtl="0" eaLnBrk="1" fontAlgn="auto" latinLnBrk="0" hangingPunct="1">
-              <a:lnSpc>
-                <a:spcPct val="100000"/>
-              </a:lnSpc>
-              <a:spcBef>
-                <a:spcPts val="0"/>
-              </a:spcBef>
-              <a:spcAft>
-                <a:spcPts val="0"/>
-              </a:spcAft>
-              <a:buClrTx/>
-              <a:buSzTx/>
-              <a:buFont typeface="Arial" panose="020B0604020202020204" pitchFamily="34" charset="0"/>
-              <a:buChar char="•"/>
-              <a:tabLst/>
-              <a:defRPr/>
-            </a:pPr>
-            <a:r>
-              <a:rPr lang="en-US" sz="1200" dirty="0"/>
-              <a:t>Ensure CS can communicate with MT, PS, and source</a:t>
-            </a:r>
-          </a:p>
-          <a:p>
-            <a:pPr marL="342900" marR="0" lvl="0" indent="-342900" algn="l" defTabSz="914400" rtl="0" eaLnBrk="1" fontAlgn="auto" latinLnBrk="0" hangingPunct="1">
-              <a:lnSpc>
-                <a:spcPct val="100000"/>
-              </a:lnSpc>
-              <a:spcBef>
-                <a:spcPts val="0"/>
-              </a:spcBef>
-              <a:spcAft>
-                <a:spcPts val="0"/>
-              </a:spcAft>
-              <a:buClrTx/>
-              <a:buSzTx/>
-              <a:buFont typeface="Arial" panose="020B0604020202020204" pitchFamily="34" charset="0"/>
-              <a:buChar char="•"/>
-              <a:tabLst/>
-              <a:defRPr/>
-            </a:pPr>
-            <a:r>
-              <a:rPr lang="en-US" sz="1200" dirty="0"/>
-              <a:t>Configure endpoints and </a:t>
-            </a:r>
-            <a:r>
-              <a:rPr lang="en-US" sz="1200" dirty="0" err="1"/>
-              <a:t>vNets</a:t>
-            </a:r>
-            <a:r>
-              <a:rPr lang="en-US" sz="1200" dirty="0"/>
-              <a:t> after migration</a:t>
-            </a:r>
+            <a:r>
+              <a:rPr lang="en-US" sz="1200" b="1" dirty="0"/>
+              <a:t>Azure to Azure is only supported for migration,</a:t>
+            </a:r>
+            <a:r>
+              <a:rPr lang="en-US" sz="1200" b="1" baseline="0" dirty="0"/>
+              <a:t> NO DR as of 1/12/2016</a:t>
+            </a:r>
+            <a:endParaRPr lang="en-US" sz="1200" b="1" dirty="0"/>
           </a:p>
         </p:txBody>
       </p:sp>
@@ -3155,7 +2990,7 @@
           <a:p>
             <a:fld id="{D2E9B5C7-E893-44FC-BCCF-622F37DEFA34}" type="slidenum">
               <a:rPr lang="en-US" smtClean="0"/>
-              <a:t>32</a:t>
+              <a:t>33</a:t>
             </a:fld>
             <a:endParaRPr lang="en-US"/>
           </a:p>
@@ -3164,7 +2999,7 @@
     </p:spTree>
     <p:extLst>
       <p:ext uri="{BB962C8B-B14F-4D97-AF65-F5344CB8AC3E}">
-        <p14:creationId xmlns:p14="http://schemas.microsoft.com/office/powerpoint/2010/main" val="32815979"/>
+        <p14:creationId xmlns:p14="http://schemas.microsoft.com/office/powerpoint/2010/main" val="1457291915"/>
       </p:ext>
     </p:extLst>
   </p:cSld>
@@ -3218,7 +3053,138 @@
           <a:bodyPr/>
           <a:lstStyle/>
           <a:p>
-            <a:endParaRPr lang="en-US" dirty="0"/>
+            <a:pPr marL="0" indent="0">
+              <a:buFont typeface="Arial" panose="020B0604020202020204" pitchFamily="34" charset="0"/>
+              <a:buNone/>
+            </a:pPr>
+            <a:r>
+              <a:rPr lang="en-US" sz="1200" dirty="0"/>
+              <a:t>Considerations</a:t>
+            </a:r>
+            <a:r>
+              <a:rPr lang="en-US" sz="1200" baseline="0" dirty="0"/>
+              <a:t> &gt;&gt; </a:t>
+            </a:r>
+            <a:r>
+              <a:rPr lang="en-US" sz="1200" dirty="0"/>
+              <a:t>https://azure.microsoft.com/en-us/documentation/articles/site-recovery-vmware-to-azure-classic-legacy/</a:t>
+            </a:r>
+          </a:p>
+          <a:p>
+            <a:pPr marL="0" indent="0">
+              <a:buFont typeface="Arial" panose="020B0604020202020204" pitchFamily="34" charset="0"/>
+              <a:buNone/>
+            </a:pPr>
+            <a:endParaRPr lang="en-US" sz="1200" dirty="0"/>
+          </a:p>
+          <a:p>
+            <a:pPr marL="0" indent="0">
+              <a:buFont typeface="Arial" panose="020B0604020202020204" pitchFamily="34" charset="0"/>
+              <a:buNone/>
+            </a:pPr>
+            <a:r>
+              <a:rPr lang="en-US" sz="1200" dirty="0"/>
+              <a:t>For old WS 2003 systems:</a:t>
+            </a:r>
+          </a:p>
+          <a:p>
+            <a:pPr marL="342900" indent="-342900">
+              <a:buFont typeface="Arial" panose="020B0604020202020204" pitchFamily="34" charset="0"/>
+              <a:buChar char="•"/>
+            </a:pPr>
+            <a:r>
+              <a:rPr lang="en-US" sz="1200" dirty="0"/>
+              <a:t>Windows Server 2003 32-bit and 2008 32-bit support on Azure for CSA customers</a:t>
+            </a:r>
+          </a:p>
+          <a:p>
+            <a:pPr marL="342900" marR="0" indent="-342900" algn="l" defTabSz="914400" rtl="0" eaLnBrk="1" fontAlgn="auto" latinLnBrk="0" hangingPunct="1">
+              <a:lnSpc>
+                <a:spcPct val="100000"/>
+              </a:lnSpc>
+              <a:spcBef>
+                <a:spcPts val="0"/>
+              </a:spcBef>
+              <a:spcAft>
+                <a:spcPts val="0"/>
+              </a:spcAft>
+              <a:buClrTx/>
+              <a:buSzTx/>
+              <a:buFont typeface="Arial" panose="020B0604020202020204" pitchFamily="34" charset="0"/>
+              <a:buChar char="•"/>
+              <a:tabLst/>
+              <a:defRPr/>
+            </a:pPr>
+            <a:r>
+              <a:rPr lang="en-US" sz="1200" dirty="0"/>
+              <a:t>Customers must have migrations plans from Windows Server 2003 to more modern versions before deploying to Azure.</a:t>
+            </a:r>
+            <a:r>
+              <a:rPr lang="en-US" sz="1200" baseline="0" dirty="0"/>
+              <a:t>  </a:t>
+            </a:r>
+            <a:r>
+              <a:rPr lang="en-US" sz="1200" dirty="0"/>
+              <a:t>Migration Only, not DR </a:t>
+            </a:r>
+            <a:r>
+              <a:rPr lang="en-US" sz="1200" i="1" dirty="0"/>
+              <a:t>for now?</a:t>
+            </a:r>
+          </a:p>
+          <a:p>
+            <a:pPr marL="342900" marR="0" lvl="0" indent="-342900" algn="l" defTabSz="914400" rtl="0" eaLnBrk="1" fontAlgn="auto" latinLnBrk="0" hangingPunct="1">
+              <a:lnSpc>
+                <a:spcPct val="100000"/>
+              </a:lnSpc>
+              <a:spcBef>
+                <a:spcPts val="0"/>
+              </a:spcBef>
+              <a:spcAft>
+                <a:spcPts val="0"/>
+              </a:spcAft>
+              <a:buClrTx/>
+              <a:buSzTx/>
+              <a:buFont typeface="Arial" panose="020B0604020202020204" pitchFamily="34" charset="0"/>
+              <a:buChar char="•"/>
+              <a:tabLst/>
+              <a:defRPr/>
+            </a:pPr>
+            <a:r>
+              <a:rPr lang="en-US" sz="1200" dirty="0"/>
+              <a:t>Ensure CS can communicate with MT, PS, and source</a:t>
+            </a:r>
+          </a:p>
+          <a:p>
+            <a:pPr marL="342900" marR="0" lvl="0" indent="-342900" algn="l" defTabSz="914400" rtl="0" eaLnBrk="1" fontAlgn="auto" latinLnBrk="0" hangingPunct="1">
+              <a:lnSpc>
+                <a:spcPct val="100000"/>
+              </a:lnSpc>
+              <a:spcBef>
+                <a:spcPts val="0"/>
+              </a:spcBef>
+              <a:spcAft>
+                <a:spcPts val="0"/>
+              </a:spcAft>
+              <a:buClrTx/>
+              <a:buSzTx/>
+              <a:buFont typeface="Arial" panose="020B0604020202020204" pitchFamily="34" charset="0"/>
+              <a:buChar char="•"/>
+              <a:tabLst/>
+              <a:defRPr/>
+            </a:pPr>
+            <a:r>
+              <a:rPr lang="en-US" sz="1200" dirty="0"/>
+              <a:t>Configure endpoints and </a:t>
+            </a:r>
+            <a:r>
+              <a:rPr lang="en-US" sz="1200" dirty="0" err="1"/>
+              <a:t>vNets</a:t>
+            </a:r>
+            <a:r>
+              <a:rPr lang="en-US" sz="1200" dirty="0"/>
+              <a:t> after migration</a:t>
+            </a:r>
           </a:p>
         </p:txBody>
       </p:sp>
@@ -3239,7 +3205,7 @@
           <a:p>
             <a:fld id="{D2E9B5C7-E893-44FC-BCCF-622F37DEFA34}" type="slidenum">
               <a:rPr lang="en-US" smtClean="0"/>
-              <a:t>33</a:t>
+              <a:t>34</a:t>
             </a:fld>
             <a:endParaRPr lang="en-US"/>
           </a:p>
@@ -3248,7 +3214,7 @@
     </p:spTree>
     <p:extLst>
       <p:ext uri="{BB962C8B-B14F-4D97-AF65-F5344CB8AC3E}">
-        <p14:creationId xmlns:p14="http://schemas.microsoft.com/office/powerpoint/2010/main" val="797326316"/>
+        <p14:creationId xmlns:p14="http://schemas.microsoft.com/office/powerpoint/2010/main" val="32815979"/>
       </p:ext>
     </p:extLst>
   </p:cSld>
@@ -3323,7 +3289,7 @@
           <a:p>
             <a:fld id="{D2E9B5C7-E893-44FC-BCCF-622F37DEFA34}" type="slidenum">
               <a:rPr lang="en-US" smtClean="0"/>
-              <a:t>34</a:t>
+              <a:t>35</a:t>
             </a:fld>
             <a:endParaRPr lang="en-US"/>
           </a:p>
@@ -3332,7 +3298,7 @@
     </p:spTree>
     <p:extLst>
       <p:ext uri="{BB962C8B-B14F-4D97-AF65-F5344CB8AC3E}">
-        <p14:creationId xmlns:p14="http://schemas.microsoft.com/office/powerpoint/2010/main" val="1090628360"/>
+        <p14:creationId xmlns:p14="http://schemas.microsoft.com/office/powerpoint/2010/main" val="797326316"/>
       </p:ext>
     </p:extLst>
   </p:cSld>
@@ -3386,203 +3352,6 @@
           <a:bodyPr/>
           <a:lstStyle/>
           <a:p>
-            <a:r>
-              <a:rPr lang="en-US" sz="1200" b="1" u="sng" kern="1200" dirty="0">
-                <a:solidFill>
-                  <a:schemeClr val="tx1"/>
-                </a:solidFill>
-                <a:effectLst/>
-                <a:latin typeface="+mn-lt"/>
-                <a:ea typeface="+mn-ea"/>
-                <a:cs typeface="+mn-cs"/>
-              </a:rPr>
-              <a:t>Effects of warm-up on data disks</a:t>
-            </a:r>
-            <a:endParaRPr lang="en-US" sz="1200" b="1" kern="1200" dirty="0">
-              <a:solidFill>
-                <a:schemeClr val="tx1"/>
-              </a:solidFill>
-              <a:effectLst/>
-              <a:latin typeface="+mn-lt"/>
-              <a:ea typeface="+mn-ea"/>
-              <a:cs typeface="+mn-cs"/>
-            </a:endParaRPr>
-          </a:p>
-          <a:p>
-            <a:r>
-              <a:rPr lang="en-US" sz="1200" kern="1200" dirty="0">
-                <a:solidFill>
-                  <a:schemeClr val="tx1"/>
-                </a:solidFill>
-                <a:effectLst/>
-                <a:latin typeface="+mn-lt"/>
-                <a:ea typeface="+mn-ea"/>
-                <a:cs typeface="+mn-cs"/>
-              </a:rPr>
-              <a:t>With Azure disks, we have observed a “warm-up effect” that can result in a reduced rate of throughput and bandwidth for a short period of time. In situations where a data disk is not accessed for a period of time (approximately 20 minutes), adaptive partitioning and load balancing mechanisms kick in. If the disk is accessed while these algorithms are active, you may notice some degradation in throughput and bandwidth for a short period of time (approximately 10 minutes), after which they return to their normal levels. This warm-up effect happens </a:t>
-            </a:r>
-            <a:r>
-              <a:rPr lang="en-US" sz="1200" u="none" kern="1200" dirty="0">
-                <a:solidFill>
-                  <a:schemeClr val="tx1"/>
-                </a:solidFill>
-                <a:effectLst/>
-                <a:latin typeface="+mn-lt"/>
-                <a:ea typeface="+mn-ea"/>
-                <a:cs typeface="+mn-cs"/>
-              </a:rPr>
-              <a:t>because of the adaptive partitioning and load balancing mechanism of Azure, which dynamically adjusts to workload changes in a multi-tenant storage environment. You may observe similar effects in other widely known cloud storage systems as well. </a:t>
-            </a:r>
-          </a:p>
-          <a:p>
-            <a:endParaRPr lang="en-US" sz="1200" u="none" kern="1200" dirty="0">
-              <a:solidFill>
-                <a:schemeClr val="tx1"/>
-              </a:solidFill>
-              <a:effectLst/>
-              <a:latin typeface="+mn-lt"/>
-              <a:ea typeface="+mn-ea"/>
-              <a:cs typeface="+mn-cs"/>
-            </a:endParaRPr>
-          </a:p>
-          <a:p>
-            <a:r>
-              <a:rPr lang="en-US" sz="1200" u="none" kern="1200" dirty="0">
-                <a:solidFill>
-                  <a:schemeClr val="tx1"/>
-                </a:solidFill>
-                <a:effectLst/>
-                <a:latin typeface="+mn-lt"/>
-                <a:ea typeface="+mn-ea"/>
-                <a:cs typeface="+mn-cs"/>
-              </a:rPr>
-              <a:t>This warm-up effect is unlikely to be noticed for systems that are in </a:t>
-            </a:r>
-            <a:r>
-              <a:rPr lang="en-US" sz="1200" kern="1200" dirty="0">
-                <a:solidFill>
-                  <a:schemeClr val="tx1"/>
-                </a:solidFill>
-                <a:effectLst/>
-                <a:latin typeface="+mn-lt"/>
-                <a:ea typeface="+mn-ea"/>
-                <a:cs typeface="+mn-cs"/>
-              </a:rPr>
-              <a:t>continuous use. But we recommend you consider it during performance testing or when accessing systems that have been inactive for a while.  </a:t>
-            </a:r>
-          </a:p>
-          <a:p>
-            <a:endParaRPr lang="en-US" sz="1200" kern="1200" dirty="0">
-              <a:solidFill>
-                <a:schemeClr val="tx1"/>
-              </a:solidFill>
-              <a:effectLst/>
-              <a:latin typeface="+mn-lt"/>
-              <a:ea typeface="+mn-ea"/>
-              <a:cs typeface="+mn-cs"/>
-            </a:endParaRPr>
-          </a:p>
-          <a:p>
-            <a:r>
-              <a:rPr lang="en-US" sz="1200" b="1" u="sng" kern="1200" dirty="0">
-                <a:solidFill>
-                  <a:schemeClr val="tx1"/>
-                </a:solidFill>
-                <a:effectLst/>
-                <a:latin typeface="+mn-lt"/>
-                <a:ea typeface="+mn-ea"/>
-                <a:cs typeface="+mn-cs"/>
-              </a:rPr>
-              <a:t>Single vs. multiple storage accounts for data disks attached to a single VM</a:t>
-            </a:r>
-            <a:r>
-              <a:rPr lang="en-US" sz="1200" b="1" kern="1200" dirty="0">
-                <a:solidFill>
-                  <a:schemeClr val="tx1"/>
-                </a:solidFill>
-                <a:effectLst/>
-                <a:latin typeface="+mn-lt"/>
-                <a:ea typeface="+mn-ea"/>
-                <a:cs typeface="+mn-cs"/>
-              </a:rPr>
-              <a:t> </a:t>
-            </a:r>
-          </a:p>
-          <a:p>
-            <a:r>
-              <a:rPr lang="en-US" sz="1200" kern="1200" dirty="0">
-                <a:solidFill>
-                  <a:schemeClr val="tx1"/>
-                </a:solidFill>
-                <a:effectLst/>
-                <a:latin typeface="+mn-lt"/>
-                <a:ea typeface="+mn-ea"/>
-                <a:cs typeface="+mn-cs"/>
-              </a:rPr>
-              <a:t>To simplify management and reduce potential risks of consistency in case of failures, we recommend that you leave all the data disks attached to a single virtual machine in the same storage account. Storage accounts are implemented as a recovery unit in case of failures. So, keeping all the disks in the same account makes the recovery operations simple. There is no performance improvement if you store data disks attached to a single VM in multiple storage accounts. If you have multiple VMs, we </a:t>
-            </a:r>
-            <a:r>
-              <a:rPr lang="en-US" sz="1200" u="none" kern="1200" dirty="0">
-                <a:solidFill>
-                  <a:schemeClr val="tx1"/>
-                </a:solidFill>
-                <a:effectLst/>
-                <a:latin typeface="+mn-lt"/>
-                <a:ea typeface="+mn-ea"/>
-                <a:cs typeface="+mn-cs"/>
-              </a:rPr>
-              <a:t>recommend that you consider the storage account limits for throughput and bandwidth during capacity planning. In addition, distribute VMs and their data disks to multiple storage accounts if the aggregated throughput or bandwidth is higher than what a single storage account can provide. For information on storage account limits, see Azure Storage Scalability and Performance Targets. For information on max IOPS per disk, see Virtual Machine and Cloud Service Sizes for Azure.</a:t>
-            </a:r>
-          </a:p>
-          <a:p>
-            <a:endParaRPr lang="en-US" sz="1200" u="none" kern="1200" dirty="0">
-              <a:solidFill>
-                <a:schemeClr val="tx1"/>
-              </a:solidFill>
-              <a:effectLst/>
-              <a:latin typeface="+mn-lt"/>
-              <a:ea typeface="+mn-ea"/>
-              <a:cs typeface="+mn-cs"/>
-            </a:endParaRPr>
-          </a:p>
-          <a:p>
-            <a:r>
-              <a:rPr lang="en-US" sz="1200" b="1" u="sng" kern="1200" dirty="0">
-                <a:solidFill>
-                  <a:schemeClr val="tx1"/>
-                </a:solidFill>
-                <a:effectLst/>
-                <a:latin typeface="+mn-lt"/>
-                <a:ea typeface="+mn-ea"/>
-                <a:cs typeface="+mn-cs"/>
-              </a:rPr>
-              <a:t>NTFS allocation unit size</a:t>
-            </a:r>
-            <a:endParaRPr lang="en-US" sz="1200" b="1" kern="1200" dirty="0">
-              <a:solidFill>
-                <a:schemeClr val="tx1"/>
-              </a:solidFill>
-              <a:effectLst/>
-              <a:latin typeface="+mn-lt"/>
-              <a:ea typeface="+mn-ea"/>
-              <a:cs typeface="+mn-cs"/>
-            </a:endParaRPr>
-          </a:p>
-          <a:p>
-            <a:r>
-              <a:rPr lang="en-US" sz="1200" kern="1200" dirty="0">
-                <a:solidFill>
-                  <a:schemeClr val="tx1"/>
-                </a:solidFill>
-                <a:effectLst/>
-                <a:latin typeface="+mn-lt"/>
-                <a:ea typeface="+mn-ea"/>
-                <a:cs typeface="+mn-cs"/>
-              </a:rPr>
-              <a:t>NTFS volumes use a default cluster size of 4 KB. Based on our performance tests, we recommend changing the default cluster size to 64 KB during volume creation for both single disk and multiple disks (storage spaces) volumes. </a:t>
-            </a:r>
-          </a:p>
-          <a:p>
             <a:endParaRPr lang="en-US" dirty="0"/>
           </a:p>
         </p:txBody>
@@ -3602,18 +3371,18 @@
           <a:bodyPr/>
           <a:lstStyle/>
           <a:p>
-            <a:fld id="{3914BC00-1402-49CF-9CEB-7C8FB383AFA3}" type="slidenum">
-              <a:rPr lang="de-DE" smtClean="0"/>
-              <a:t>37</a:t>
+            <a:fld id="{D2E9B5C7-E893-44FC-BCCF-622F37DEFA34}" type="slidenum">
+              <a:rPr lang="en-US" smtClean="0"/>
+              <a:t>36</a:t>
             </a:fld>
-            <a:endParaRPr lang="de-DE"/>
+            <a:endParaRPr lang="en-US"/>
           </a:p>
         </p:txBody>
       </p:sp>
     </p:spTree>
     <p:extLst>
       <p:ext uri="{BB962C8B-B14F-4D97-AF65-F5344CB8AC3E}">
-        <p14:creationId xmlns:p14="http://schemas.microsoft.com/office/powerpoint/2010/main" val="75023002"/>
+        <p14:creationId xmlns:p14="http://schemas.microsoft.com/office/powerpoint/2010/main" val="1090628360"/>
       </p:ext>
     </p:extLst>
   </p:cSld>
@@ -3677,9 +3446,9 @@
                 <a:ea typeface="+mn-ea"/>
                 <a:cs typeface="+mn-cs"/>
               </a:rPr>
-              <a:t>I/O sub-system</a:t>
-            </a:r>
-            <a:endParaRPr lang="de-DE" sz="1200" b="1" kern="1200" dirty="0">
+              <a:t>Effects of warm-up on data disks</a:t>
+            </a:r>
+            <a:endParaRPr lang="en-US" sz="1200" b="1" kern="1200" dirty="0">
               <a:solidFill>
                 <a:schemeClr val="tx1"/>
               </a:solidFill>
@@ -3700,10 +3469,10 @@
                 <a:ea typeface="+mn-ea"/>
                 <a:cs typeface="+mn-cs"/>
               </a:rPr>
-              <a:t>Storage optimization for SQL Server transactional and analytical workloads is a very important task that requires careful planning and analysis. There is already a tremendous amount of information that explains how to deal with I/O subsystems with different performance characteristics in a traditional on-premises environment, such as spindles, host bus adapters (HBAs), disk controllers, and so on. For more information, see </a:t>
-            </a:r>
-            <a:r>
-              <a:rPr lang="en-US" sz="1200" u="sng" kern="1200" dirty="0">
+              <a:t>With Azure disks, we have observed a “warm-up effect” that can result in a reduced rate of throughput and bandwidth for a short period of time. In situations where a data disk is not accessed for a period of time (approximately 20 minutes), adaptive partitioning and load balancing mechanisms kick in. If the disk is accessed while these algorithms are active, you may notice some degradation in throughput and bandwidth for a short period of time (approximately 10 minutes), after which they return to their normal levels. This warm-up effect happens </a:t>
+            </a:r>
+            <a:r>
+              <a:rPr lang="en-US" sz="1200" u="none" kern="1200" dirty="0">
                 <a:solidFill>
                   <a:schemeClr val="tx1"/>
                 </a:solidFill>
@@ -3711,9 +3480,33 @@
                 <a:latin typeface="+mn-lt"/>
                 <a:ea typeface="+mn-ea"/>
                 <a:cs typeface="+mn-cs"/>
-                <a:hlinkClick r:id="rId3"/>
               </a:rPr>
-              <a:t>Analyzing I/O Characteristics and Sizing Storage Systems for SQL Server Database Applications</a:t>
+              <a:t>because of the adaptive partitioning and load balancing mechanism of Azure, which dynamically adjusts to workload changes in a multi-tenant storage environment. You may observe similar effects in other widely known cloud storage systems as well. </a:t>
+            </a:r>
+          </a:p>
+          <a:p>
+            <a:endParaRPr lang="en-US" sz="1200" u="none" kern="1200" dirty="0">
+              <a:solidFill>
+                <a:schemeClr val="tx1"/>
+              </a:solidFill>
+              <a:effectLst/>
+              <a:latin typeface="+mn-lt"/>
+              <a:ea typeface="+mn-ea"/>
+              <a:cs typeface="+mn-cs"/>
+            </a:endParaRPr>
+          </a:p>
+          <a:p>
+            <a:r>
+              <a:rPr lang="en-US" sz="1200" u="none" kern="1200" dirty="0">
+                <a:solidFill>
+                  <a:schemeClr val="tx1"/>
+                </a:solidFill>
+                <a:effectLst/>
+                <a:latin typeface="+mn-lt"/>
+                <a:ea typeface="+mn-ea"/>
+                <a:cs typeface="+mn-cs"/>
+              </a:rPr>
+              <a:t>This warm-up effect is unlikely to be noticed for systems that are in </a:t>
             </a:r>
             <a:r>
               <a:rPr lang="en-US" sz="1200" kern="1200" dirty="0">
@@ -3725,9 +3518,11 @@
                 <a:ea typeface="+mn-ea"/>
                 <a:cs typeface="+mn-cs"/>
               </a:rPr>
-              <a:t>. </a:t>
-            </a:r>
-            <a:endParaRPr lang="de-DE" sz="1200" kern="1200" dirty="0">
+              <a:t>continuous use. But we recommend you consider it during performance testing or when accessing systems that have been inactive for a while.  </a:t>
+            </a:r>
+          </a:p>
+          <a:p>
+            <a:endParaRPr lang="en-US" sz="1200" kern="1200" dirty="0">
               <a:solidFill>
                 <a:schemeClr val="tx1"/>
               </a:solidFill>
@@ -3736,6 +3531,32 @@
               <a:ea typeface="+mn-ea"/>
               <a:cs typeface="+mn-cs"/>
             </a:endParaRPr>
+          </a:p>
+          <a:p>
+            <a:r>
+              <a:rPr lang="en-US" sz="1200" b="1" u="sng" kern="1200" dirty="0">
+                <a:solidFill>
+                  <a:schemeClr val="tx1"/>
+                </a:solidFill>
+                <a:effectLst/>
+                <a:latin typeface="+mn-lt"/>
+                <a:ea typeface="+mn-ea"/>
+                <a:cs typeface="+mn-cs"/>
+              </a:rPr>
+              <a:t>Single vs. multiple storage accounts for data disks attached to a single VM</a:t>
+            </a:r>
+            <a:r>
+              <a:rPr lang="en-US" sz="1200" b="1" kern="1200" dirty="0">
+                <a:solidFill>
+                  <a:schemeClr val="tx1"/>
+                </a:solidFill>
+                <a:effectLst/>
+                <a:latin typeface="+mn-lt"/>
+                <a:ea typeface="+mn-ea"/>
+                <a:cs typeface="+mn-cs"/>
+              </a:rPr>
+              <a:t> </a:t>
+            </a:r>
           </a:p>
           <a:p>
             <a:r>
@@ -3748,10 +3569,10 @@
                 <a:ea typeface="+mn-ea"/>
                 <a:cs typeface="+mn-cs"/>
               </a:rPr>
-              <a:t>Azure disks are implemented as a service, so they do not offer the same range of complex configuration options available in traditional on-premises I/O subsystems. This has both benefits and costs. For instance, Azure disks offer built-in local redundancy and optional geo-redundancy for disaster recovery through the use of replicas. To achieve the same level of redundancy in on-premises deployments, you would need to set up multiple disk arrays in multiple locations and a synchronization mechanism, such as, a </a:t>
-            </a:r>
-            <a:r>
-              <a:rPr lang="de-DE" sz="1200" kern="1200" dirty="0" err="1">
+              <a:t>To simplify management and reduce potential risks of consistency in case of failures, we recommend that you leave all the data disks attached to a single virtual machine in the same storage account. Storage accounts are implemented as a recovery unit in case of failures. So, keeping all the disks in the same account makes the recovery operations simple. There is no performance improvement if you store data disks attached to a single VM in multiple storage accounts. If you have multiple VMs, we </a:t>
+            </a:r>
+            <a:r>
+              <a:rPr lang="en-US" sz="1200" u="none" kern="1200" dirty="0">
                 <a:solidFill>
                   <a:schemeClr val="tx1"/>
                 </a:solidFill>
@@ -3760,10 +3581,23 @@
                 <a:ea typeface="+mn-ea"/>
                 <a:cs typeface="+mn-cs"/>
               </a:rPr>
-              <a:t>storage</a:t>
-            </a:r>
-            <a:r>
-              <a:rPr lang="de-DE" sz="1200" kern="1200" dirty="0">
+              <a:t>recommend that you consider the storage account limits for throughput and bandwidth during capacity planning. In addition, distribute VMs and their data disks to multiple storage accounts if the aggregated throughput or bandwidth is higher than what a single storage account can provide. For information on storage account limits, see Azure Storage Scalability and Performance Targets. For information on max IOPS per disk, see Virtual Machine and Cloud Service Sizes for Azure.</a:t>
+            </a:r>
+          </a:p>
+          <a:p>
+            <a:endParaRPr lang="en-US" sz="1200" u="none" kern="1200" dirty="0">
+              <a:solidFill>
+                <a:schemeClr val="tx1"/>
+              </a:solidFill>
+              <a:effectLst/>
+              <a:latin typeface="+mn-lt"/>
+              <a:ea typeface="+mn-ea"/>
+              <a:cs typeface="+mn-cs"/>
+            </a:endParaRPr>
+          </a:p>
+          <a:p>
+            <a:r>
+              <a:rPr lang="en-US" sz="1200" b="1" u="sng" kern="1200" dirty="0">
                 <a:solidFill>
                   <a:schemeClr val="tx1"/>
                 </a:solidFill>
@@ -3772,56 +3606,19 @@
                 <a:ea typeface="+mn-ea"/>
                 <a:cs typeface="+mn-cs"/>
               </a:rPr>
-              <a:t> </a:t>
-            </a:r>
-            <a:r>
-              <a:rPr lang="de-DE" sz="1200" kern="1200" dirty="0" err="1">
-                <a:solidFill>
-                  <a:schemeClr val="tx1"/>
-                </a:solidFill>
-                <a:effectLst/>
-                <a:latin typeface="+mn-lt"/>
-                <a:ea typeface="+mn-ea"/>
-                <a:cs typeface="+mn-cs"/>
-              </a:rPr>
-              <a:t>area</a:t>
-            </a:r>
-            <a:r>
-              <a:rPr lang="de-DE" sz="1200" kern="1200" dirty="0">
-                <a:solidFill>
-                  <a:schemeClr val="tx1"/>
-                </a:solidFill>
-                <a:effectLst/>
-                <a:latin typeface="+mn-lt"/>
-                <a:ea typeface="+mn-ea"/>
-                <a:cs typeface="+mn-cs"/>
-              </a:rPr>
-              <a:t> </a:t>
-            </a:r>
-            <a:r>
-              <a:rPr lang="de-DE" sz="1200" kern="1200" dirty="0" err="1">
-                <a:solidFill>
-                  <a:schemeClr val="tx1"/>
-                </a:solidFill>
-                <a:effectLst/>
-                <a:latin typeface="+mn-lt"/>
-                <a:ea typeface="+mn-ea"/>
-                <a:cs typeface="+mn-cs"/>
-              </a:rPr>
-              <a:t>network</a:t>
-            </a:r>
-            <a:r>
-              <a:rPr lang="de-DE" sz="1200" kern="1200" dirty="0">
-                <a:solidFill>
-                  <a:schemeClr val="tx1"/>
-                </a:solidFill>
-                <a:effectLst/>
-                <a:latin typeface="+mn-lt"/>
-                <a:ea typeface="+mn-ea"/>
-                <a:cs typeface="+mn-cs"/>
-              </a:rPr>
-              <a:t> (SAN)</a:t>
-            </a:r>
+              <a:t>NTFS allocation unit size</a:t>
+            </a:r>
+            <a:endParaRPr lang="en-US" sz="1200" b="1" kern="1200" dirty="0">
+              <a:solidFill>
+                <a:schemeClr val="tx1"/>
+              </a:solidFill>
+              <a:effectLst/>
+              <a:latin typeface="+mn-lt"/>
+              <a:ea typeface="+mn-ea"/>
+              <a:cs typeface="+mn-cs"/>
+            </a:endParaRPr>
+          </a:p>
+          <a:p>
             <a:r>
               <a:rPr lang="en-US" sz="1200" kern="1200" dirty="0">
                 <a:solidFill>
@@ -3832,211 +3629,11 @@
                 <a:ea typeface="+mn-ea"/>
                 <a:cs typeface="+mn-cs"/>
               </a:rPr>
-              <a:t> replication. On the other hand, the Azure disk performance is not as predictable as on-premises disk I/O subsystem due to several factors:</a:t>
-            </a:r>
-            <a:endParaRPr lang="de-DE" sz="1200" kern="1200" dirty="0">
-              <a:solidFill>
-                <a:schemeClr val="tx1"/>
-              </a:solidFill>
-              <a:effectLst/>
-              <a:latin typeface="+mn-lt"/>
-              <a:ea typeface="+mn-ea"/>
-              <a:cs typeface="+mn-cs"/>
-            </a:endParaRPr>
-          </a:p>
-          <a:p>
-            <a:pPr lvl="0"/>
-            <a:r>
-              <a:rPr lang="en-US" sz="1200" kern="1200" dirty="0">
-                <a:solidFill>
-                  <a:schemeClr val="tx1"/>
-                </a:solidFill>
-                <a:effectLst/>
-                <a:latin typeface="+mn-lt"/>
-                <a:ea typeface="+mn-ea"/>
-                <a:cs typeface="+mn-cs"/>
-              </a:rPr>
-              <a:t>Azure Infrastructure Services is a shared, multi-tenant service.  Resources like host machines, storage services and network bandwidth are shared among multiple subscribers.</a:t>
-            </a:r>
-            <a:endParaRPr lang="de-DE" sz="1200" kern="1200" dirty="0">
-              <a:solidFill>
-                <a:schemeClr val="tx1"/>
-              </a:solidFill>
-              <a:effectLst/>
-              <a:latin typeface="+mn-lt"/>
-              <a:ea typeface="+mn-ea"/>
-              <a:cs typeface="+mn-cs"/>
-            </a:endParaRPr>
-          </a:p>
-          <a:p>
-            <a:pPr lvl="0"/>
-            <a:r>
-              <a:rPr lang="en-US" sz="1200" kern="1200" dirty="0">
-                <a:solidFill>
-                  <a:schemeClr val="tx1"/>
-                </a:solidFill>
-                <a:effectLst/>
-                <a:latin typeface="+mn-lt"/>
-                <a:ea typeface="+mn-ea"/>
-                <a:cs typeface="+mn-cs"/>
-              </a:rPr>
-              <a:t>Performance may vary depending upon where and when you provision your virtual machines due to a variety of factors including differences in hardware. Your virtual machine may get moved to a different host due to a hardware replacement necessitated by a failure or lifecycle refresh. </a:t>
-            </a:r>
-            <a:endParaRPr lang="de-DE" sz="1200" kern="1200" dirty="0">
-              <a:solidFill>
-                <a:schemeClr val="tx1"/>
-              </a:solidFill>
-              <a:effectLst/>
-              <a:latin typeface="+mn-lt"/>
-              <a:ea typeface="+mn-ea"/>
-              <a:cs typeface="+mn-cs"/>
-            </a:endParaRPr>
-          </a:p>
-          <a:p>
-            <a:pPr lvl="0"/>
-            <a:r>
-              <a:rPr lang="en-US" sz="1200" kern="1200" dirty="0">
-                <a:solidFill>
-                  <a:schemeClr val="tx1"/>
-                </a:solidFill>
-                <a:effectLst/>
-                <a:latin typeface="+mn-lt"/>
-                <a:ea typeface="+mn-ea"/>
-                <a:cs typeface="+mn-cs"/>
-              </a:rPr>
-              <a:t>The performance and availability of your virtual machines may be impacted (positively or negatively) by maintenance operations such as platform upgrades or performance and reliability fixes.</a:t>
-            </a:r>
-            <a:endParaRPr lang="de-DE" sz="1200" kern="1200" dirty="0">
-              <a:solidFill>
-                <a:schemeClr val="tx1"/>
-              </a:solidFill>
-              <a:effectLst/>
-              <a:latin typeface="+mn-lt"/>
-              <a:ea typeface="+mn-ea"/>
-              <a:cs typeface="+mn-cs"/>
-            </a:endParaRPr>
-          </a:p>
-          <a:p>
-            <a:pPr lvl="0"/>
-            <a:r>
-              <a:rPr lang="en-US" sz="1200" kern="1200" dirty="0">
-                <a:solidFill>
-                  <a:schemeClr val="tx1"/>
-                </a:solidFill>
-                <a:effectLst/>
-                <a:latin typeface="+mn-lt"/>
-                <a:ea typeface="+mn-ea"/>
-                <a:cs typeface="+mn-cs"/>
-              </a:rPr>
-              <a:t>When you use cloud-based storage options in Azure, you sacrifice granular control and deep performance optimization options for lower costs, simplicity and out-of-the-box redundancy. </a:t>
-            </a:r>
-            <a:endParaRPr lang="de-DE" sz="1200" kern="1200" dirty="0">
-              <a:solidFill>
-                <a:schemeClr val="tx1"/>
-              </a:solidFill>
-              <a:effectLst/>
-              <a:latin typeface="+mn-lt"/>
-              <a:ea typeface="+mn-ea"/>
-              <a:cs typeface="+mn-cs"/>
-            </a:endParaRPr>
-          </a:p>
-          <a:p>
-            <a:pPr lvl="0"/>
-            <a:r>
-              <a:rPr lang="en-US" sz="1200" kern="1200" dirty="0">
-                <a:solidFill>
-                  <a:schemeClr val="tx1"/>
-                </a:solidFill>
-                <a:effectLst/>
-                <a:latin typeface="+mn-lt"/>
-                <a:ea typeface="+mn-ea"/>
-                <a:cs typeface="+mn-cs"/>
-              </a:rPr>
-              <a:t>Azure disks are connected to virtual machines via a network infrastructure and that can introduce higher network latency compared to the local attached disks in on-premises environment.</a:t>
-            </a:r>
-            <a:endParaRPr lang="de-DE" sz="1200" kern="1200" dirty="0">
-              <a:solidFill>
-                <a:schemeClr val="tx1"/>
-              </a:solidFill>
-              <a:effectLst/>
-              <a:latin typeface="+mn-lt"/>
-              <a:ea typeface="+mn-ea"/>
-              <a:cs typeface="+mn-cs"/>
-            </a:endParaRPr>
-          </a:p>
-          <a:p>
-            <a:r>
-              <a:rPr lang="en-US" sz="1200" kern="1200" dirty="0">
-                <a:solidFill>
-                  <a:schemeClr val="tx1"/>
-                </a:solidFill>
-                <a:effectLst/>
-                <a:latin typeface="+mn-lt"/>
-                <a:ea typeface="+mn-ea"/>
-                <a:cs typeface="+mn-cs"/>
-              </a:rPr>
-              <a:t> </a:t>
-            </a:r>
-            <a:endParaRPr lang="de-DE" sz="1200" kern="1200" dirty="0">
-              <a:solidFill>
-                <a:schemeClr val="tx1"/>
-              </a:solidFill>
-              <a:effectLst/>
-              <a:latin typeface="+mn-lt"/>
-              <a:ea typeface="+mn-ea"/>
-              <a:cs typeface="+mn-cs"/>
-            </a:endParaRPr>
-          </a:p>
-          <a:p>
-            <a:r>
-              <a:rPr lang="en-US" sz="1200" kern="1200" dirty="0">
-                <a:solidFill>
-                  <a:schemeClr val="tx1"/>
-                </a:solidFill>
-                <a:effectLst/>
-                <a:latin typeface="+mn-lt"/>
-                <a:ea typeface="+mn-ea"/>
-                <a:cs typeface="+mn-cs"/>
-              </a:rPr>
-              <a:t>For a detailed discussion on different storage configurations, see the </a:t>
-            </a:r>
-            <a:r>
-              <a:rPr lang="en-US" sz="1200" u="sng" kern="1200" dirty="0">
-                <a:solidFill>
-                  <a:schemeClr val="tx1"/>
-                </a:solidFill>
-                <a:effectLst/>
-                <a:latin typeface="+mn-lt"/>
-                <a:ea typeface="+mn-ea"/>
-                <a:cs typeface="+mn-cs"/>
-                <a:hlinkClick r:id="rId4"/>
-              </a:rPr>
-              <a:t>Best practices and recommendations for optimizing SQL Server performance in Azure VMs</a:t>
-            </a:r>
-            <a:r>
-              <a:rPr lang="en-US" sz="1200" kern="1200" dirty="0">
-                <a:solidFill>
-                  <a:schemeClr val="tx1"/>
-                </a:solidFill>
-                <a:effectLst/>
-                <a:latin typeface="+mn-lt"/>
-                <a:ea typeface="+mn-ea"/>
-                <a:cs typeface="+mn-cs"/>
-              </a:rPr>
-              <a:t> section. </a:t>
-            </a:r>
-            <a:endParaRPr lang="de-DE" sz="1200" kern="1200" dirty="0">
-              <a:solidFill>
-                <a:schemeClr val="tx1"/>
-              </a:solidFill>
-              <a:effectLst/>
-              <a:latin typeface="+mn-lt"/>
-              <a:ea typeface="+mn-ea"/>
-              <a:cs typeface="+mn-cs"/>
-            </a:endParaRPr>
-          </a:p>
-          <a:p>
-            <a:endParaRPr lang="de-DE" dirty="0"/>
+              <a:t>NTFS volumes use a default cluster size of 4 KB. Based on our performance tests, we recommend changing the default cluster size to 64 KB during volume creation for both single disk and multiple disks (storage spaces) volumes. </a:t>
+            </a:r>
+          </a:p>
+          <a:p>
+            <a:endParaRPr lang="en-US" dirty="0"/>
           </a:p>
         </p:txBody>
       </p:sp>
@@ -4057,7 +3654,7 @@
           <a:p>
             <a:fld id="{3914BC00-1402-49CF-9CEB-7C8FB383AFA3}" type="slidenum">
               <a:rPr lang="de-DE" smtClean="0"/>
-              <a:t>38</a:t>
+              <a:t>39</a:t>
             </a:fld>
             <a:endParaRPr lang="de-DE"/>
           </a:p>
@@ -4066,7 +3663,7 @@
     </p:spTree>
     <p:extLst>
       <p:ext uri="{BB962C8B-B14F-4D97-AF65-F5344CB8AC3E}">
-        <p14:creationId xmlns:p14="http://schemas.microsoft.com/office/powerpoint/2010/main" val="2201676438"/>
+        <p14:creationId xmlns:p14="http://schemas.microsoft.com/office/powerpoint/2010/main" val="75023002"/>
       </p:ext>
     </p:extLst>
   </p:cSld>
@@ -4121,14 +3718,375 @@
           <a:lstStyle/>
           <a:p>
             <a:r>
-              <a:rPr lang="en-US" dirty="0"/>
-              <a:t>These are all Azure</a:t>
-            </a:r>
-            <a:r>
-              <a:rPr lang="en-US" baseline="0" dirty="0"/>
-              <a:t> endorsed Linux distributions but only SUSE SLES is certified for SAP as of end of calendar year 2015</a:t>
-            </a:r>
-            <a:endParaRPr lang="en-US" dirty="0"/>
+              <a:rPr lang="en-US" sz="1200" b="1" u="sng" kern="1200" dirty="0">
+                <a:solidFill>
+                  <a:schemeClr val="tx1"/>
+                </a:solidFill>
+                <a:effectLst/>
+                <a:latin typeface="+mn-lt"/>
+                <a:ea typeface="+mn-ea"/>
+                <a:cs typeface="+mn-cs"/>
+              </a:rPr>
+              <a:t>I/O sub-system</a:t>
+            </a:r>
+            <a:endParaRPr lang="de-DE" sz="1200" b="1" kern="1200" dirty="0">
+              <a:solidFill>
+                <a:schemeClr val="tx1"/>
+              </a:solidFill>
+              <a:effectLst/>
+              <a:latin typeface="+mn-lt"/>
+              <a:ea typeface="+mn-ea"/>
+              <a:cs typeface="+mn-cs"/>
+            </a:endParaRPr>
+          </a:p>
+          <a:p>
+            <a:r>
+              <a:rPr lang="en-US" sz="1200" kern="1200" dirty="0">
+                <a:solidFill>
+                  <a:schemeClr val="tx1"/>
+                </a:solidFill>
+                <a:effectLst/>
+                <a:latin typeface="+mn-lt"/>
+                <a:ea typeface="+mn-ea"/>
+                <a:cs typeface="+mn-cs"/>
+              </a:rPr>
+              <a:t>Storage optimization for SQL Server transactional and analytical workloads is a very important task that requires careful planning and analysis. There is already a tremendous amount of information that explains how to deal with I/O subsystems with different performance characteristics in a traditional on-premises environment, such as spindles, host bus adapters (HBAs), disk controllers, and so on. For more information, see </a:t>
+            </a:r>
+            <a:r>
+              <a:rPr lang="en-US" sz="1200" u="sng" kern="1200" dirty="0">
+                <a:solidFill>
+                  <a:schemeClr val="tx1"/>
+                </a:solidFill>
+                <a:effectLst/>
+                <a:latin typeface="+mn-lt"/>
+                <a:ea typeface="+mn-ea"/>
+                <a:cs typeface="+mn-cs"/>
+                <a:hlinkClick r:id="rId3"/>
+              </a:rPr>
+              <a:t>Analyzing I/O Characteristics and Sizing Storage Systems for SQL Server Database Applications</a:t>
+            </a:r>
+            <a:r>
+              <a:rPr lang="en-US" sz="1200" kern="1200" dirty="0">
+                <a:solidFill>
+                  <a:schemeClr val="tx1"/>
+                </a:solidFill>
+                <a:effectLst/>
+                <a:latin typeface="+mn-lt"/>
+                <a:ea typeface="+mn-ea"/>
+                <a:cs typeface="+mn-cs"/>
+              </a:rPr>
+              <a:t>. </a:t>
+            </a:r>
+            <a:endParaRPr lang="de-DE" sz="1200" kern="1200" dirty="0">
+              <a:solidFill>
+                <a:schemeClr val="tx1"/>
+              </a:solidFill>
+              <a:effectLst/>
+              <a:latin typeface="+mn-lt"/>
+              <a:ea typeface="+mn-ea"/>
+              <a:cs typeface="+mn-cs"/>
+            </a:endParaRPr>
+          </a:p>
+          <a:p>
+            <a:r>
+              <a:rPr lang="en-US" sz="1200" kern="1200" dirty="0">
+                <a:solidFill>
+                  <a:schemeClr val="tx1"/>
+                </a:solidFill>
+                <a:effectLst/>
+                <a:latin typeface="+mn-lt"/>
+                <a:ea typeface="+mn-ea"/>
+                <a:cs typeface="+mn-cs"/>
+              </a:rPr>
+              <a:t>Azure disks are implemented as a service, so they do not offer the same range of complex configuration options available in traditional on-premises I/O subsystems. This has both benefits and costs. For instance, Azure disks offer built-in local redundancy and optional geo-redundancy for disaster recovery through the use of replicas. To achieve the same level of redundancy in on-premises deployments, you would need to set up multiple disk arrays in multiple locations and a synchronization mechanism, such as, a </a:t>
+            </a:r>
+            <a:r>
+              <a:rPr lang="de-DE" sz="1200" kern="1200" dirty="0" err="1">
+                <a:solidFill>
+                  <a:schemeClr val="tx1"/>
+                </a:solidFill>
+                <a:effectLst/>
+                <a:latin typeface="+mn-lt"/>
+                <a:ea typeface="+mn-ea"/>
+                <a:cs typeface="+mn-cs"/>
+              </a:rPr>
+              <a:t>storage</a:t>
+            </a:r>
+            <a:r>
+              <a:rPr lang="de-DE" sz="1200" kern="1200" dirty="0">
+                <a:solidFill>
+                  <a:schemeClr val="tx1"/>
+                </a:solidFill>
+                <a:effectLst/>
+                <a:latin typeface="+mn-lt"/>
+                <a:ea typeface="+mn-ea"/>
+                <a:cs typeface="+mn-cs"/>
+              </a:rPr>
+              <a:t> </a:t>
+            </a:r>
+            <a:r>
+              <a:rPr lang="de-DE" sz="1200" kern="1200" dirty="0" err="1">
+                <a:solidFill>
+                  <a:schemeClr val="tx1"/>
+                </a:solidFill>
+                <a:effectLst/>
+                <a:latin typeface="+mn-lt"/>
+                <a:ea typeface="+mn-ea"/>
+                <a:cs typeface="+mn-cs"/>
+              </a:rPr>
+              <a:t>area</a:t>
+            </a:r>
+            <a:r>
+              <a:rPr lang="de-DE" sz="1200" kern="1200" dirty="0">
+                <a:solidFill>
+                  <a:schemeClr val="tx1"/>
+                </a:solidFill>
+                <a:effectLst/>
+                <a:latin typeface="+mn-lt"/>
+                <a:ea typeface="+mn-ea"/>
+                <a:cs typeface="+mn-cs"/>
+              </a:rPr>
+              <a:t> </a:t>
+            </a:r>
+            <a:r>
+              <a:rPr lang="de-DE" sz="1200" kern="1200" dirty="0" err="1">
+                <a:solidFill>
+                  <a:schemeClr val="tx1"/>
+                </a:solidFill>
+                <a:effectLst/>
+                <a:latin typeface="+mn-lt"/>
+                <a:ea typeface="+mn-ea"/>
+                <a:cs typeface="+mn-cs"/>
+              </a:rPr>
+              <a:t>network</a:t>
+            </a:r>
+            <a:r>
+              <a:rPr lang="de-DE" sz="1200" kern="1200" dirty="0">
+                <a:solidFill>
+                  <a:schemeClr val="tx1"/>
+                </a:solidFill>
+                <a:effectLst/>
+                <a:latin typeface="+mn-lt"/>
+                <a:ea typeface="+mn-ea"/>
+                <a:cs typeface="+mn-cs"/>
+              </a:rPr>
+              <a:t> (SAN)</a:t>
+            </a:r>
+            <a:r>
+              <a:rPr lang="en-US" sz="1200" kern="1200" dirty="0">
+                <a:solidFill>
+                  <a:schemeClr val="tx1"/>
+                </a:solidFill>
+                <a:effectLst/>
+                <a:latin typeface="+mn-lt"/>
+                <a:ea typeface="+mn-ea"/>
+                <a:cs typeface="+mn-cs"/>
+              </a:rPr>
+              <a:t> replication. On the other hand, the Azure disk performance is not as predictable as on-premises disk I/O subsystem due to several factors:</a:t>
+            </a:r>
+            <a:endParaRPr lang="de-DE" sz="1200" kern="1200" dirty="0">
+              <a:solidFill>
+                <a:schemeClr val="tx1"/>
+              </a:solidFill>
+              <a:effectLst/>
+              <a:latin typeface="+mn-lt"/>
+              <a:ea typeface="+mn-ea"/>
+              <a:cs typeface="+mn-cs"/>
+            </a:endParaRPr>
+          </a:p>
+          <a:p>
+            <a:pPr lvl="0"/>
+            <a:r>
+              <a:rPr lang="en-US" sz="1200" kern="1200" dirty="0">
+                <a:solidFill>
+                  <a:schemeClr val="tx1"/>
+                </a:solidFill>
+                <a:effectLst/>
+                <a:latin typeface="+mn-lt"/>
+                <a:ea typeface="+mn-ea"/>
+                <a:cs typeface="+mn-cs"/>
+              </a:rPr>
+              <a:t>Azure Infrastructure Services is a shared, multi-tenant service.  Resources like host machines, storage services and network bandwidth are shared among multiple subscribers.</a:t>
+            </a:r>
+            <a:endParaRPr lang="de-DE" sz="1200" kern="1200" dirty="0">
+              <a:solidFill>
+                <a:schemeClr val="tx1"/>
+              </a:solidFill>
+              <a:effectLst/>
+              <a:latin typeface="+mn-lt"/>
+              <a:ea typeface="+mn-ea"/>
+              <a:cs typeface="+mn-cs"/>
+            </a:endParaRPr>
+          </a:p>
+          <a:p>
+            <a:pPr lvl="0"/>
+            <a:r>
+              <a:rPr lang="en-US" sz="1200" kern="1200" dirty="0">
+                <a:solidFill>
+                  <a:schemeClr val="tx1"/>
+                </a:solidFill>
+                <a:effectLst/>
+                <a:latin typeface="+mn-lt"/>
+                <a:ea typeface="+mn-ea"/>
+                <a:cs typeface="+mn-cs"/>
+              </a:rPr>
+              <a:t>Performance may vary depending upon where and when you provision your virtual machines due to a variety of factors including differences in hardware. Your virtual machine may get moved to a different host due to a hardware replacement necessitated by a failure or lifecycle refresh. </a:t>
+            </a:r>
+            <a:endParaRPr lang="de-DE" sz="1200" kern="1200" dirty="0">
+              <a:solidFill>
+                <a:schemeClr val="tx1"/>
+              </a:solidFill>
+              <a:effectLst/>
+              <a:latin typeface="+mn-lt"/>
+              <a:ea typeface="+mn-ea"/>
+              <a:cs typeface="+mn-cs"/>
+            </a:endParaRPr>
+          </a:p>
+          <a:p>
+            <a:pPr lvl="0"/>
+            <a:r>
+              <a:rPr lang="en-US" sz="1200" kern="1200" dirty="0">
+                <a:solidFill>
+                  <a:schemeClr val="tx1"/>
+                </a:solidFill>
+                <a:effectLst/>
+                <a:latin typeface="+mn-lt"/>
+                <a:ea typeface="+mn-ea"/>
+                <a:cs typeface="+mn-cs"/>
+              </a:rPr>
+              <a:t>The performance and availability of your virtual machines may be impacted (positively or negatively) by maintenance operations such as platform upgrades or performance and reliability fixes.</a:t>
+            </a:r>
+            <a:endParaRPr lang="de-DE" sz="1200" kern="1200" dirty="0">
+              <a:solidFill>
+                <a:schemeClr val="tx1"/>
+              </a:solidFill>
+              <a:effectLst/>
+              <a:latin typeface="+mn-lt"/>
+              <a:ea typeface="+mn-ea"/>
+              <a:cs typeface="+mn-cs"/>
+            </a:endParaRPr>
+          </a:p>
+          <a:p>
+            <a:pPr lvl="0"/>
+            <a:r>
+              <a:rPr lang="en-US" sz="1200" kern="1200" dirty="0">
+                <a:solidFill>
+                  <a:schemeClr val="tx1"/>
+                </a:solidFill>
+                <a:effectLst/>
+                <a:latin typeface="+mn-lt"/>
+                <a:ea typeface="+mn-ea"/>
+                <a:cs typeface="+mn-cs"/>
+              </a:rPr>
+              <a:t>When you use cloud-based storage options in Azure, you sacrifice granular control and deep performance optimization options for lower costs, simplicity and out-of-the-box redundancy. </a:t>
+            </a:r>
+            <a:endParaRPr lang="de-DE" sz="1200" kern="1200" dirty="0">
+              <a:solidFill>
+                <a:schemeClr val="tx1"/>
+              </a:solidFill>
+              <a:effectLst/>
+              <a:latin typeface="+mn-lt"/>
+              <a:ea typeface="+mn-ea"/>
+              <a:cs typeface="+mn-cs"/>
+            </a:endParaRPr>
+          </a:p>
+          <a:p>
+            <a:pPr lvl="0"/>
+            <a:r>
+              <a:rPr lang="en-US" sz="1200" kern="1200" dirty="0">
+                <a:solidFill>
+                  <a:schemeClr val="tx1"/>
+                </a:solidFill>
+                <a:effectLst/>
+                <a:latin typeface="+mn-lt"/>
+                <a:ea typeface="+mn-ea"/>
+                <a:cs typeface="+mn-cs"/>
+              </a:rPr>
+              <a:t>Azure disks are connected to virtual machines via a network infrastructure and that can introduce higher network latency compared to the local attached disks in on-premises environment.</a:t>
+            </a:r>
+            <a:endParaRPr lang="de-DE" sz="1200" kern="1200" dirty="0">
+              <a:solidFill>
+                <a:schemeClr val="tx1"/>
+              </a:solidFill>
+              <a:effectLst/>
+              <a:latin typeface="+mn-lt"/>
+              <a:ea typeface="+mn-ea"/>
+              <a:cs typeface="+mn-cs"/>
+            </a:endParaRPr>
+          </a:p>
+          <a:p>
+            <a:r>
+              <a:rPr lang="en-US" sz="1200" kern="1200" dirty="0">
+                <a:solidFill>
+                  <a:schemeClr val="tx1"/>
+                </a:solidFill>
+                <a:effectLst/>
+                <a:latin typeface="+mn-lt"/>
+                <a:ea typeface="+mn-ea"/>
+                <a:cs typeface="+mn-cs"/>
+              </a:rPr>
+              <a:t> </a:t>
+            </a:r>
+            <a:endParaRPr lang="de-DE" sz="1200" kern="1200" dirty="0">
+              <a:solidFill>
+                <a:schemeClr val="tx1"/>
+              </a:solidFill>
+              <a:effectLst/>
+              <a:latin typeface="+mn-lt"/>
+              <a:ea typeface="+mn-ea"/>
+              <a:cs typeface="+mn-cs"/>
+            </a:endParaRPr>
+          </a:p>
+          <a:p>
+            <a:r>
+              <a:rPr lang="en-US" sz="1200" kern="1200" dirty="0">
+                <a:solidFill>
+                  <a:schemeClr val="tx1"/>
+                </a:solidFill>
+                <a:effectLst/>
+                <a:latin typeface="+mn-lt"/>
+                <a:ea typeface="+mn-ea"/>
+                <a:cs typeface="+mn-cs"/>
+              </a:rPr>
+              <a:t>For a detailed discussion on different storage configurations, see the </a:t>
+            </a:r>
+            <a:r>
+              <a:rPr lang="en-US" sz="1200" u="sng" kern="1200" dirty="0">
+                <a:solidFill>
+                  <a:schemeClr val="tx1"/>
+                </a:solidFill>
+                <a:effectLst/>
+                <a:latin typeface="+mn-lt"/>
+                <a:ea typeface="+mn-ea"/>
+                <a:cs typeface="+mn-cs"/>
+                <a:hlinkClick r:id="rId4"/>
+              </a:rPr>
+              <a:t>Best practices and recommendations for optimizing SQL Server performance in Azure VMs</a:t>
+            </a:r>
+            <a:r>
+              <a:rPr lang="en-US" sz="1200" kern="1200" dirty="0">
+                <a:solidFill>
+                  <a:schemeClr val="tx1"/>
+                </a:solidFill>
+                <a:effectLst/>
+                <a:latin typeface="+mn-lt"/>
+                <a:ea typeface="+mn-ea"/>
+                <a:cs typeface="+mn-cs"/>
+              </a:rPr>
+              <a:t> section. </a:t>
+            </a:r>
+            <a:endParaRPr lang="de-DE" sz="1200" kern="1200" dirty="0">
+              <a:solidFill>
+                <a:schemeClr val="tx1"/>
+              </a:solidFill>
+              <a:effectLst/>
+              <a:latin typeface="+mn-lt"/>
+              <a:ea typeface="+mn-ea"/>
+              <a:cs typeface="+mn-cs"/>
+            </a:endParaRPr>
+          </a:p>
+          <a:p>
+            <a:endParaRPr lang="de-DE" dirty="0"/>
           </a:p>
         </p:txBody>
       </p:sp>
@@ -4147,18 +4105,18 @@
           <a:bodyPr/>
           <a:lstStyle/>
           <a:p>
-            <a:fld id="{7A2D9050-ECBC-4706-AA5F-C061ABCE0250}" type="slidenum">
-              <a:rPr lang="en-US" smtClean="0"/>
-              <a:t>41</a:t>
+            <a:fld id="{3914BC00-1402-49CF-9CEB-7C8FB383AFA3}" type="slidenum">
+              <a:rPr lang="de-DE" smtClean="0"/>
+              <a:t>40</a:t>
             </a:fld>
-            <a:endParaRPr lang="en-US"/>
+            <a:endParaRPr lang="de-DE"/>
           </a:p>
         </p:txBody>
       </p:sp>
     </p:spTree>
     <p:extLst>
       <p:ext uri="{BB962C8B-B14F-4D97-AF65-F5344CB8AC3E}">
-        <p14:creationId xmlns:p14="http://schemas.microsoft.com/office/powerpoint/2010/main" val="2390927103"/>
+        <p14:creationId xmlns:p14="http://schemas.microsoft.com/office/powerpoint/2010/main" val="2201676438"/>
       </p:ext>
     </p:extLst>
   </p:cSld>
@@ -4212,18 +4170,26 @@
           <a:bodyPr/>
           <a:lstStyle/>
           <a:p>
+            <a:r>
+              <a:rPr lang="en-US" dirty="0"/>
+              <a:t>These are all Azure</a:t>
+            </a:r>
+            <a:r>
+              <a:rPr lang="en-US" baseline="0" dirty="0"/>
+              <a:t> endorsed Linux distributions but only SUSE SLES is certified for SAP as of end of calendar year 2015</a:t>
+            </a:r>
             <a:endParaRPr lang="en-US" dirty="0"/>
           </a:p>
         </p:txBody>
       </p:sp>
       <p:sp>
         <p:nvSpPr>
-          <p:cNvPr id="4" name="Footer Placeholder 3"/>
+          <p:cNvPr id="4" name="Slide Number Placeholder 3"/>
           <p:cNvSpPr>
             <a:spLocks noGrp="1"/>
           </p:cNvSpPr>
           <p:nvPr>
-            <p:ph type="ftr" sz="quarter" idx="10"/>
+            <p:ph type="sldNum" sz="quarter" idx="10"/>
           </p:nvPr>
         </p:nvSpPr>
         <p:spPr/>
@@ -4231,113 +4197,18 @@
           <a:bodyPr/>
           <a:lstStyle/>
           <a:p>
-            <a:pPr defTabSz="914099" eaLnBrk="0" hangingPunct="0"/>
-            <a:r>
-              <a:rPr lang="en-US" sz="400">
-                <a:gradFill>
-                  <a:gsLst>
-                    <a:gs pos="0">
-                      <a:prstClr val="black"/>
-                    </a:gs>
-                    <a:gs pos="100000">
-                      <a:prstClr val="black"/>
-                    </a:gs>
-                  </a:gsLst>
-                  <a:lin ang="5400000" scaled="0"/>
-                </a:gradFill>
-                <a:latin typeface="Segoe UI" pitchFamily="34" charset="0"/>
-                <a:ea typeface="Segoe UI" pitchFamily="34" charset="0"/>
-                <a:cs typeface="Segoe UI" pitchFamily="34" charset="0"/>
-              </a:rPr>
-              <a:t>© 2014 Microsoft Corporation. All rights reserved. Microsoft, Windows, and other product names are or may be registered trademarks and/or trademarks in the U.S. and/or other countries. The information herein is for informational purposes only and represents the current view of Microsoft Corporation as of the date of this presentation.  Because Microsoft must respond to changing market conditions, it should not be interpreted to be a commitment on the part of Microsoft, and Microsoft cannot guarantee the accuracy of any information provided after the date of this presentation.  MICROSOFT MAKES NO WARRANTIES, EXPRESS, IMPLIED OR STATUTORY, AS TO THE INFORMATION IN THIS PRESENTATION.</a:t>
-            </a:r>
-            <a:endParaRPr lang="en-US" sz="400" dirty="0">
-              <a:gradFill>
-                <a:gsLst>
-                  <a:gs pos="0">
-                    <a:prstClr val="black"/>
-                  </a:gs>
-                  <a:gs pos="100000">
-                    <a:prstClr val="black"/>
-                  </a:gs>
-                </a:gsLst>
-                <a:lin ang="5400000" scaled="0"/>
-              </a:gradFill>
-              <a:latin typeface="Segoe UI" pitchFamily="34" charset="0"/>
-              <a:ea typeface="Segoe UI" pitchFamily="34" charset="0"/>
-              <a:cs typeface="Segoe UI" pitchFamily="34" charset="0"/>
-            </a:endParaRPr>
-          </a:p>
-        </p:txBody>
-      </p:sp>
-      <p:sp>
-        <p:nvSpPr>
-          <p:cNvPr id="5" name="Date Placeholder 4"/>
-          <p:cNvSpPr>
-            <a:spLocks noGrp="1"/>
-          </p:cNvSpPr>
-          <p:nvPr>
-            <p:ph type="dt" idx="11"/>
-          </p:nvPr>
-        </p:nvSpPr>
-        <p:spPr/>
-        <p:txBody>
-          <a:bodyPr/>
-          <a:lstStyle/>
-          <a:p>
-            <a:fld id="{E74353ED-ACB2-44BF-A903-985B0AF962B7}" type="datetime1">
-              <a:rPr lang="en-US" smtClean="0">
-                <a:solidFill>
-                  <a:prstClr val="black"/>
-                </a:solidFill>
-              </a:rPr>
-              <a:pPr/>
-              <a:t>6/7/2016</a:t>
+            <a:fld id="{7A2D9050-ECBC-4706-AA5F-C061ABCE0250}" type="slidenum">
+              <a:rPr lang="en-US" smtClean="0"/>
+              <a:t>43</a:t>
             </a:fld>
-            <a:endParaRPr lang="en-US" dirty="0">
-              <a:solidFill>
-                <a:prstClr val="black"/>
-              </a:solidFill>
-            </a:endParaRPr>
-          </a:p>
-        </p:txBody>
-      </p:sp>
-      <p:sp>
-        <p:nvSpPr>
-          <p:cNvPr id="6" name="Slide Number Placeholder 5"/>
-          <p:cNvSpPr>
-            <a:spLocks noGrp="1"/>
-          </p:cNvSpPr>
-          <p:nvPr>
-            <p:ph type="sldNum" sz="quarter" idx="12"/>
-          </p:nvPr>
-        </p:nvSpPr>
-        <p:spPr/>
-        <p:txBody>
-          <a:bodyPr/>
-          <a:lstStyle/>
-          <a:p>
-            <a:fld id="{B4008EB6-D09E-4580-8CD6-DDB14511944F}" type="slidenum">
-              <a:rPr lang="en-US" smtClean="0">
-                <a:solidFill>
-                  <a:prstClr val="black"/>
-                </a:solidFill>
-              </a:rPr>
-              <a:pPr/>
-              <a:t>42</a:t>
-            </a:fld>
-            <a:endParaRPr lang="en-US" dirty="0">
-              <a:solidFill>
-                <a:prstClr val="black"/>
-              </a:solidFill>
-            </a:endParaRPr>
+            <a:endParaRPr lang="en-US"/>
           </a:p>
         </p:txBody>
       </p:sp>
     </p:spTree>
     <p:extLst>
       <p:ext uri="{BB962C8B-B14F-4D97-AF65-F5344CB8AC3E}">
-        <p14:creationId xmlns:p14="http://schemas.microsoft.com/office/powerpoint/2010/main" val="240135251"/>
+        <p14:creationId xmlns:p14="http://schemas.microsoft.com/office/powerpoint/2010/main" val="2390927103"/>
       </p:ext>
     </p:extLst>
   </p:cSld>
@@ -4483,10 +4354,7 @@
           <a:bodyPr/>
           <a:lstStyle/>
           <a:p>
-            <a:r>
-              <a:rPr lang="en-US" dirty="0"/>
-              <a:t>https://azure.microsoft.com/en-us/documentation/articles/virtual-machines-linux-agent-user-guide/</a:t>
-            </a:r>
+            <a:endParaRPr lang="en-US" dirty="0"/>
           </a:p>
         </p:txBody>
       </p:sp>
@@ -4598,7 +4466,7 @@
                 </a:solidFill>
               </a:rPr>
               <a:pPr/>
-              <a:t>43</a:t>
+              <a:t>44</a:t>
             </a:fld>
             <a:endParaRPr lang="en-US" dirty="0">
               <a:solidFill>
@@ -4611,7 +4479,7 @@
     </p:spTree>
     <p:extLst>
       <p:ext uri="{BB962C8B-B14F-4D97-AF65-F5344CB8AC3E}">
-        <p14:creationId xmlns:p14="http://schemas.microsoft.com/office/powerpoint/2010/main" val="3295547359"/>
+        <p14:creationId xmlns:p14="http://schemas.microsoft.com/office/powerpoint/2010/main" val="240135251"/>
       </p:ext>
     </p:extLst>
   </p:cSld>
@@ -4667,188 +4535,19 @@
           <a:p>
             <a:r>
               <a:rPr lang="en-US" dirty="0"/>
-              <a:t>VM Extensions implement most of the critical functionality that you want to use with your VMs, including basic functionality like resetting passwords, configuring RDP, and many, many others. Because new extensions are added all the time, the number of possible features your VMs support in Azure continues to increase.  For example: </a:t>
-            </a:r>
-            <a:r>
-              <a:rPr lang="en-US" dirty="0" err="1"/>
-              <a:t>VMAccess</a:t>
-            </a:r>
-            <a:r>
-              <a:rPr lang="en-US" baseline="0" dirty="0"/>
-              <a:t> Extension, OS patching extension, Docket extension.  See https://azure.microsoft.com/en-us/documentation/articles/virtual-machines-extensions-configuration-samples-linux/ for more.</a:t>
-            </a:r>
-            <a:endParaRPr lang="en-US" dirty="0"/>
-          </a:p>
-          <a:p>
-            <a:endParaRPr lang="en-US" dirty="0"/>
-          </a:p>
-          <a:p>
-            <a:r>
-              <a:rPr lang="en-US" dirty="0" err="1"/>
-              <a:t>VMAccess</a:t>
-            </a:r>
-            <a:r>
-              <a:rPr lang="en-US" dirty="0"/>
-              <a:t> Extension can:</a:t>
-            </a:r>
-          </a:p>
-          <a:p>
-            <a:r>
-              <a:rPr lang="en-US" dirty="0"/>
-              <a:t>Reset the password of the original </a:t>
-            </a:r>
-            <a:r>
-              <a:rPr lang="en-US" dirty="0" err="1"/>
-              <a:t>sudo</a:t>
-            </a:r>
-            <a:r>
-              <a:rPr lang="en-US" dirty="0"/>
-              <a:t> user </a:t>
-            </a:r>
-          </a:p>
-          <a:p>
-            <a:r>
-              <a:rPr lang="en-US" dirty="0"/>
-              <a:t>Create a new </a:t>
-            </a:r>
-            <a:r>
-              <a:rPr lang="en-US" dirty="0" err="1"/>
-              <a:t>sudo</a:t>
-            </a:r>
-            <a:r>
-              <a:rPr lang="en-US" dirty="0"/>
-              <a:t> user with the password specified</a:t>
-            </a:r>
-          </a:p>
-          <a:p>
-            <a:r>
-              <a:rPr lang="en-US" dirty="0"/>
-              <a:t>Set the public host key with the key given</a:t>
-            </a:r>
-          </a:p>
-          <a:p>
-            <a:r>
-              <a:rPr lang="en-US" dirty="0"/>
-              <a:t>Reset the public host key provided during VM provisioning if host key not provided</a:t>
-            </a:r>
-          </a:p>
-          <a:p>
-            <a:r>
-              <a:rPr lang="en-US" dirty="0"/>
-              <a:t>Open the SSH port(22) and restore the </a:t>
-            </a:r>
-            <a:r>
-              <a:rPr lang="en-US" dirty="0" err="1"/>
-              <a:t>sshd_config</a:t>
-            </a:r>
-            <a:r>
-              <a:rPr lang="en-US" dirty="0"/>
-              <a:t> if </a:t>
-            </a:r>
-            <a:r>
-              <a:rPr lang="en-US" dirty="0" err="1"/>
-              <a:t>reset_ssh</a:t>
-            </a:r>
-            <a:r>
-              <a:rPr lang="en-US" dirty="0"/>
-              <a:t> is set to true</a:t>
-            </a:r>
-          </a:p>
-          <a:p>
-            <a:r>
-              <a:rPr lang="en-US" dirty="0"/>
-              <a:t>Remove the existing user</a:t>
-            </a:r>
-          </a:p>
-          <a:p>
-            <a:r>
-              <a:rPr lang="en-US" dirty="0"/>
-              <a:t>Check disks</a:t>
-            </a:r>
-          </a:p>
-          <a:p>
-            <a:r>
-              <a:rPr lang="en-US" dirty="0"/>
-              <a:t>Repair added disk</a:t>
-            </a:r>
-          </a:p>
-          <a:p>
-            <a:endParaRPr lang="en-US" dirty="0"/>
+              <a:t>https://azure.microsoft.com/en-us/documentation/articles/virtual-machines-linux-agent-user-guide/</a:t>
+            </a:r>
           </a:p>
         </p:txBody>
       </p:sp>
       <p:sp>
         <p:nvSpPr>
-          <p:cNvPr id="6" name="Date Placeholder 5"/>
+          <p:cNvPr id="4" name="Footer Placeholder 3"/>
           <p:cNvSpPr>
             <a:spLocks noGrp="1"/>
           </p:cNvSpPr>
           <p:nvPr>
-            <p:ph type="dt" idx="12"/>
-          </p:nvPr>
-        </p:nvSpPr>
-        <p:spPr/>
-        <p:txBody>
-          <a:bodyPr/>
-          <a:lstStyle/>
-          <a:p>
-            <a:fld id="{59A47E80-8152-4C93-B5EB-FB5EA07D8999}" type="datetime1">
-              <a:rPr lang="en-US" smtClean="0">
-                <a:solidFill>
-                  <a:prstClr val="black"/>
-                </a:solidFill>
-              </a:rPr>
-              <a:pPr/>
-              <a:t>6/7/2016</a:t>
-            </a:fld>
-            <a:endParaRPr lang="en-US" dirty="0">
-              <a:solidFill>
-                <a:prstClr val="black"/>
-              </a:solidFill>
-            </a:endParaRPr>
-          </a:p>
-        </p:txBody>
-      </p:sp>
-      <p:sp>
-        <p:nvSpPr>
-          <p:cNvPr id="7" name="Slide Number Placeholder 6"/>
-          <p:cNvSpPr>
-            <a:spLocks noGrp="1"/>
-          </p:cNvSpPr>
-          <p:nvPr>
-            <p:ph type="sldNum" sz="quarter" idx="13"/>
-          </p:nvPr>
-        </p:nvSpPr>
-        <p:spPr/>
-        <p:txBody>
-          <a:bodyPr/>
-          <a:lstStyle/>
-          <a:p>
-            <a:fld id="{B4008EB6-D09E-4580-8CD6-DDB14511944F}" type="slidenum">
-              <a:rPr lang="en-US" smtClean="0">
-                <a:solidFill>
-                  <a:prstClr val="black"/>
-                </a:solidFill>
-              </a:rPr>
-              <a:pPr/>
-              <a:t>44</a:t>
-            </a:fld>
-            <a:endParaRPr lang="en-US" dirty="0">
-              <a:solidFill>
-                <a:prstClr val="black"/>
-              </a:solidFill>
-            </a:endParaRPr>
-          </a:p>
-        </p:txBody>
-      </p:sp>
-      <p:sp>
-        <p:nvSpPr>
-          <p:cNvPr id="10" name="Footer Placeholder 9"/>
-          <p:cNvSpPr>
-            <a:spLocks noGrp="1"/>
-          </p:cNvSpPr>
-          <p:nvPr>
-            <p:ph type="ftr" sz="quarter" idx="14"/>
+            <p:ph type="ftr" sz="quarter" idx="10"/>
           </p:nvPr>
         </p:nvSpPr>
         <p:spPr/>
@@ -4895,10 +4594,74 @@
           </a:p>
         </p:txBody>
       </p:sp>
+      <p:sp>
+        <p:nvSpPr>
+          <p:cNvPr id="5" name="Date Placeholder 4"/>
+          <p:cNvSpPr>
+            <a:spLocks noGrp="1"/>
+          </p:cNvSpPr>
+          <p:nvPr>
+            <p:ph type="dt" idx="11"/>
+          </p:nvPr>
+        </p:nvSpPr>
+        <p:spPr/>
+        <p:txBody>
+          <a:bodyPr/>
+          <a:lstStyle/>
+          <a:p>
+            <a:fld id="{E74353ED-ACB2-44BF-A903-985B0AF962B7}" type="datetime1">
+              <a:rPr lang="en-US" smtClean="0">
+                <a:solidFill>
+                  <a:prstClr val="black"/>
+                </a:solidFill>
+              </a:rPr>
+              <a:pPr/>
+              <a:t>6/7/2016</a:t>
+            </a:fld>
+            <a:endParaRPr lang="en-US" dirty="0">
+              <a:solidFill>
+                <a:prstClr val="black"/>
+              </a:solidFill>
+            </a:endParaRPr>
+          </a:p>
+        </p:txBody>
+      </p:sp>
+      <p:sp>
+        <p:nvSpPr>
+          <p:cNvPr id="6" name="Slide Number Placeholder 5"/>
+          <p:cNvSpPr>
+            <a:spLocks noGrp="1"/>
+          </p:cNvSpPr>
+          <p:nvPr>
+            <p:ph type="sldNum" sz="quarter" idx="12"/>
+          </p:nvPr>
+        </p:nvSpPr>
+        <p:spPr/>
+        <p:txBody>
+          <a:bodyPr/>
+          <a:lstStyle/>
+          <a:p>
+            <a:fld id="{B4008EB6-D09E-4580-8CD6-DDB14511944F}" type="slidenum">
+              <a:rPr lang="en-US" smtClean="0">
+                <a:solidFill>
+                  <a:prstClr val="black"/>
+                </a:solidFill>
+              </a:rPr>
+              <a:pPr/>
+              <a:t>45</a:t>
+            </a:fld>
+            <a:endParaRPr lang="en-US" dirty="0">
+              <a:solidFill>
+                <a:prstClr val="black"/>
+              </a:solidFill>
+            </a:endParaRPr>
+          </a:p>
+        </p:txBody>
+      </p:sp>
     </p:spTree>
     <p:extLst>
       <p:ext uri="{BB962C8B-B14F-4D97-AF65-F5344CB8AC3E}">
-        <p14:creationId xmlns:p14="http://schemas.microsoft.com/office/powerpoint/2010/main" val="1742806517"/>
+        <p14:creationId xmlns:p14="http://schemas.microsoft.com/office/powerpoint/2010/main" val="3295547359"/>
       </p:ext>
     </p:extLst>
   </p:cSld>
@@ -4952,18 +4715,126 @@
           <a:bodyPr/>
           <a:lstStyle/>
           <a:p>
+            <a:r>
+              <a:rPr lang="en-US" dirty="0"/>
+              <a:t>VM Extensions implement most of the critical functionality that you want to use with your VMs, including basic functionality like resetting passwords, configuring RDP, and many, many others. Because new extensions are added all the time, the number of possible features your VMs support in Azure continues to increase.  For example: </a:t>
+            </a:r>
+            <a:r>
+              <a:rPr lang="en-US" dirty="0" err="1"/>
+              <a:t>VMAccess</a:t>
+            </a:r>
+            <a:r>
+              <a:rPr lang="en-US" baseline="0" dirty="0"/>
+              <a:t> Extension, OS patching extension, Docket extension.  See https://azure.microsoft.com/en-us/documentation/articles/virtual-machines-extensions-configuration-samples-linux/ for more.</a:t>
+            </a:r>
+            <a:endParaRPr lang="en-US" dirty="0"/>
+          </a:p>
+          <a:p>
+            <a:endParaRPr lang="en-US" dirty="0"/>
+          </a:p>
+          <a:p>
+            <a:r>
+              <a:rPr lang="en-US" dirty="0" err="1"/>
+              <a:t>VMAccess</a:t>
+            </a:r>
+            <a:r>
+              <a:rPr lang="en-US" dirty="0"/>
+              <a:t> Extension can:</a:t>
+            </a:r>
+          </a:p>
+          <a:p>
+            <a:r>
+              <a:rPr lang="en-US" dirty="0"/>
+              <a:t>Reset the password of the original </a:t>
+            </a:r>
+            <a:r>
+              <a:rPr lang="en-US" dirty="0" err="1"/>
+              <a:t>sudo</a:t>
+            </a:r>
+            <a:r>
+              <a:rPr lang="en-US" dirty="0"/>
+              <a:t> user </a:t>
+            </a:r>
+          </a:p>
+          <a:p>
+            <a:r>
+              <a:rPr lang="en-US" dirty="0"/>
+              <a:t>Create a new </a:t>
+            </a:r>
+            <a:r>
+              <a:rPr lang="en-US" dirty="0" err="1"/>
+              <a:t>sudo</a:t>
+            </a:r>
+            <a:r>
+              <a:rPr lang="en-US" dirty="0"/>
+              <a:t> user with the password specified</a:t>
+            </a:r>
+          </a:p>
+          <a:p>
+            <a:r>
+              <a:rPr lang="en-US" dirty="0"/>
+              <a:t>Set the public host key with the key given</a:t>
+            </a:r>
+          </a:p>
+          <a:p>
+            <a:r>
+              <a:rPr lang="en-US" dirty="0"/>
+              <a:t>Reset the public host key provided during VM provisioning if host key not provided</a:t>
+            </a:r>
+          </a:p>
+          <a:p>
+            <a:r>
+              <a:rPr lang="en-US" dirty="0"/>
+              <a:t>Open the SSH port(22) and restore the </a:t>
+            </a:r>
+            <a:r>
+              <a:rPr lang="en-US" dirty="0" err="1"/>
+              <a:t>sshd_config</a:t>
+            </a:r>
+            <a:r>
+              <a:rPr lang="en-US" dirty="0"/>
+              <a:t> if </a:t>
+            </a:r>
+            <a:r>
+              <a:rPr lang="en-US" dirty="0" err="1"/>
+              <a:t>reset_ssh</a:t>
+            </a:r>
+            <a:r>
+              <a:rPr lang="en-US" dirty="0"/>
+              <a:t> is set to true</a:t>
+            </a:r>
+          </a:p>
+          <a:p>
+            <a:r>
+              <a:rPr lang="en-US" dirty="0"/>
+              <a:t>Remove the existing user</a:t>
+            </a:r>
+          </a:p>
+          <a:p>
+            <a:r>
+              <a:rPr lang="en-US" dirty="0"/>
+              <a:t>Check disks</a:t>
+            </a:r>
+          </a:p>
+          <a:p>
+            <a:r>
+              <a:rPr lang="en-US" dirty="0"/>
+              <a:t>Repair added disk</a:t>
+            </a:r>
+          </a:p>
+          <a:p>
             <a:endParaRPr lang="en-US" dirty="0"/>
           </a:p>
         </p:txBody>
       </p:sp>
       <p:sp>
         <p:nvSpPr>
-          <p:cNvPr id="4" name="Slide Number Placeholder 3"/>
+          <p:cNvPr id="6" name="Date Placeholder 5"/>
           <p:cNvSpPr>
             <a:spLocks noGrp="1"/>
           </p:cNvSpPr>
           <p:nvPr>
-            <p:ph type="sldNum" sz="quarter" idx="10"/>
+            <p:ph type="dt" idx="12"/>
           </p:nvPr>
         </p:nvSpPr>
         <p:spPr/>
@@ -4971,18 +4842,113 @@
           <a:bodyPr/>
           <a:lstStyle/>
           <a:p>
-            <a:fld id="{7A2D9050-ECBC-4706-AA5F-C061ABCE0250}" type="slidenum">
-              <a:rPr lang="en-US" smtClean="0"/>
-              <a:t>45</a:t>
+            <a:fld id="{59A47E80-8152-4C93-B5EB-FB5EA07D8999}" type="datetime1">
+              <a:rPr lang="en-US" smtClean="0">
+                <a:solidFill>
+                  <a:prstClr val="black"/>
+                </a:solidFill>
+              </a:rPr>
+              <a:pPr/>
+              <a:t>6/7/2016</a:t>
             </a:fld>
-            <a:endParaRPr lang="en-US"/>
+            <a:endParaRPr lang="en-US" dirty="0">
+              <a:solidFill>
+                <a:prstClr val="black"/>
+              </a:solidFill>
+            </a:endParaRPr>
+          </a:p>
+        </p:txBody>
+      </p:sp>
+      <p:sp>
+        <p:nvSpPr>
+          <p:cNvPr id="7" name="Slide Number Placeholder 6"/>
+          <p:cNvSpPr>
+            <a:spLocks noGrp="1"/>
+          </p:cNvSpPr>
+          <p:nvPr>
+            <p:ph type="sldNum" sz="quarter" idx="13"/>
+          </p:nvPr>
+        </p:nvSpPr>
+        <p:spPr/>
+        <p:txBody>
+          <a:bodyPr/>
+          <a:lstStyle/>
+          <a:p>
+            <a:fld id="{B4008EB6-D09E-4580-8CD6-DDB14511944F}" type="slidenum">
+              <a:rPr lang="en-US" smtClean="0">
+                <a:solidFill>
+                  <a:prstClr val="black"/>
+                </a:solidFill>
+              </a:rPr>
+              <a:pPr/>
+              <a:t>46</a:t>
+            </a:fld>
+            <a:endParaRPr lang="en-US" dirty="0">
+              <a:solidFill>
+                <a:prstClr val="black"/>
+              </a:solidFill>
+            </a:endParaRPr>
+          </a:p>
+        </p:txBody>
+      </p:sp>
+      <p:sp>
+        <p:nvSpPr>
+          <p:cNvPr id="10" name="Footer Placeholder 9"/>
+          <p:cNvSpPr>
+            <a:spLocks noGrp="1"/>
+          </p:cNvSpPr>
+          <p:nvPr>
+            <p:ph type="ftr" sz="quarter" idx="14"/>
+          </p:nvPr>
+        </p:nvSpPr>
+        <p:spPr/>
+        <p:txBody>
+          <a:bodyPr/>
+          <a:lstStyle/>
+          <a:p>
+            <a:pPr defTabSz="914099" eaLnBrk="0" hangingPunct="0"/>
+            <a:r>
+              <a:rPr lang="en-US" sz="400">
+                <a:gradFill>
+                  <a:gsLst>
+                    <a:gs pos="0">
+                      <a:prstClr val="black"/>
+                    </a:gs>
+                    <a:gs pos="100000">
+                      <a:prstClr val="black"/>
+                    </a:gs>
+                  </a:gsLst>
+                  <a:lin ang="5400000" scaled="0"/>
+                </a:gradFill>
+                <a:latin typeface="Segoe UI" pitchFamily="34" charset="0"/>
+                <a:ea typeface="Segoe UI" pitchFamily="34" charset="0"/>
+                <a:cs typeface="Segoe UI" pitchFamily="34" charset="0"/>
+              </a:rPr>
+              <a:t>© 2014 Microsoft Corporation. All rights reserved. Microsoft, Windows, and other product names are or may be registered trademarks and/or trademarks in the U.S. and/or other countries. The information herein is for informational purposes only and represents the current view of Microsoft Corporation as of the date of this presentation.  Because Microsoft must respond to changing market conditions, it should not be interpreted to be a commitment on the part of Microsoft, and Microsoft cannot guarantee the accuracy of any information provided after the date of this presentation.  MICROSOFT MAKES NO WARRANTIES, EXPRESS, IMPLIED OR STATUTORY, AS TO THE INFORMATION IN THIS PRESENTATION.</a:t>
+            </a:r>
+            <a:endParaRPr lang="en-US" sz="400" dirty="0">
+              <a:gradFill>
+                <a:gsLst>
+                  <a:gs pos="0">
+                    <a:prstClr val="black"/>
+                  </a:gs>
+                  <a:gs pos="100000">
+                    <a:prstClr val="black"/>
+                  </a:gs>
+                </a:gsLst>
+                <a:lin ang="5400000" scaled="0"/>
+              </a:gradFill>
+              <a:latin typeface="Segoe UI" pitchFamily="34" charset="0"/>
+              <a:ea typeface="Segoe UI" pitchFamily="34" charset="0"/>
+              <a:cs typeface="Segoe UI" pitchFamily="34" charset="0"/>
+            </a:endParaRPr>
           </a:p>
         </p:txBody>
       </p:sp>
     </p:spTree>
     <p:extLst>
       <p:ext uri="{BB962C8B-B14F-4D97-AF65-F5344CB8AC3E}">
-        <p14:creationId xmlns:p14="http://schemas.microsoft.com/office/powerpoint/2010/main" val="163437692"/>
+        <p14:creationId xmlns:p14="http://schemas.microsoft.com/office/powerpoint/2010/main" val="1742806517"/>
       </p:ext>
     </p:extLst>
   </p:cSld>
@@ -5036,6 +5002,90 @@
           <a:bodyPr/>
           <a:lstStyle/>
           <a:p>
+            <a:endParaRPr lang="en-US" dirty="0"/>
+          </a:p>
+        </p:txBody>
+      </p:sp>
+      <p:sp>
+        <p:nvSpPr>
+          <p:cNvPr id="4" name="Slide Number Placeholder 3"/>
+          <p:cNvSpPr>
+            <a:spLocks noGrp="1"/>
+          </p:cNvSpPr>
+          <p:nvPr>
+            <p:ph type="sldNum" sz="quarter" idx="10"/>
+          </p:nvPr>
+        </p:nvSpPr>
+        <p:spPr/>
+        <p:txBody>
+          <a:bodyPr/>
+          <a:lstStyle/>
+          <a:p>
+            <a:fld id="{7A2D9050-ECBC-4706-AA5F-C061ABCE0250}" type="slidenum">
+              <a:rPr lang="en-US" smtClean="0"/>
+              <a:t>47</a:t>
+            </a:fld>
+            <a:endParaRPr lang="en-US"/>
+          </a:p>
+        </p:txBody>
+      </p:sp>
+    </p:spTree>
+    <p:extLst>
+      <p:ext uri="{BB962C8B-B14F-4D97-AF65-F5344CB8AC3E}">
+        <p14:creationId xmlns:p14="http://schemas.microsoft.com/office/powerpoint/2010/main" val="163437692"/>
+      </p:ext>
+    </p:extLst>
+  </p:cSld>
+  <p:clrMapOvr>
+    <a:masterClrMapping/>
+  </p:clrMapOvr>
+</p:notes>
+</file>
+
+<file path=ppt/notesSlides/notesSlide34.xml><?xml version="1.0" encoding="utf-8"?>
+<p:notes xmlns:a="http://schemas.openxmlformats.org/drawingml/2006/main" xmlns:r="http://schemas.openxmlformats.org/officeDocument/2006/relationships" xmlns:p="http://schemas.openxmlformats.org/presentationml/2006/main">
+  <p:cSld>
+    <p:spTree>
+      <p:nvGrpSpPr>
+        <p:cNvPr id="1" name=""/>
+        <p:cNvGrpSpPr/>
+        <p:nvPr/>
+      </p:nvGrpSpPr>
+      <p:grpSpPr>
+        <a:xfrm>
+          <a:off x="0" y="0"/>
+          <a:ext cx="0" cy="0"/>
+          <a:chOff x="0" y="0"/>
+          <a:chExt cx="0" cy="0"/>
+        </a:xfrm>
+      </p:grpSpPr>
+      <p:sp>
+        <p:nvSpPr>
+          <p:cNvPr id="2" name="Slide Image Placeholder 1"/>
+          <p:cNvSpPr>
+            <a:spLocks noGrp="1" noRot="1" noChangeAspect="1"/>
+          </p:cNvSpPr>
+          <p:nvPr>
+            <p:ph type="sldImg"/>
+          </p:nvPr>
+        </p:nvSpPr>
+        <p:spPr/>
+      </p:sp>
+      <p:sp>
+        <p:nvSpPr>
+          <p:cNvPr id="3" name="Notes Placeholder 2"/>
+          <p:cNvSpPr>
+            <a:spLocks noGrp="1"/>
+          </p:cNvSpPr>
+          <p:nvPr>
+            <p:ph type="body" idx="1"/>
+          </p:nvPr>
+        </p:nvSpPr>
+        <p:spPr/>
+        <p:txBody>
+          <a:bodyPr/>
+          <a:lstStyle/>
+          <a:p>
             <a:r>
               <a:rPr lang="en-US" sz="1200" b="0" kern="1200" dirty="0" err="1">
                 <a:solidFill>
@@ -5616,7 +5666,7 @@
                 <a:tabLst/>
                 <a:defRPr/>
               </a:pPr>
-              <a:t>6/7/2016 6:46 AM</a:t>
+              <a:t>6/7/2016 8:05 AM</a:t>
             </a:fld>
             <a:endParaRPr kumimoji="0" lang="en-US" sz="1200" b="0" i="0" u="none" strike="noStrike" kern="1200" cap="none" spc="0" normalizeH="0" baseline="0" noProof="0" dirty="0">
               <a:ln>
@@ -5699,7 +5749,7 @@
                 <a:tabLst/>
                 <a:defRPr/>
               </a:pPr>
-              <a:t>47</a:t>
+              <a:t>49</a:t>
             </a:fld>
             <a:endParaRPr kumimoji="0" lang="en-US" sz="1200" b="0" i="0" u="none" strike="noStrike" kern="1200" cap="none" spc="0" normalizeH="0" baseline="0" noProof="0" dirty="0">
               <a:ln>
@@ -5731,7 +5781,7 @@
 </p:notes>
 </file>
 
-<file path=ppt/notesSlides/notesSlide34.xml><?xml version="1.0" encoding="utf-8"?>
+<file path=ppt/notesSlides/notesSlide35.xml><?xml version="1.0" encoding="utf-8"?>
 <p:notes xmlns:a="http://schemas.openxmlformats.org/drawingml/2006/main" xmlns:r="http://schemas.openxmlformats.org/officeDocument/2006/relationships" xmlns:p="http://schemas.openxmlformats.org/presentationml/2006/main">
   <p:cSld>
     <p:spTree>
@@ -6102,7 +6152,7 @@
                 </a:solidFill>
               </a:rPr>
               <a:pPr/>
-              <a:t>48</a:t>
+              <a:t>50</a:t>
             </a:fld>
             <a:endParaRPr lang="en-US" dirty="0">
               <a:solidFill>
@@ -6116,111 +6166,6 @@
     <p:extLst>
       <p:ext uri="{BB962C8B-B14F-4D97-AF65-F5344CB8AC3E}">
         <p14:creationId xmlns:p14="http://schemas.microsoft.com/office/powerpoint/2010/main" val="1394797955"/>
-      </p:ext>
-    </p:extLst>
-  </p:cSld>
-  <p:clrMapOvr>
-    <a:masterClrMapping/>
-  </p:clrMapOvr>
-</p:notes>
-</file>
-
-<file path=ppt/notesSlides/notesSlide35.xml><?xml version="1.0" encoding="utf-8"?>
-<p:notes xmlns:a="http://schemas.openxmlformats.org/drawingml/2006/main" xmlns:r="http://schemas.openxmlformats.org/officeDocument/2006/relationships" xmlns:p="http://schemas.openxmlformats.org/presentationml/2006/main">
-  <p:cSld>
-    <p:spTree>
-      <p:nvGrpSpPr>
-        <p:cNvPr id="1" name=""/>
-        <p:cNvGrpSpPr/>
-        <p:nvPr/>
-      </p:nvGrpSpPr>
-      <p:grpSpPr>
-        <a:xfrm>
-          <a:off x="0" y="0"/>
-          <a:ext cx="0" cy="0"/>
-          <a:chOff x="0" y="0"/>
-          <a:chExt cx="0" cy="0"/>
-        </a:xfrm>
-      </p:grpSpPr>
-      <p:sp>
-        <p:nvSpPr>
-          <p:cNvPr id="2" name="Slide Image Placeholder 1"/>
-          <p:cNvSpPr>
-            <a:spLocks noGrp="1" noRot="1" noChangeAspect="1"/>
-          </p:cNvSpPr>
-          <p:nvPr>
-            <p:ph type="sldImg"/>
-          </p:nvPr>
-        </p:nvSpPr>
-        <p:spPr/>
-      </p:sp>
-      <p:sp>
-        <p:nvSpPr>
-          <p:cNvPr id="3" name="Notes Placeholder 2"/>
-          <p:cNvSpPr>
-            <a:spLocks noGrp="1"/>
-          </p:cNvSpPr>
-          <p:nvPr>
-            <p:ph type="body" idx="1"/>
-          </p:nvPr>
-        </p:nvSpPr>
-        <p:spPr/>
-        <p:txBody>
-          <a:bodyPr/>
-          <a:lstStyle/>
-          <a:p>
-            <a:r>
-              <a:rPr lang="en-US" dirty="0"/>
-              <a:t>You can roughly calculate the number of highly utilized disks supported by a single storage account based on the transaction limit. For example, for a Basic Tier VM, the maximum number of highly utilized disks is about 66 (20,000/300 IOPS per disk), and for a Standard Tier VM, it is about 40 (20,000/500 IOPS per disk). However, note that the storage account can support a larger number of disks if they are not all highly utilized at the same time.</a:t>
-            </a:r>
-          </a:p>
-          <a:p>
-            <a:endParaRPr lang="en-US" dirty="0"/>
-          </a:p>
-          <a:p>
-            <a:r>
-              <a:rPr lang="en-US" sz="1200" kern="1200" dirty="0">
-                <a:solidFill>
-                  <a:schemeClr val="tx1"/>
-                </a:solidFill>
-                <a:effectLst/>
-                <a:latin typeface="+mn-lt"/>
-                <a:ea typeface="+mn-ea"/>
-                <a:cs typeface="+mn-cs"/>
-              </a:rPr>
-              <a:t>35 premium, 40 standard for number of disks</a:t>
-            </a:r>
-            <a:endParaRPr lang="en-US" dirty="0"/>
-          </a:p>
-        </p:txBody>
-      </p:sp>
-      <p:sp>
-        <p:nvSpPr>
-          <p:cNvPr id="4" name="Slide Number Placeholder 3"/>
-          <p:cNvSpPr>
-            <a:spLocks noGrp="1"/>
-          </p:cNvSpPr>
-          <p:nvPr>
-            <p:ph type="sldNum" sz="quarter" idx="10"/>
-          </p:nvPr>
-        </p:nvSpPr>
-        <p:spPr/>
-        <p:txBody>
-          <a:bodyPr/>
-          <a:lstStyle/>
-          <a:p>
-            <a:fld id="{7A2D9050-ECBC-4706-AA5F-C061ABCE0250}" type="slidenum">
-              <a:rPr lang="en-US" smtClean="0"/>
-              <a:t>50</a:t>
-            </a:fld>
-            <a:endParaRPr lang="en-US"/>
-          </a:p>
-        </p:txBody>
-      </p:sp>
-    </p:spTree>
-    <p:extLst>
-      <p:ext uri="{BB962C8B-B14F-4D97-AF65-F5344CB8AC3E}">
-        <p14:creationId xmlns:p14="http://schemas.microsoft.com/office/powerpoint/2010/main" val="1053278423"/>
       </p:ext>
     </p:extLst>
   </p:cSld>
@@ -6276,19 +6221,7 @@
           <a:p>
             <a:r>
               <a:rPr lang="en-US" dirty="0"/>
-              <a:t>https://azure.microsoft.com/en-us/documentation/articles/azure-subscription-service-limits/#virtual-machines-limits</a:t>
-            </a:r>
-          </a:p>
-          <a:p>
-            <a:r>
-              <a:rPr lang="en-US" dirty="0"/>
-              <a:t>https://azure.microsoft.com/en-us/documentation/articles/storage-scalability-targets/</a:t>
-            </a:r>
-          </a:p>
-          <a:p>
-            <a:r>
-              <a:rPr lang="en-US" dirty="0"/>
-              <a:t>https://azure.microsoft.com/en-us/documentation/articles/storage-redundancy/</a:t>
+              <a:t>You can roughly calculate the number of highly utilized disks supported by a single storage account based on the transaction limit. For example, for a Basic Tier VM, the maximum number of highly utilized disks is about 66 (20,000/300 IOPS per disk), and for a Standard Tier VM, it is about 40 (20,000/500 IOPS per disk). However, note that the storage account can support a larger number of disks if they are not all highly utilized at the same time.</a:t>
             </a:r>
           </a:p>
           <a:p>
@@ -6296,33 +6229,17 @@
           </a:p>
           <a:p>
             <a:r>
-              <a:rPr lang="en-US" dirty="0"/>
-              <a:t>IOPS</a:t>
-            </a:r>
-            <a:r>
-              <a:rPr lang="en-US" baseline="0" dirty="0"/>
-              <a:t> 8k reads and writes – SQL</a:t>
-            </a:r>
-          </a:p>
-          <a:p>
-            <a:endParaRPr lang="en-US" baseline="0" dirty="0"/>
-          </a:p>
-          <a:p>
-            <a:r>
-              <a:rPr lang="en-US" baseline="0" dirty="0"/>
-              <a:t>Software RAID vs. Storage Spaces</a:t>
-            </a:r>
-          </a:p>
-          <a:p>
-            <a:endParaRPr lang="en-US" baseline="0" dirty="0"/>
-          </a:p>
-          <a:p>
-            <a:endParaRPr lang="en-US" baseline="0" dirty="0"/>
-          </a:p>
-          <a:p>
-            <a:endParaRPr lang="en-US" dirty="0"/>
-          </a:p>
-          <a:p>
+              <a:rPr lang="en-US" sz="1200" kern="1200" dirty="0">
+                <a:solidFill>
+                  <a:schemeClr val="tx1"/>
+                </a:solidFill>
+                <a:effectLst/>
+                <a:latin typeface="+mn-lt"/>
+                <a:ea typeface="+mn-ea"/>
+                <a:cs typeface="+mn-cs"/>
+              </a:rPr>
+              <a:t>35 premium, 40 standard for number of disks</a:t>
+            </a:r>
             <a:endParaRPr lang="en-US" dirty="0"/>
           </a:p>
         </p:txBody>
@@ -6344,7 +6261,7 @@
           <a:p>
             <a:fld id="{7A2D9050-ECBC-4706-AA5F-C061ABCE0250}" type="slidenum">
               <a:rPr lang="en-US" smtClean="0"/>
-              <a:t>51</a:t>
+              <a:t>52</a:t>
             </a:fld>
             <a:endParaRPr lang="en-US"/>
           </a:p>
@@ -6353,7 +6270,7 @@
     </p:spTree>
     <p:extLst>
       <p:ext uri="{BB962C8B-B14F-4D97-AF65-F5344CB8AC3E}">
-        <p14:creationId xmlns:p14="http://schemas.microsoft.com/office/powerpoint/2010/main" val="2197144792"/>
+        <p14:creationId xmlns:p14="http://schemas.microsoft.com/office/powerpoint/2010/main" val="1053278423"/>
       </p:ext>
     </p:extLst>
   </p:cSld>
@@ -6409,235 +6326,51 @@
           <a:p>
             <a:r>
               <a:rPr lang="en-US" dirty="0"/>
-              <a:t>See http://www.windowsazure.com/en-us/pricing/calculator/ for up</a:t>
+              <a:t>https://azure.microsoft.com/en-us/documentation/articles/azure-subscription-service-limits/#virtual-machines-limits</a:t>
+            </a:r>
+          </a:p>
+          <a:p>
+            <a:r>
+              <a:rPr lang="en-US" dirty="0"/>
+              <a:t>https://azure.microsoft.com/en-us/documentation/articles/storage-scalability-targets/</a:t>
+            </a:r>
+          </a:p>
+          <a:p>
+            <a:r>
+              <a:rPr lang="en-US" dirty="0"/>
+              <a:t>https://azure.microsoft.com/en-us/documentation/articles/storage-redundancy/</a:t>
+            </a:r>
+          </a:p>
+          <a:p>
+            <a:endParaRPr lang="en-US" dirty="0"/>
+          </a:p>
+          <a:p>
+            <a:r>
+              <a:rPr lang="en-US" dirty="0"/>
+              <a:t>IOPS</a:t>
             </a:r>
             <a:r>
               <a:rPr lang="en-US" baseline="0" dirty="0"/>
-              <a:t> to date information</a:t>
-            </a:r>
+              <a:t> 8k reads and writes – SQL</a:t>
+            </a:r>
+          </a:p>
+          <a:p>
+            <a:endParaRPr lang="en-US" baseline="0" dirty="0"/>
+          </a:p>
+          <a:p>
+            <a:r>
+              <a:rPr lang="en-US" baseline="0" dirty="0"/>
+              <a:t>Software RAID vs. Storage Spaces</a:t>
+            </a:r>
+          </a:p>
+          <a:p>
+            <a:endParaRPr lang="en-US" baseline="0" dirty="0"/>
+          </a:p>
+          <a:p>
+            <a:endParaRPr lang="en-US" baseline="0" dirty="0"/>
+          </a:p>
+          <a:p>
             <a:endParaRPr lang="en-US" dirty="0"/>
-          </a:p>
-          <a:p>
-            <a:endParaRPr lang="en-US" dirty="0"/>
-          </a:p>
-          <a:p>
-            <a:r>
-              <a:rPr lang="en-US" dirty="0"/>
-              <a:t>Service</a:t>
-            </a:r>
-          </a:p>
-          <a:p>
-            <a:r>
-              <a:rPr lang="en-US" dirty="0"/>
-              <a:t>Description</a:t>
-            </a:r>
-          </a:p>
-          <a:p>
-            <a:r>
-              <a:rPr lang="en-US" dirty="0"/>
-              <a:t>Cost</a:t>
-            </a:r>
-          </a:p>
-          <a:p>
-            <a:r>
-              <a:rPr lang="en-US" b="1" dirty="0"/>
-              <a:t>1. In/Out Bandwidth</a:t>
-            </a:r>
-            <a:r>
-              <a:rPr lang="en-US" dirty="0"/>
-              <a:t> </a:t>
-            </a:r>
-          </a:p>
-          <a:p>
-            <a:r>
-              <a:rPr lang="en-US" dirty="0"/>
-              <a:t>This is the web traffic between the user's browser and the site.</a:t>
-            </a:r>
-          </a:p>
-          <a:p>
-            <a:r>
-              <a:rPr lang="en-US" dirty="0"/>
-              <a:t>Inbound: Free</a:t>
-            </a:r>
-          </a:p>
-          <a:p>
-            <a:r>
-              <a:rPr lang="en-US" dirty="0"/>
-              <a:t>Outbound (North America and Europe): $0.12 per GB</a:t>
-            </a:r>
-          </a:p>
-          <a:p>
-            <a:br>
-              <a:rPr lang="en-US" dirty="0"/>
-            </a:br>
-            <a:r>
-              <a:rPr lang="en-US" b="1" dirty="0"/>
-              <a:t>2. Compute</a:t>
-            </a:r>
-            <a:r>
-              <a:rPr lang="en-US" dirty="0"/>
-              <a:t> </a:t>
-            </a:r>
-          </a:p>
-          <a:p>
-            <a:r>
-              <a:rPr lang="en-US" dirty="0"/>
-              <a:t>Virtual machines, for the time each one is running.</a:t>
-            </a:r>
-          </a:p>
-          <a:p>
-            <a:r>
-              <a:rPr lang="en-US" dirty="0"/>
-              <a:t>Small size virtual machine: $0.115 per hour</a:t>
-            </a:r>
-          </a:p>
-          <a:p>
-            <a:r>
-              <a:rPr lang="en-US" dirty="0"/>
-              <a:t>Medium size virtual machine: $0.23 per hour</a:t>
-            </a:r>
-          </a:p>
-          <a:p>
-            <a:r>
-              <a:rPr lang="en-US" dirty="0"/>
-              <a:t>Cloud Services roles, for the time each role is running.</a:t>
-            </a:r>
-          </a:p>
-          <a:p>
-            <a:r>
-              <a:rPr lang="en-US" dirty="0"/>
-              <a:t>Small size role: $0.12 per hour</a:t>
-            </a:r>
-          </a:p>
-          <a:p>
-            <a:r>
-              <a:rPr lang="en-US" dirty="0"/>
-              <a:t>Medium size role: $0.24 per hour</a:t>
-            </a:r>
-          </a:p>
-          <a:p>
-            <a:r>
-              <a:rPr lang="en-US" b="1" dirty="0"/>
-              <a:t>3. Azure Storage</a:t>
-            </a:r>
-            <a:r>
-              <a:rPr lang="en-US" dirty="0"/>
-              <a:t> </a:t>
-            </a:r>
-          </a:p>
-          <a:p>
-            <a:r>
-              <a:rPr lang="en-US" dirty="0"/>
-              <a:t>Up to 1 TB with geo-replication: $0.125 per GB</a:t>
-            </a:r>
-          </a:p>
-          <a:p>
-            <a:r>
-              <a:rPr lang="en-US" dirty="0"/>
-              <a:t>Up to 1 TB without geo-replication: $0.09 per GB</a:t>
-            </a:r>
-          </a:p>
-          <a:p>
-            <a:r>
-              <a:rPr lang="en-US" b="1" dirty="0"/>
-              <a:t>4. Transactions</a:t>
-            </a:r>
-            <a:r>
-              <a:rPr lang="en-US" dirty="0"/>
-              <a:t> </a:t>
-            </a:r>
-          </a:p>
-          <a:p>
-            <a:r>
-              <a:rPr lang="en-US" dirty="0"/>
-              <a:t>Each interaction with the storage system is billed.</a:t>
-            </a:r>
-          </a:p>
-          <a:p>
-            <a:r>
-              <a:rPr lang="en-US" dirty="0"/>
-              <a:t>$0.01 per 100,000 transactions</a:t>
-            </a:r>
-          </a:p>
-          <a:p>
-            <a:r>
-              <a:rPr lang="en-US" b="1" dirty="0"/>
-              <a:t>5. Database</a:t>
-            </a:r>
-            <a:r>
-              <a:rPr lang="en-US" dirty="0"/>
-              <a:t> </a:t>
-            </a:r>
-          </a:p>
-          <a:p>
-            <a:r>
-              <a:rPr lang="en-US" dirty="0"/>
-              <a:t>SQL Server hosted in a VM </a:t>
-            </a:r>
-          </a:p>
-          <a:p>
-            <a:r>
-              <a:rPr lang="en-US" dirty="0"/>
-              <a:t>Small or medium size VM: $0.55 per hour</a:t>
-            </a:r>
-          </a:p>
-          <a:p>
-            <a:r>
-              <a:rPr lang="en-US" dirty="0"/>
-              <a:t>Azure SQL Database, cost per month.</a:t>
-            </a:r>
-          </a:p>
-          <a:p>
-            <a:r>
-              <a:rPr lang="en-US" dirty="0"/>
-              <a:t>Up to 100 MB: $4.995</a:t>
-            </a:r>
-          </a:p>
-          <a:p>
-            <a:r>
-              <a:rPr lang="en-US" dirty="0"/>
-              <a:t>Up to 1 GB: $9.99</a:t>
-            </a:r>
-          </a:p>
-          <a:p>
-            <a:r>
-              <a:rPr lang="en-US" dirty="0"/>
-              <a:t>Up to 10 GB: First GB $9.99, each additional GB $3.996</a:t>
-            </a:r>
-          </a:p>
-          <a:p>
-            <a:r>
-              <a:rPr lang="en-US" dirty="0"/>
-              <a:t>Up to 50 GB: First 10 GB $45.954, each additional GB $1.998</a:t>
-            </a:r>
-          </a:p>
-          <a:p>
-            <a:r>
-              <a:rPr lang="en-US" dirty="0"/>
-              <a:t>Up to 150 GB: First 50 GB $125.874, each additional GB $0.999</a:t>
-            </a:r>
-          </a:p>
-          <a:p>
-            <a:r>
-              <a:rPr lang="en-US" b="1" dirty="0"/>
-              <a:t>6. Connectivity</a:t>
-            </a:r>
-            <a:r>
-              <a:rPr lang="en-US" dirty="0"/>
-              <a:t> </a:t>
-            </a:r>
-          </a:p>
-          <a:p>
-            <a:r>
-              <a:rPr lang="en-US" dirty="0"/>
-              <a:t>Virtual Networks and Connect</a:t>
-            </a:r>
-          </a:p>
-          <a:p>
-            <a:r>
-              <a:rPr lang="en-US" dirty="0"/>
-              <a:t>$0.05 per hour per connection</a:t>
-            </a:r>
           </a:p>
           <a:p>
             <a:endParaRPr lang="en-US" dirty="0"/>
@@ -6661,7 +6394,7 @@
           <a:p>
             <a:fld id="{7A2D9050-ECBC-4706-AA5F-C061ABCE0250}" type="slidenum">
               <a:rPr lang="en-US" smtClean="0"/>
-              <a:t>52</a:t>
+              <a:t>53</a:t>
             </a:fld>
             <a:endParaRPr lang="en-US"/>
           </a:p>
@@ -6670,7 +6403,7 @@
     </p:spTree>
     <p:extLst>
       <p:ext uri="{BB962C8B-B14F-4D97-AF65-F5344CB8AC3E}">
-        <p14:creationId xmlns:p14="http://schemas.microsoft.com/office/powerpoint/2010/main" val="398348053"/>
+        <p14:creationId xmlns:p14="http://schemas.microsoft.com/office/powerpoint/2010/main" val="2197144792"/>
       </p:ext>
     </p:extLst>
   </p:cSld>
@@ -6724,18 +6457,251 @@
           <a:bodyPr/>
           <a:lstStyle/>
           <a:p>
+            <a:r>
+              <a:rPr lang="en-US" dirty="0"/>
+              <a:t>See http://www.windowsazure.com/en-us/pricing/calculator/ for up</a:t>
+            </a:r>
+            <a:r>
+              <a:rPr lang="en-US" baseline="0" dirty="0"/>
+              <a:t> to date information</a:t>
+            </a:r>
+            <a:endParaRPr lang="en-US" dirty="0"/>
+          </a:p>
+          <a:p>
+            <a:endParaRPr lang="en-US" dirty="0"/>
+          </a:p>
+          <a:p>
+            <a:r>
+              <a:rPr lang="en-US" dirty="0"/>
+              <a:t>Service</a:t>
+            </a:r>
+          </a:p>
+          <a:p>
+            <a:r>
+              <a:rPr lang="en-US" dirty="0"/>
+              <a:t>Description</a:t>
+            </a:r>
+          </a:p>
+          <a:p>
+            <a:r>
+              <a:rPr lang="en-US" dirty="0"/>
+              <a:t>Cost</a:t>
+            </a:r>
+          </a:p>
+          <a:p>
+            <a:r>
+              <a:rPr lang="en-US" b="1" dirty="0"/>
+              <a:t>1. In/Out Bandwidth</a:t>
+            </a:r>
+            <a:r>
+              <a:rPr lang="en-US" dirty="0"/>
+              <a:t> </a:t>
+            </a:r>
+          </a:p>
+          <a:p>
+            <a:r>
+              <a:rPr lang="en-US" dirty="0"/>
+              <a:t>This is the web traffic between the user's browser and the site.</a:t>
+            </a:r>
+          </a:p>
+          <a:p>
+            <a:r>
+              <a:rPr lang="en-US" dirty="0"/>
+              <a:t>Inbound: Free</a:t>
+            </a:r>
+          </a:p>
+          <a:p>
+            <a:r>
+              <a:rPr lang="en-US" dirty="0"/>
+              <a:t>Outbound (North America and Europe): $0.12 per GB</a:t>
+            </a:r>
+          </a:p>
+          <a:p>
+            <a:br>
+              <a:rPr lang="en-US" dirty="0"/>
+            </a:br>
+            <a:r>
+              <a:rPr lang="en-US" b="1" dirty="0"/>
+              <a:t>2. Compute</a:t>
+            </a:r>
+            <a:r>
+              <a:rPr lang="en-US" dirty="0"/>
+              <a:t> </a:t>
+            </a:r>
+          </a:p>
+          <a:p>
+            <a:r>
+              <a:rPr lang="en-US" dirty="0"/>
+              <a:t>Virtual machines, for the time each one is running.</a:t>
+            </a:r>
+          </a:p>
+          <a:p>
+            <a:r>
+              <a:rPr lang="en-US" dirty="0"/>
+              <a:t>Small size virtual machine: $0.115 per hour</a:t>
+            </a:r>
+          </a:p>
+          <a:p>
+            <a:r>
+              <a:rPr lang="en-US" dirty="0"/>
+              <a:t>Medium size virtual machine: $0.23 per hour</a:t>
+            </a:r>
+          </a:p>
+          <a:p>
+            <a:r>
+              <a:rPr lang="en-US" dirty="0"/>
+              <a:t>Cloud Services roles, for the time each role is running.</a:t>
+            </a:r>
+          </a:p>
+          <a:p>
+            <a:r>
+              <a:rPr lang="en-US" dirty="0"/>
+              <a:t>Small size role: $0.12 per hour</a:t>
+            </a:r>
+          </a:p>
+          <a:p>
+            <a:r>
+              <a:rPr lang="en-US" dirty="0"/>
+              <a:t>Medium size role: $0.24 per hour</a:t>
+            </a:r>
+          </a:p>
+          <a:p>
+            <a:r>
+              <a:rPr lang="en-US" b="1" dirty="0"/>
+              <a:t>3. Azure Storage</a:t>
+            </a:r>
+            <a:r>
+              <a:rPr lang="en-US" dirty="0"/>
+              <a:t> </a:t>
+            </a:r>
+          </a:p>
+          <a:p>
+            <a:r>
+              <a:rPr lang="en-US" dirty="0"/>
+              <a:t>Up to 1 TB with geo-replication: $0.125 per GB</a:t>
+            </a:r>
+          </a:p>
+          <a:p>
+            <a:r>
+              <a:rPr lang="en-US" dirty="0"/>
+              <a:t>Up to 1 TB without geo-replication: $0.09 per GB</a:t>
+            </a:r>
+          </a:p>
+          <a:p>
+            <a:r>
+              <a:rPr lang="en-US" b="1" dirty="0"/>
+              <a:t>4. Transactions</a:t>
+            </a:r>
+            <a:r>
+              <a:rPr lang="en-US" dirty="0"/>
+              <a:t> </a:t>
+            </a:r>
+          </a:p>
+          <a:p>
+            <a:r>
+              <a:rPr lang="en-US" dirty="0"/>
+              <a:t>Each interaction with the storage system is billed.</a:t>
+            </a:r>
+          </a:p>
+          <a:p>
+            <a:r>
+              <a:rPr lang="en-US" dirty="0"/>
+              <a:t>$0.01 per 100,000 transactions</a:t>
+            </a:r>
+          </a:p>
+          <a:p>
+            <a:r>
+              <a:rPr lang="en-US" b="1" dirty="0"/>
+              <a:t>5. Database</a:t>
+            </a:r>
+            <a:r>
+              <a:rPr lang="en-US" dirty="0"/>
+              <a:t> </a:t>
+            </a:r>
+          </a:p>
+          <a:p>
+            <a:r>
+              <a:rPr lang="en-US" dirty="0"/>
+              <a:t>SQL Server hosted in a VM </a:t>
+            </a:r>
+          </a:p>
+          <a:p>
+            <a:r>
+              <a:rPr lang="en-US" dirty="0"/>
+              <a:t>Small or medium size VM: $0.55 per hour</a:t>
+            </a:r>
+          </a:p>
+          <a:p>
+            <a:r>
+              <a:rPr lang="en-US" dirty="0"/>
+              <a:t>Azure SQL Database, cost per month.</a:t>
+            </a:r>
+          </a:p>
+          <a:p>
+            <a:r>
+              <a:rPr lang="en-US" dirty="0"/>
+              <a:t>Up to 100 MB: $4.995</a:t>
+            </a:r>
+          </a:p>
+          <a:p>
+            <a:r>
+              <a:rPr lang="en-US" dirty="0"/>
+              <a:t>Up to 1 GB: $9.99</a:t>
+            </a:r>
+          </a:p>
+          <a:p>
+            <a:r>
+              <a:rPr lang="en-US" dirty="0"/>
+              <a:t>Up to 10 GB: First GB $9.99, each additional GB $3.996</a:t>
+            </a:r>
+          </a:p>
+          <a:p>
+            <a:r>
+              <a:rPr lang="en-US" dirty="0"/>
+              <a:t>Up to 50 GB: First 10 GB $45.954, each additional GB $1.998</a:t>
+            </a:r>
+          </a:p>
+          <a:p>
+            <a:r>
+              <a:rPr lang="en-US" dirty="0"/>
+              <a:t>Up to 150 GB: First 50 GB $125.874, each additional GB $0.999</a:t>
+            </a:r>
+          </a:p>
+          <a:p>
+            <a:r>
+              <a:rPr lang="en-US" b="1" dirty="0"/>
+              <a:t>6. Connectivity</a:t>
+            </a:r>
+            <a:r>
+              <a:rPr lang="en-US" dirty="0"/>
+              <a:t> </a:t>
+            </a:r>
+          </a:p>
+          <a:p>
+            <a:r>
+              <a:rPr lang="en-US" dirty="0"/>
+              <a:t>Virtual Networks and Connect</a:t>
+            </a:r>
+          </a:p>
+          <a:p>
+            <a:r>
+              <a:rPr lang="en-US" dirty="0"/>
+              <a:t>$0.05 per hour per connection</a:t>
+            </a:r>
+          </a:p>
+          <a:p>
             <a:endParaRPr lang="en-US" dirty="0"/>
           </a:p>
         </p:txBody>
       </p:sp>
       <p:sp>
         <p:nvSpPr>
-          <p:cNvPr id="4" name="Header Placeholder 3"/>
+          <p:cNvPr id="4" name="Slide Number Placeholder 3"/>
           <p:cNvSpPr>
             <a:spLocks noGrp="1"/>
           </p:cNvSpPr>
           <p:nvPr>
-            <p:ph type="hdr" sz="quarter" idx="10"/>
+            <p:ph type="sldNum" sz="quarter" idx="10"/>
           </p:nvPr>
         </p:nvSpPr>
         <p:spPr/>
@@ -6743,158 +6709,18 @@
           <a:bodyPr/>
           <a:lstStyle/>
           <a:p>
-            <a:endParaRPr lang="en-US" dirty="0">
-              <a:solidFill>
-                <a:prstClr val="black"/>
-              </a:solidFill>
-            </a:endParaRPr>
-          </a:p>
-        </p:txBody>
-      </p:sp>
-      <p:sp>
-        <p:nvSpPr>
-          <p:cNvPr id="5" name="Footer Placeholder 4"/>
-          <p:cNvSpPr>
-            <a:spLocks noGrp="1"/>
-          </p:cNvSpPr>
-          <p:nvPr>
-            <p:ph type="ftr" sz="quarter" idx="11"/>
-          </p:nvPr>
-        </p:nvSpPr>
-        <p:spPr/>
-        <p:txBody>
-          <a:bodyPr/>
-          <a:lstStyle/>
-          <a:p>
-            <a:pPr defTabSz="914099" eaLnBrk="0" hangingPunct="0"/>
-            <a:r>
-              <a:rPr lang="en-US" sz="400">
-                <a:gradFill>
-                  <a:gsLst>
-                    <a:gs pos="0">
-                      <a:prstClr val="black"/>
-                    </a:gs>
-                    <a:gs pos="100000">
-                      <a:prstClr val="black"/>
-                    </a:gs>
-                  </a:gsLst>
-                  <a:lin ang="5400000" scaled="0"/>
-                </a:gradFill>
-                <a:latin typeface="Segoe UI" pitchFamily="34" charset="0"/>
-                <a:ea typeface="Segoe UI" pitchFamily="34" charset="0"/>
-                <a:cs typeface="Segoe UI" pitchFamily="34" charset="0"/>
-              </a:rPr>
-              <a:t>© 2012 Microsoft Corporation. All rights reserved. Microsoft, Windows, and other product names are or may be registered trademarks and/or trademarks in the U.S. and/or other countries.</a:t>
-            </a:r>
-          </a:p>
-          <a:p>
-            <a:pPr defTabSz="914099" eaLnBrk="0" hangingPunct="0"/>
-            <a:r>
-              <a:rPr lang="en-US" sz="400">
-                <a:gradFill>
-                  <a:gsLst>
-                    <a:gs pos="0">
-                      <a:prstClr val="black"/>
-                    </a:gs>
-                    <a:gs pos="100000">
-                      <a:prstClr val="black"/>
-                    </a:gs>
-                  </a:gsLst>
-                  <a:lin ang="5400000" scaled="0"/>
-                </a:gradFill>
-                <a:latin typeface="Segoe UI" pitchFamily="34" charset="0"/>
-                <a:ea typeface="Segoe UI" pitchFamily="34" charset="0"/>
-                <a:cs typeface="Segoe UI" pitchFamily="34" charset="0"/>
-              </a:rPr>
-              <a:t>The information herein is for informational purposes only and represents the current view of Microsoft Corporation as of the date of this presentation. Because Microsoft must respond to changing market conditions, it should not be interpreted to be a commitment on the part of Microsoft, and Microsoft cannot guarantee the accuracy of any information provided after the date of this presentation. MICROSOFT MAKES NO WARRANTIES, EXPRESS, IMPLIED OR STATUTORY, AS TO THE INFORMATION IN THIS PRESENTATION.</a:t>
-            </a:r>
-            <a:endParaRPr lang="en-US" sz="400" dirty="0">
-              <a:gradFill>
-                <a:gsLst>
-                  <a:gs pos="0">
-                    <a:prstClr val="black"/>
-                  </a:gs>
-                  <a:gs pos="100000">
-                    <a:prstClr val="black"/>
-                  </a:gs>
-                </a:gsLst>
-                <a:lin ang="5400000" scaled="0"/>
-              </a:gradFill>
-              <a:latin typeface="Segoe UI" pitchFamily="34" charset="0"/>
-              <a:ea typeface="Segoe UI" pitchFamily="34" charset="0"/>
-              <a:cs typeface="Segoe UI" pitchFamily="34" charset="0"/>
-            </a:endParaRPr>
-          </a:p>
-        </p:txBody>
-      </p:sp>
-      <p:sp>
-        <p:nvSpPr>
-          <p:cNvPr id="6" name="Date Placeholder 5"/>
-          <p:cNvSpPr>
-            <a:spLocks noGrp="1"/>
-          </p:cNvSpPr>
-          <p:nvPr>
-            <p:ph type="dt" idx="12"/>
-          </p:nvPr>
-        </p:nvSpPr>
-        <p:spPr/>
-        <p:txBody>
-          <a:bodyPr/>
-          <a:lstStyle/>
-          <a:p>
-            <a:fld id="{96917FFD-5E86-4B79-94BA-60236245B09C}" type="datetime1">
-              <a:rPr lang="en-US" smtClean="0">
-                <a:solidFill>
-                  <a:prstClr val="black"/>
-                </a:solidFill>
-              </a:rPr>
-              <a:pPr/>
-              <a:t>6/7/2016</a:t>
+            <a:fld id="{7A2D9050-ECBC-4706-AA5F-C061ABCE0250}" type="slidenum">
+              <a:rPr lang="en-US" smtClean="0"/>
+              <a:t>54</a:t>
             </a:fld>
-            <a:endParaRPr lang="en-US" dirty="0">
-              <a:solidFill>
-                <a:prstClr val="black"/>
-              </a:solidFill>
-            </a:endParaRPr>
-          </a:p>
-        </p:txBody>
-      </p:sp>
-      <p:sp>
-        <p:nvSpPr>
-          <p:cNvPr id="7" name="Slide Number Placeholder 6"/>
-          <p:cNvSpPr>
-            <a:spLocks noGrp="1"/>
-          </p:cNvSpPr>
-          <p:nvPr>
-            <p:ph type="sldNum" sz="quarter" idx="13"/>
-          </p:nvPr>
-        </p:nvSpPr>
-        <p:spPr/>
-        <p:txBody>
-          <a:bodyPr/>
-          <a:lstStyle/>
-          <a:p>
-            <a:fld id="{B4008EB6-D09E-4580-8CD6-DDB14511944F}" type="slidenum">
-              <a:rPr lang="en-US" smtClean="0">
-                <a:solidFill>
-                  <a:prstClr val="black"/>
-                </a:solidFill>
-              </a:rPr>
-              <a:pPr/>
-              <a:t>53</a:t>
-            </a:fld>
-            <a:endParaRPr lang="en-US" dirty="0">
-              <a:solidFill>
-                <a:prstClr val="black"/>
-              </a:solidFill>
-            </a:endParaRPr>
+            <a:endParaRPr lang="en-US"/>
           </a:p>
         </p:txBody>
       </p:sp>
     </p:spTree>
     <p:extLst>
       <p:ext uri="{BB962C8B-B14F-4D97-AF65-F5344CB8AC3E}">
-        <p14:creationId xmlns:p14="http://schemas.microsoft.com/office/powerpoint/2010/main" val="2110981594"/>
+        <p14:creationId xmlns:p14="http://schemas.microsoft.com/office/powerpoint/2010/main" val="398348053"/>
       </p:ext>
     </p:extLst>
   </p:cSld>
@@ -6948,63 +6774,18 @@
           <a:bodyPr/>
           <a:lstStyle/>
           <a:p>
-            <a:r>
-              <a:rPr lang="en-US" dirty="0"/>
-              <a:t>((DIT = </a:t>
-            </a:r>
-            <a:r>
-              <a:rPr lang="en-US" dirty="0">
-                <a:effectLst/>
-              </a:rPr>
-              <a:t>directory information tree, the size of the directory</a:t>
-            </a:r>
-            <a:r>
-              <a:rPr lang="en-US" baseline="0" dirty="0">
-                <a:effectLst/>
-              </a:rPr>
-              <a:t> database on disk </a:t>
-            </a:r>
-            <a:r>
-              <a:rPr lang="en-US" baseline="0" dirty="0" err="1">
-                <a:effectLst/>
-              </a:rPr>
-              <a:t>NTDS.dit</a:t>
-            </a:r>
-            <a:r>
-              <a:rPr lang="en-US" dirty="0">
-                <a:effectLst/>
-              </a:rPr>
-              <a:t>))</a:t>
-            </a:r>
-          </a:p>
-          <a:p>
-            <a:endParaRPr lang="en-US" dirty="0">
-              <a:effectLst/>
-            </a:endParaRPr>
-          </a:p>
-          <a:p>
-            <a:endParaRPr lang="en-US" dirty="0">
-              <a:effectLst/>
-            </a:endParaRPr>
-          </a:p>
-          <a:p>
-            <a:endParaRPr lang="en-US" dirty="0">
-              <a:effectLst/>
-            </a:endParaRPr>
-          </a:p>
-          <a:p>
             <a:endParaRPr lang="en-US" dirty="0"/>
           </a:p>
         </p:txBody>
       </p:sp>
       <p:sp>
         <p:nvSpPr>
-          <p:cNvPr id="4" name="Slide Number Placeholder 3"/>
+          <p:cNvPr id="4" name="Header Placeholder 3"/>
           <p:cNvSpPr>
             <a:spLocks noGrp="1"/>
           </p:cNvSpPr>
           <p:nvPr>
-            <p:ph type="sldNum" sz="quarter" idx="10"/>
+            <p:ph type="hdr" sz="quarter" idx="10"/>
           </p:nvPr>
         </p:nvSpPr>
         <p:spPr/>
@@ -7012,18 +6793,158 @@
           <a:bodyPr/>
           <a:lstStyle/>
           <a:p>
-            <a:fld id="{7A2D9050-ECBC-4706-AA5F-C061ABCE0250}" type="slidenum">
-              <a:rPr lang="en-US" smtClean="0"/>
-              <a:t>54</a:t>
+            <a:endParaRPr lang="en-US" dirty="0">
+              <a:solidFill>
+                <a:prstClr val="black"/>
+              </a:solidFill>
+            </a:endParaRPr>
+          </a:p>
+        </p:txBody>
+      </p:sp>
+      <p:sp>
+        <p:nvSpPr>
+          <p:cNvPr id="5" name="Footer Placeholder 4"/>
+          <p:cNvSpPr>
+            <a:spLocks noGrp="1"/>
+          </p:cNvSpPr>
+          <p:nvPr>
+            <p:ph type="ftr" sz="quarter" idx="11"/>
+          </p:nvPr>
+        </p:nvSpPr>
+        <p:spPr/>
+        <p:txBody>
+          <a:bodyPr/>
+          <a:lstStyle/>
+          <a:p>
+            <a:pPr defTabSz="914099" eaLnBrk="0" hangingPunct="0"/>
+            <a:r>
+              <a:rPr lang="en-US" sz="400">
+                <a:gradFill>
+                  <a:gsLst>
+                    <a:gs pos="0">
+                      <a:prstClr val="black"/>
+                    </a:gs>
+                    <a:gs pos="100000">
+                      <a:prstClr val="black"/>
+                    </a:gs>
+                  </a:gsLst>
+                  <a:lin ang="5400000" scaled="0"/>
+                </a:gradFill>
+                <a:latin typeface="Segoe UI" pitchFamily="34" charset="0"/>
+                <a:ea typeface="Segoe UI" pitchFamily="34" charset="0"/>
+                <a:cs typeface="Segoe UI" pitchFamily="34" charset="0"/>
+              </a:rPr>
+              <a:t>© 2012 Microsoft Corporation. All rights reserved. Microsoft, Windows, and other product names are or may be registered trademarks and/or trademarks in the U.S. and/or other countries.</a:t>
+            </a:r>
+          </a:p>
+          <a:p>
+            <a:pPr defTabSz="914099" eaLnBrk="0" hangingPunct="0"/>
+            <a:r>
+              <a:rPr lang="en-US" sz="400">
+                <a:gradFill>
+                  <a:gsLst>
+                    <a:gs pos="0">
+                      <a:prstClr val="black"/>
+                    </a:gs>
+                    <a:gs pos="100000">
+                      <a:prstClr val="black"/>
+                    </a:gs>
+                  </a:gsLst>
+                  <a:lin ang="5400000" scaled="0"/>
+                </a:gradFill>
+                <a:latin typeface="Segoe UI" pitchFamily="34" charset="0"/>
+                <a:ea typeface="Segoe UI" pitchFamily="34" charset="0"/>
+                <a:cs typeface="Segoe UI" pitchFamily="34" charset="0"/>
+              </a:rPr>
+              <a:t>The information herein is for informational purposes only and represents the current view of Microsoft Corporation as of the date of this presentation. Because Microsoft must respond to changing market conditions, it should not be interpreted to be a commitment on the part of Microsoft, and Microsoft cannot guarantee the accuracy of any information provided after the date of this presentation. MICROSOFT MAKES NO WARRANTIES, EXPRESS, IMPLIED OR STATUTORY, AS TO THE INFORMATION IN THIS PRESENTATION.</a:t>
+            </a:r>
+            <a:endParaRPr lang="en-US" sz="400" dirty="0">
+              <a:gradFill>
+                <a:gsLst>
+                  <a:gs pos="0">
+                    <a:prstClr val="black"/>
+                  </a:gs>
+                  <a:gs pos="100000">
+                    <a:prstClr val="black"/>
+                  </a:gs>
+                </a:gsLst>
+                <a:lin ang="5400000" scaled="0"/>
+              </a:gradFill>
+              <a:latin typeface="Segoe UI" pitchFamily="34" charset="0"/>
+              <a:ea typeface="Segoe UI" pitchFamily="34" charset="0"/>
+              <a:cs typeface="Segoe UI" pitchFamily="34" charset="0"/>
+            </a:endParaRPr>
+          </a:p>
+        </p:txBody>
+      </p:sp>
+      <p:sp>
+        <p:nvSpPr>
+          <p:cNvPr id="6" name="Date Placeholder 5"/>
+          <p:cNvSpPr>
+            <a:spLocks noGrp="1"/>
+          </p:cNvSpPr>
+          <p:nvPr>
+            <p:ph type="dt" idx="12"/>
+          </p:nvPr>
+        </p:nvSpPr>
+        <p:spPr/>
+        <p:txBody>
+          <a:bodyPr/>
+          <a:lstStyle/>
+          <a:p>
+            <a:fld id="{96917FFD-5E86-4B79-94BA-60236245B09C}" type="datetime1">
+              <a:rPr lang="en-US" smtClean="0">
+                <a:solidFill>
+                  <a:prstClr val="black"/>
+                </a:solidFill>
+              </a:rPr>
+              <a:pPr/>
+              <a:t>6/7/2016</a:t>
             </a:fld>
-            <a:endParaRPr lang="en-US"/>
+            <a:endParaRPr lang="en-US" dirty="0">
+              <a:solidFill>
+                <a:prstClr val="black"/>
+              </a:solidFill>
+            </a:endParaRPr>
+          </a:p>
+        </p:txBody>
+      </p:sp>
+      <p:sp>
+        <p:nvSpPr>
+          <p:cNvPr id="7" name="Slide Number Placeholder 6"/>
+          <p:cNvSpPr>
+            <a:spLocks noGrp="1"/>
+          </p:cNvSpPr>
+          <p:nvPr>
+            <p:ph type="sldNum" sz="quarter" idx="13"/>
+          </p:nvPr>
+        </p:nvSpPr>
+        <p:spPr/>
+        <p:txBody>
+          <a:bodyPr/>
+          <a:lstStyle/>
+          <a:p>
+            <a:fld id="{B4008EB6-D09E-4580-8CD6-DDB14511944F}" type="slidenum">
+              <a:rPr lang="en-US" smtClean="0">
+                <a:solidFill>
+                  <a:prstClr val="black"/>
+                </a:solidFill>
+              </a:rPr>
+              <a:pPr/>
+              <a:t>55</a:t>
+            </a:fld>
+            <a:endParaRPr lang="en-US" dirty="0">
+              <a:solidFill>
+                <a:prstClr val="black"/>
+              </a:solidFill>
+            </a:endParaRPr>
           </a:p>
         </p:txBody>
       </p:sp>
     </p:spTree>
     <p:extLst>
       <p:ext uri="{BB962C8B-B14F-4D97-AF65-F5344CB8AC3E}">
-        <p14:creationId xmlns:p14="http://schemas.microsoft.com/office/powerpoint/2010/main" val="4165353218"/>
+        <p14:creationId xmlns:p14="http://schemas.microsoft.com/office/powerpoint/2010/main" val="2110981594"/>
       </p:ext>
     </p:extLst>
   </p:cSld>
@@ -7188,56 +7109,49 @@
           <a:p>
             <a:r>
               <a:rPr lang="en-US" dirty="0"/>
-              <a:t>Some tips when looking</a:t>
-            </a:r>
-            <a:r>
-              <a:rPr lang="en-US" baseline="0" dirty="0"/>
-              <a:t> at AD in Azure workloads</a:t>
-            </a:r>
-          </a:p>
-          <a:p>
-            <a:endParaRPr lang="en-US" baseline="0" dirty="0"/>
-          </a:p>
-          <a:p>
-            <a:r>
-              <a:rPr lang="en-US" baseline="0" dirty="0"/>
-              <a:t>If there is a possibility that you will need to turn off the DC for cost (example dev and test), the only deploy 1 DC. Multiple DCs that are deallocated may cause orphaned objects when they are brought back online (who is </a:t>
-            </a:r>
-            <a:r>
-              <a:rPr lang="en-US" baseline="0" dirty="0" err="1"/>
-              <a:t>authoritve</a:t>
-            </a:r>
-            <a:r>
-              <a:rPr lang="en-US" baseline="0" dirty="0"/>
-              <a:t>??)</a:t>
-            </a:r>
-          </a:p>
-          <a:p>
-            <a:endParaRPr lang="en-US" baseline="0" dirty="0"/>
-          </a:p>
-          <a:p>
-            <a:r>
-              <a:rPr lang="en-US" baseline="0" dirty="0"/>
-              <a:t>For prod workloads, make sure you deploy at least 3. This allows you patch and still be highly available</a:t>
-            </a:r>
-          </a:p>
-          <a:p>
-            <a:endParaRPr lang="en-US" baseline="0" dirty="0"/>
-          </a:p>
-          <a:p>
-            <a:r>
-              <a:rPr lang="en-US" baseline="0" dirty="0"/>
-              <a:t>When making a choice between the standard DC roles, look at the possible workload. If it is cloud only workload, then yes. For hybrid. You will have to look at the connectivity options and the reasons you are using Azure.</a:t>
-            </a:r>
-          </a:p>
-          <a:p>
-            <a:endParaRPr lang="en-US" baseline="0" dirty="0"/>
-          </a:p>
-          <a:p>
-            <a:r>
-              <a:rPr lang="en-US" baseline="0" dirty="0"/>
-              <a:t>RODC are primarily used for branch scenarios, when there is a possibility that your physical DC will walk away.  Not recommended for Azure.</a:t>
-            </a:r>
+              <a:t>((DIT = </a:t>
+            </a:r>
+            <a:r>
+              <a:rPr lang="en-US" dirty="0">
+                <a:effectLst/>
+              </a:rPr>
+              <a:t>directory information tree, the size of the directory</a:t>
+            </a:r>
+            <a:r>
+              <a:rPr lang="en-US" baseline="0" dirty="0">
+                <a:effectLst/>
+              </a:rPr>
+              <a:t> database on disk </a:t>
+            </a:r>
+            <a:r>
+              <a:rPr lang="en-US" baseline="0" dirty="0" err="1">
+                <a:effectLst/>
+              </a:rPr>
+              <a:t>NTDS.dit</a:t>
+            </a:r>
+            <a:r>
+              <a:rPr lang="en-US" dirty="0">
+                <a:effectLst/>
+              </a:rPr>
+              <a:t>))</a:t>
+            </a:r>
+          </a:p>
+          <a:p>
+            <a:endParaRPr lang="en-US" dirty="0">
+              <a:effectLst/>
+            </a:endParaRPr>
+          </a:p>
+          <a:p>
+            <a:endParaRPr lang="en-US" dirty="0">
+              <a:effectLst/>
+            </a:endParaRPr>
+          </a:p>
+          <a:p>
+            <a:endParaRPr lang="en-US" dirty="0">
+              <a:effectLst/>
+            </a:endParaRPr>
+          </a:p>
+          <a:p>
             <a:endParaRPr lang="en-US" dirty="0"/>
           </a:p>
         </p:txBody>
@@ -7259,7 +7173,143 @@
           <a:p>
             <a:fld id="{7A2D9050-ECBC-4706-AA5F-C061ABCE0250}" type="slidenum">
               <a:rPr lang="en-US" smtClean="0"/>
-              <a:t>55</a:t>
+              <a:t>56</a:t>
+            </a:fld>
+            <a:endParaRPr lang="en-US"/>
+          </a:p>
+        </p:txBody>
+      </p:sp>
+    </p:spTree>
+    <p:extLst>
+      <p:ext uri="{BB962C8B-B14F-4D97-AF65-F5344CB8AC3E}">
+        <p14:creationId xmlns:p14="http://schemas.microsoft.com/office/powerpoint/2010/main" val="4165353218"/>
+      </p:ext>
+    </p:extLst>
+  </p:cSld>
+  <p:clrMapOvr>
+    <a:masterClrMapping/>
+  </p:clrMapOvr>
+</p:notes>
+</file>
+
+<file path=ppt/notesSlides/notesSlide41.xml><?xml version="1.0" encoding="utf-8"?>
+<p:notes xmlns:a="http://schemas.openxmlformats.org/drawingml/2006/main" xmlns:r="http://schemas.openxmlformats.org/officeDocument/2006/relationships" xmlns:p="http://schemas.openxmlformats.org/presentationml/2006/main">
+  <p:cSld>
+    <p:spTree>
+      <p:nvGrpSpPr>
+        <p:cNvPr id="1" name=""/>
+        <p:cNvGrpSpPr/>
+        <p:nvPr/>
+      </p:nvGrpSpPr>
+      <p:grpSpPr>
+        <a:xfrm>
+          <a:off x="0" y="0"/>
+          <a:ext cx="0" cy="0"/>
+          <a:chOff x="0" y="0"/>
+          <a:chExt cx="0" cy="0"/>
+        </a:xfrm>
+      </p:grpSpPr>
+      <p:sp>
+        <p:nvSpPr>
+          <p:cNvPr id="2" name="Slide Image Placeholder 1"/>
+          <p:cNvSpPr>
+            <a:spLocks noGrp="1" noRot="1" noChangeAspect="1"/>
+          </p:cNvSpPr>
+          <p:nvPr>
+            <p:ph type="sldImg"/>
+          </p:nvPr>
+        </p:nvSpPr>
+        <p:spPr/>
+      </p:sp>
+      <p:sp>
+        <p:nvSpPr>
+          <p:cNvPr id="3" name="Notes Placeholder 2"/>
+          <p:cNvSpPr>
+            <a:spLocks noGrp="1"/>
+          </p:cNvSpPr>
+          <p:nvPr>
+            <p:ph type="body" idx="1"/>
+          </p:nvPr>
+        </p:nvSpPr>
+        <p:spPr/>
+        <p:txBody>
+          <a:bodyPr/>
+          <a:lstStyle/>
+          <a:p>
+            <a:r>
+              <a:rPr lang="en-US" dirty="0"/>
+              <a:t>Some tips when looking</a:t>
+            </a:r>
+            <a:r>
+              <a:rPr lang="en-US" baseline="0" dirty="0"/>
+              <a:t> at AD in Azure workloads</a:t>
+            </a:r>
+          </a:p>
+          <a:p>
+            <a:endParaRPr lang="en-US" baseline="0" dirty="0"/>
+          </a:p>
+          <a:p>
+            <a:r>
+              <a:rPr lang="en-US" baseline="0" dirty="0"/>
+              <a:t>If there is a possibility that you will need to turn off the DC for cost (example dev and test), the only deploy 1 DC. Multiple DCs that are deallocated may cause orphaned objects when they are brought back online (who is </a:t>
+            </a:r>
+            <a:r>
+              <a:rPr lang="en-US" baseline="0" dirty="0" err="1"/>
+              <a:t>authoritve</a:t>
+            </a:r>
+            <a:r>
+              <a:rPr lang="en-US" baseline="0" dirty="0"/>
+              <a:t>??)</a:t>
+            </a:r>
+          </a:p>
+          <a:p>
+            <a:endParaRPr lang="en-US" baseline="0" dirty="0"/>
+          </a:p>
+          <a:p>
+            <a:r>
+              <a:rPr lang="en-US" baseline="0" dirty="0"/>
+              <a:t>For prod workloads, make sure you deploy at least 3. This allows you patch and still be highly available</a:t>
+            </a:r>
+          </a:p>
+          <a:p>
+            <a:endParaRPr lang="en-US" baseline="0" dirty="0"/>
+          </a:p>
+          <a:p>
+            <a:r>
+              <a:rPr lang="en-US" baseline="0" dirty="0"/>
+              <a:t>When making a choice between the standard DC roles, look at the possible workload. If it is cloud only workload, then yes. For hybrid. You will have to look at the connectivity options and the reasons you are using Azure.</a:t>
+            </a:r>
+          </a:p>
+          <a:p>
+            <a:endParaRPr lang="en-US" baseline="0" dirty="0"/>
+          </a:p>
+          <a:p>
+            <a:r>
+              <a:rPr lang="en-US" baseline="0" dirty="0"/>
+              <a:t>RODC are primarily used for branch scenarios, when there is a possibility that your physical DC will walk away.  Not recommended for Azure.</a:t>
+            </a:r>
+            <a:endParaRPr lang="en-US" dirty="0"/>
+          </a:p>
+        </p:txBody>
+      </p:sp>
+      <p:sp>
+        <p:nvSpPr>
+          <p:cNvPr id="4" name="Slide Number Placeholder 3"/>
+          <p:cNvSpPr>
+            <a:spLocks noGrp="1"/>
+          </p:cNvSpPr>
+          <p:nvPr>
+            <p:ph type="sldNum" sz="quarter" idx="10"/>
+          </p:nvPr>
+        </p:nvSpPr>
+        <p:spPr/>
+        <p:txBody>
+          <a:bodyPr/>
+          <a:lstStyle/>
+          <a:p>
+            <a:fld id="{7A2D9050-ECBC-4706-AA5F-C061ABCE0250}" type="slidenum">
+              <a:rPr lang="en-US" smtClean="0"/>
+              <a:t>57</a:t>
             </a:fld>
             <a:endParaRPr lang="en-US"/>
           </a:p>
@@ -9047,7 +9097,7 @@
           <a:graphicData uri="http://schemas.openxmlformats.org/presentationml/2006/ole">
             <mc:AlternateContent xmlns:mc="http://schemas.openxmlformats.org/markup-compatibility/2006">
               <mc:Choice xmlns:v="urn:schemas-microsoft-com:vml" Requires="v">
-                <p:oleObj spid="_x0000_s62557" name="think-cell Slide" r:id="rId6" imgW="270" imgH="270" progId="TCLayout.ActiveDocument.1">
+                <p:oleObj spid="_x0000_s62564" name="think-cell Slide" r:id="rId6" imgW="270" imgH="270" progId="TCLayout.ActiveDocument.1">
                   <p:embed/>
                 </p:oleObj>
               </mc:Choice>
@@ -15902,12 +15952,12 @@
       </p:grpSpPr>
       <p:sp>
         <p:nvSpPr>
-          <p:cNvPr id="4" name="Title 3"/>
+          <p:cNvPr id="3" name="Text Placeholder 2"/>
           <p:cNvSpPr>
             <a:spLocks noGrp="1"/>
           </p:cNvSpPr>
           <p:nvPr>
-            <p:ph type="title"/>
+            <p:ph type="body" sz="quarter" idx="10"/>
           </p:nvPr>
         </p:nvSpPr>
         <p:spPr/>
@@ -15917,7 +15967,7 @@
           <a:p>
             <a:r>
               <a:rPr lang="en-US" dirty="0"/>
-              <a:t>SQL Server in Azure</a:t>
+              <a:t>Ubuntu and Active Directory</a:t>
             </a:r>
           </a:p>
         </p:txBody>
@@ -15925,7 +15975,7 @@
     </p:spTree>
     <p:extLst>
       <p:ext uri="{BB962C8B-B14F-4D97-AF65-F5344CB8AC3E}">
-        <p14:creationId xmlns:p14="http://schemas.microsoft.com/office/powerpoint/2010/main" val="4286947726"/>
+        <p14:creationId xmlns:p14="http://schemas.microsoft.com/office/powerpoint/2010/main" val="2021226887"/>
       </p:ext>
     </p:extLst>
   </p:cSld>
@@ -15957,6 +16007,495 @@
       </p:grpSpPr>
       <p:sp>
         <p:nvSpPr>
+          <p:cNvPr id="3" name="Title 2"/>
+          <p:cNvSpPr>
+            <a:spLocks noGrp="1"/>
+          </p:cNvSpPr>
+          <p:nvPr>
+            <p:ph type="title"/>
+          </p:nvPr>
+        </p:nvSpPr>
+        <p:spPr/>
+        <p:txBody>
+          <a:bodyPr/>
+          <a:lstStyle/>
+          <a:p>
+            <a:r>
+              <a:rPr lang="en-US" dirty="0"/>
+              <a:t>Demo Setup</a:t>
+            </a:r>
+          </a:p>
+        </p:txBody>
+      </p:sp>
+      <p:sp>
+        <p:nvSpPr>
+          <p:cNvPr id="4" name="TextBox 3"/>
+          <p:cNvSpPr txBox="1"/>
+          <p:nvPr/>
+        </p:nvSpPr>
+        <p:spPr>
+          <a:xfrm>
+            <a:off x="0" y="1359243"/>
+            <a:ext cx="4034972" cy="5173724"/>
+          </a:xfrm>
+          <a:prstGeom prst="rect">
+            <a:avLst/>
+          </a:prstGeom>
+          <a:solidFill>
+            <a:schemeClr val="tx1"/>
+          </a:solidFill>
+        </p:spPr>
+        <p:txBody>
+          <a:bodyPr wrap="square" lIns="182880" tIns="146304" rIns="182880" bIns="146304" rtlCol="0">
+            <a:spAutoFit/>
+          </a:bodyPr>
+          <a:lstStyle/>
+          <a:p>
+            <a:pPr>
+              <a:lnSpc>
+                <a:spcPct val="90000"/>
+              </a:lnSpc>
+              <a:spcAft>
+                <a:spcPts val="600"/>
+              </a:spcAft>
+            </a:pPr>
+            <a:r>
+              <a:rPr lang="en-US" sz="2000" dirty="0">
+                <a:solidFill>
+                  <a:schemeClr val="bg1"/>
+                </a:solidFill>
+              </a:rPr>
+              <a:t>// Sign-in as administrator</a:t>
+            </a:r>
+          </a:p>
+          <a:p>
+            <a:pPr>
+              <a:lnSpc>
+                <a:spcPct val="90000"/>
+              </a:lnSpc>
+              <a:spcAft>
+                <a:spcPts val="600"/>
+              </a:spcAft>
+            </a:pPr>
+            <a:r>
+              <a:rPr lang="en-US" sz="2000" dirty="0" err="1">
+                <a:solidFill>
+                  <a:schemeClr val="bg1"/>
+                </a:solidFill>
+              </a:rPr>
+              <a:t>ssh</a:t>
+            </a:r>
+            <a:r>
+              <a:rPr lang="en-US" sz="2000" dirty="0">
+                <a:solidFill>
+                  <a:schemeClr val="bg1"/>
+                </a:solidFill>
+              </a:rPr>
+              <a:t> adminuser@13.65.94.217</a:t>
+            </a:r>
+          </a:p>
+          <a:p>
+            <a:pPr>
+              <a:lnSpc>
+                <a:spcPct val="90000"/>
+              </a:lnSpc>
+              <a:spcAft>
+                <a:spcPts val="600"/>
+              </a:spcAft>
+            </a:pPr>
+            <a:endParaRPr lang="en-US" sz="2000" dirty="0">
+              <a:solidFill>
+                <a:schemeClr val="bg1"/>
+              </a:solidFill>
+            </a:endParaRPr>
+          </a:p>
+          <a:p>
+            <a:pPr>
+              <a:lnSpc>
+                <a:spcPct val="90000"/>
+              </a:lnSpc>
+              <a:spcAft>
+                <a:spcPts val="600"/>
+              </a:spcAft>
+            </a:pPr>
+            <a:endParaRPr lang="en-US" sz="2000" dirty="0">
+              <a:solidFill>
+                <a:schemeClr val="bg1"/>
+              </a:solidFill>
+            </a:endParaRPr>
+          </a:p>
+          <a:p>
+            <a:pPr>
+              <a:lnSpc>
+                <a:spcPct val="90000"/>
+              </a:lnSpc>
+              <a:spcAft>
+                <a:spcPts val="600"/>
+              </a:spcAft>
+            </a:pPr>
+            <a:endParaRPr lang="en-US" sz="2000" dirty="0">
+              <a:solidFill>
+                <a:schemeClr val="bg1"/>
+              </a:solidFill>
+            </a:endParaRPr>
+          </a:p>
+          <a:p>
+            <a:pPr>
+              <a:lnSpc>
+                <a:spcPct val="90000"/>
+              </a:lnSpc>
+              <a:spcAft>
+                <a:spcPts val="600"/>
+              </a:spcAft>
+            </a:pPr>
+            <a:r>
+              <a:rPr lang="en-US" sz="2000" dirty="0">
+                <a:solidFill>
+                  <a:schemeClr val="bg1"/>
+                </a:solidFill>
+              </a:rPr>
+              <a:t>// Enable root user</a:t>
+            </a:r>
+          </a:p>
+          <a:p>
+            <a:pPr>
+              <a:lnSpc>
+                <a:spcPct val="90000"/>
+              </a:lnSpc>
+              <a:spcAft>
+                <a:spcPts val="600"/>
+              </a:spcAft>
+            </a:pPr>
+            <a:r>
+              <a:rPr lang="en-US" sz="2000" dirty="0" err="1">
+                <a:solidFill>
+                  <a:schemeClr val="bg1"/>
+                </a:solidFill>
+              </a:rPr>
+              <a:t>sudo</a:t>
+            </a:r>
+            <a:r>
+              <a:rPr lang="en-US" sz="2000" dirty="0">
+                <a:solidFill>
+                  <a:schemeClr val="bg1"/>
+                </a:solidFill>
+              </a:rPr>
+              <a:t> -s</a:t>
+            </a:r>
+          </a:p>
+          <a:p>
+            <a:pPr>
+              <a:lnSpc>
+                <a:spcPct val="90000"/>
+              </a:lnSpc>
+              <a:spcAft>
+                <a:spcPts val="600"/>
+              </a:spcAft>
+            </a:pPr>
+            <a:endParaRPr lang="en-US" sz="2000" dirty="0">
+              <a:solidFill>
+                <a:schemeClr val="bg1"/>
+              </a:solidFill>
+            </a:endParaRPr>
+          </a:p>
+          <a:p>
+            <a:pPr>
+              <a:lnSpc>
+                <a:spcPct val="90000"/>
+              </a:lnSpc>
+              <a:spcAft>
+                <a:spcPts val="600"/>
+              </a:spcAft>
+            </a:pPr>
+            <a:endParaRPr lang="en-US" sz="2000" dirty="0">
+              <a:solidFill>
+                <a:schemeClr val="bg1"/>
+              </a:solidFill>
+            </a:endParaRPr>
+          </a:p>
+          <a:p>
+            <a:pPr>
+              <a:lnSpc>
+                <a:spcPct val="90000"/>
+              </a:lnSpc>
+              <a:spcAft>
+                <a:spcPts val="600"/>
+              </a:spcAft>
+            </a:pPr>
+            <a:endParaRPr lang="en-US" sz="2000" dirty="0">
+              <a:solidFill>
+                <a:schemeClr val="bg1"/>
+              </a:solidFill>
+            </a:endParaRPr>
+          </a:p>
+          <a:p>
+            <a:pPr>
+              <a:lnSpc>
+                <a:spcPct val="90000"/>
+              </a:lnSpc>
+              <a:spcAft>
+                <a:spcPts val="600"/>
+              </a:spcAft>
+            </a:pPr>
+            <a:r>
+              <a:rPr lang="en-US" sz="2000" dirty="0">
+                <a:solidFill>
+                  <a:schemeClr val="bg1"/>
+                </a:solidFill>
+              </a:rPr>
+              <a:t>// Launch "Yet another Setup </a:t>
+            </a:r>
+          </a:p>
+          <a:p>
+            <a:pPr>
+              <a:lnSpc>
+                <a:spcPct val="90000"/>
+              </a:lnSpc>
+              <a:spcAft>
+                <a:spcPts val="600"/>
+              </a:spcAft>
+            </a:pPr>
+            <a:r>
+              <a:rPr lang="en-US" sz="2000" dirty="0">
+                <a:solidFill>
+                  <a:schemeClr val="bg1"/>
+                </a:solidFill>
+              </a:rPr>
+              <a:t>// Tool" to join the machine to</a:t>
+            </a:r>
+          </a:p>
+          <a:p>
+            <a:pPr>
+              <a:lnSpc>
+                <a:spcPct val="90000"/>
+              </a:lnSpc>
+              <a:spcAft>
+                <a:spcPts val="600"/>
+              </a:spcAft>
+            </a:pPr>
+            <a:r>
+              <a:rPr lang="en-US" sz="2000" dirty="0">
+                <a:solidFill>
+                  <a:schemeClr val="bg1"/>
+                </a:solidFill>
+              </a:rPr>
+              <a:t>// the AD domain</a:t>
+            </a:r>
+          </a:p>
+          <a:p>
+            <a:pPr>
+              <a:lnSpc>
+                <a:spcPct val="90000"/>
+              </a:lnSpc>
+              <a:spcAft>
+                <a:spcPts val="600"/>
+              </a:spcAft>
+            </a:pPr>
+            <a:r>
+              <a:rPr lang="en-US" sz="2000" dirty="0" err="1">
+                <a:solidFill>
+                  <a:schemeClr val="bg1"/>
+                </a:solidFill>
+              </a:rPr>
+              <a:t>YaST</a:t>
+            </a:r>
+            <a:endParaRPr lang="en-US" sz="2000" dirty="0">
+              <a:solidFill>
+                <a:schemeClr val="bg1"/>
+              </a:solidFill>
+            </a:endParaRPr>
+          </a:p>
+        </p:txBody>
+      </p:sp>
+      <p:pic>
+        <p:nvPicPr>
+          <p:cNvPr id="5" name="Picture 4"/>
+          <p:cNvPicPr>
+            <a:picLocks noChangeAspect="1"/>
+          </p:cNvPicPr>
+          <p:nvPr/>
+        </p:nvPicPr>
+        <p:blipFill>
+          <a:blip r:embed="rId2"/>
+          <a:stretch>
+            <a:fillRect/>
+          </a:stretch>
+        </p:blipFill>
+        <p:spPr>
+          <a:xfrm>
+            <a:off x="3842919" y="1359243"/>
+            <a:ext cx="8277959" cy="5173724"/>
+          </a:xfrm>
+          <a:prstGeom prst="rect">
+            <a:avLst/>
+          </a:prstGeom>
+        </p:spPr>
+      </p:pic>
+    </p:spTree>
+    <p:extLst>
+      <p:ext uri="{BB962C8B-B14F-4D97-AF65-F5344CB8AC3E}">
+        <p14:creationId xmlns:p14="http://schemas.microsoft.com/office/powerpoint/2010/main" val="3207875000"/>
+      </p:ext>
+    </p:extLst>
+  </p:cSld>
+  <p:clrMapOvr>
+    <a:masterClrMapping/>
+  </p:clrMapOvr>
+  <p:transition>
+    <p:fade/>
+  </p:transition>
+  <p:timing>
+    <p:tnLst>
+      <p:par>
+        <p:cTn id="1" dur="indefinite" restart="never" nodeType="tmRoot">
+          <p:childTnLst>
+            <p:seq concurrent="1" nextAc="seek">
+              <p:cTn id="2" dur="indefinite" nodeType="mainSeq">
+                <p:childTnLst>
+                  <p:par>
+                    <p:cTn id="3" fill="hold">
+                      <p:stCondLst>
+                        <p:cond delay="indefinite"/>
+                      </p:stCondLst>
+                      <p:childTnLst>
+                        <p:par>
+                          <p:cTn id="4" fill="hold">
+                            <p:stCondLst>
+                              <p:cond delay="0"/>
+                            </p:stCondLst>
+                            <p:childTnLst>
+                              <p:par>
+                                <p:cTn id="5" presetID="1" presetClass="entr" presetSubtype="0" fill="hold" nodeType="clickEffect">
+                                  <p:stCondLst>
+                                    <p:cond delay="0"/>
+                                  </p:stCondLst>
+                                  <p:childTnLst>
+                                    <p:set>
+                                      <p:cBhvr>
+                                        <p:cTn id="6" dur="1" fill="hold">
+                                          <p:stCondLst>
+                                            <p:cond delay="0"/>
+                                          </p:stCondLst>
+                                        </p:cTn>
+                                        <p:tgtEl>
+                                          <p:spTgt spid="5"/>
+                                        </p:tgtEl>
+                                        <p:attrNameLst>
+                                          <p:attrName>style.visibility</p:attrName>
+                                        </p:attrNameLst>
+                                      </p:cBhvr>
+                                      <p:to>
+                                        <p:strVal val="visible"/>
+                                      </p:to>
+                                    </p:set>
+                                  </p:childTnLst>
+                                </p:cTn>
+                              </p:par>
+                            </p:childTnLst>
+                          </p:cTn>
+                        </p:par>
+                      </p:childTnLst>
+                    </p:cTn>
+                  </p:par>
+                </p:childTnLst>
+              </p:cTn>
+              <p:prevCondLst>
+                <p:cond evt="onPrev" delay="0">
+                  <p:tgtEl>
+                    <p:sldTgt/>
+                  </p:tgtEl>
+                </p:cond>
+              </p:prevCondLst>
+              <p:nextCondLst>
+                <p:cond evt="onNext" delay="0">
+                  <p:tgtEl>
+                    <p:sldTgt/>
+                  </p:tgtEl>
+                </p:cond>
+              </p:nextCondLst>
+            </p:seq>
+          </p:childTnLst>
+        </p:cTn>
+      </p:par>
+    </p:tnLst>
+  </p:timing>
+</p:sld>
+</file>
+
+<file path=ppt/slides/slide15.xml><?xml version="1.0" encoding="utf-8"?>
+<p:sld xmlns:a="http://schemas.openxmlformats.org/drawingml/2006/main" xmlns:r="http://schemas.openxmlformats.org/officeDocument/2006/relationships" xmlns:p="http://schemas.openxmlformats.org/presentationml/2006/main">
+  <p:cSld>
+    <p:spTree>
+      <p:nvGrpSpPr>
+        <p:cNvPr id="1" name=""/>
+        <p:cNvGrpSpPr/>
+        <p:nvPr/>
+      </p:nvGrpSpPr>
+      <p:grpSpPr>
+        <a:xfrm>
+          <a:off x="0" y="0"/>
+          <a:ext cx="0" cy="0"/>
+          <a:chOff x="0" y="0"/>
+          <a:chExt cx="0" cy="0"/>
+        </a:xfrm>
+      </p:grpSpPr>
+      <p:sp>
+        <p:nvSpPr>
+          <p:cNvPr id="4" name="Title 3"/>
+          <p:cNvSpPr>
+            <a:spLocks noGrp="1"/>
+          </p:cNvSpPr>
+          <p:nvPr>
+            <p:ph type="title"/>
+          </p:nvPr>
+        </p:nvSpPr>
+        <p:spPr/>
+        <p:txBody>
+          <a:bodyPr/>
+          <a:lstStyle/>
+          <a:p>
+            <a:r>
+              <a:rPr lang="en-US" dirty="0"/>
+              <a:t>SQL Server in Azure</a:t>
+            </a:r>
+          </a:p>
+        </p:txBody>
+      </p:sp>
+    </p:spTree>
+    <p:extLst>
+      <p:ext uri="{BB962C8B-B14F-4D97-AF65-F5344CB8AC3E}">
+        <p14:creationId xmlns:p14="http://schemas.microsoft.com/office/powerpoint/2010/main" val="4286947726"/>
+      </p:ext>
+    </p:extLst>
+  </p:cSld>
+  <p:clrMapOvr>
+    <a:masterClrMapping/>
+  </p:clrMapOvr>
+  <p:transition>
+    <p:fade/>
+  </p:transition>
+</p:sld>
+</file>
+
+<file path=ppt/slides/slide16.xml><?xml version="1.0" encoding="utf-8"?>
+<p:sld xmlns:a="http://schemas.openxmlformats.org/drawingml/2006/main" xmlns:r="http://schemas.openxmlformats.org/officeDocument/2006/relationships" xmlns:p="http://schemas.openxmlformats.org/presentationml/2006/main">
+  <p:cSld>
+    <p:spTree>
+      <p:nvGrpSpPr>
+        <p:cNvPr id="1" name=""/>
+        <p:cNvGrpSpPr/>
+        <p:nvPr/>
+      </p:nvGrpSpPr>
+      <p:grpSpPr>
+        <a:xfrm>
+          <a:off x="0" y="0"/>
+          <a:ext cx="0" cy="0"/>
+          <a:chOff x="0" y="0"/>
+          <a:chExt cx="0" cy="0"/>
+        </a:xfrm>
+      </p:grpSpPr>
+      <p:sp>
+        <p:nvSpPr>
           <p:cNvPr id="2" name="Title 1"/>
           <p:cNvSpPr>
             <a:spLocks noGrp="1"/>
@@ -16076,7 +16615,7 @@
 </p:sld>
 </file>
 
-<file path=ppt/slides/slide15.xml><?xml version="1.0" encoding="utf-8"?>
+<file path=ppt/slides/slide17.xml><?xml version="1.0" encoding="utf-8"?>
 <p:sld xmlns:a="http://schemas.openxmlformats.org/drawingml/2006/main" xmlns:r="http://schemas.openxmlformats.org/officeDocument/2006/relationships" xmlns:p="http://schemas.openxmlformats.org/presentationml/2006/main">
   <p:cSld>
     <p:spTree>
@@ -16207,7 +16746,7 @@
 </p:sld>
 </file>
 
-<file path=ppt/slides/slide16.xml><?xml version="1.0" encoding="utf-8"?>
+<file path=ppt/slides/slide18.xml><?xml version="1.0" encoding="utf-8"?>
 <p:sld xmlns:a="http://schemas.openxmlformats.org/drawingml/2006/main" xmlns:r="http://schemas.openxmlformats.org/officeDocument/2006/relationships" xmlns:p="http://schemas.openxmlformats.org/presentationml/2006/main">
   <p:cSld>
     <p:spTree>
@@ -16348,7 +16887,7 @@
 </p:sld>
 </file>
 
-<file path=ppt/slides/slide17.xml><?xml version="1.0" encoding="utf-8"?>
+<file path=ppt/slides/slide19.xml><?xml version="1.0" encoding="utf-8"?>
 <p:sld xmlns:a="http://schemas.openxmlformats.org/drawingml/2006/main" xmlns:r="http://schemas.openxmlformats.org/officeDocument/2006/relationships" xmlns:p="http://schemas.openxmlformats.org/presentationml/2006/main">
   <p:cSld>
     <p:spTree>
@@ -16579,7 +17118,7 @@
                 <a:latin typeface="Calibri"/>
               </a:rPr>
               <a:pPr/>
-              <a:t>17</a:t>
+              <a:t>19</a:t>
             </a:fld>
             <a:endParaRPr lang="en-US" dirty="0">
               <a:solidFill>
@@ -16647,479 +17186,6 @@
 </p:sld>
 </file>
 
-<file path=ppt/slides/slide18.xml><?xml version="1.0" encoding="utf-8"?>
-<p:sld xmlns:a="http://schemas.openxmlformats.org/drawingml/2006/main" xmlns:r="http://schemas.openxmlformats.org/officeDocument/2006/relationships" xmlns:p="http://schemas.openxmlformats.org/presentationml/2006/main">
-  <p:cSld>
-    <p:spTree>
-      <p:nvGrpSpPr>
-        <p:cNvPr id="1" name=""/>
-        <p:cNvGrpSpPr/>
-        <p:nvPr/>
-      </p:nvGrpSpPr>
-      <p:grpSpPr>
-        <a:xfrm>
-          <a:off x="0" y="0"/>
-          <a:ext cx="0" cy="0"/>
-          <a:chOff x="0" y="0"/>
-          <a:chExt cx="0" cy="0"/>
-        </a:xfrm>
-      </p:grpSpPr>
-      <p:sp>
-        <p:nvSpPr>
-          <p:cNvPr id="5" name="Title 4"/>
-          <p:cNvSpPr>
-            <a:spLocks noGrp="1"/>
-          </p:cNvSpPr>
-          <p:nvPr>
-            <p:ph type="title"/>
-          </p:nvPr>
-        </p:nvSpPr>
-        <p:spPr/>
-        <p:txBody>
-          <a:bodyPr/>
-          <a:lstStyle/>
-          <a:p>
-            <a:r>
-              <a:rPr lang="en-US" dirty="0"/>
-              <a:t>Performance best practices SQL Server</a:t>
-            </a:r>
-          </a:p>
-        </p:txBody>
-      </p:sp>
-      <p:sp>
-        <p:nvSpPr>
-          <p:cNvPr id="8" name="Content Placeholder 7"/>
-          <p:cNvSpPr>
-            <a:spLocks noGrp="1"/>
-          </p:cNvSpPr>
-          <p:nvPr>
-            <p:ph sz="quarter" idx="10"/>
-          </p:nvPr>
-        </p:nvSpPr>
-        <p:spPr>
-          <a:xfrm>
-            <a:off x="268288" y="1387776"/>
-            <a:ext cx="5494536" cy="4840029"/>
-          </a:xfrm>
-        </p:spPr>
-        <p:txBody>
-          <a:bodyPr>
-            <a:normAutofit fontScale="77500" lnSpcReduction="20000"/>
-          </a:bodyPr>
-          <a:lstStyle/>
-          <a:p>
-            <a:r>
-              <a:rPr lang="en-US" b="1" u="sng" dirty="0"/>
-              <a:t>VM Size</a:t>
-            </a:r>
-          </a:p>
-          <a:p>
-            <a:pPr lvl="1"/>
-            <a:r>
-              <a:rPr lang="en-US" dirty="0"/>
-              <a:t>DS3+ for SQL Enterprise</a:t>
-            </a:r>
-          </a:p>
-          <a:p>
-            <a:pPr lvl="1"/>
-            <a:endParaRPr lang="en-US" dirty="0"/>
-          </a:p>
-          <a:p>
-            <a:pPr lvl="1"/>
-            <a:r>
-              <a:rPr lang="en-US" dirty="0"/>
-              <a:t>DS2+ for SQL Standard and Web</a:t>
-            </a:r>
-          </a:p>
-          <a:p>
-            <a:pPr lvl="1"/>
-            <a:endParaRPr lang="en-US" dirty="0"/>
-          </a:p>
-          <a:p>
-            <a:pPr lvl="1"/>
-            <a:endParaRPr lang="en-US" dirty="0"/>
-          </a:p>
-          <a:p>
-            <a:r>
-              <a:rPr lang="en-US" b="1" u="sng" dirty="0"/>
-              <a:t>Storage (LRS)</a:t>
-            </a:r>
-          </a:p>
-          <a:p>
-            <a:pPr lvl="1"/>
-            <a:r>
-              <a:rPr lang="en-US" dirty="0"/>
-              <a:t>Standard for Dev/Test </a:t>
-            </a:r>
-          </a:p>
-          <a:p>
-            <a:pPr lvl="1"/>
-            <a:endParaRPr lang="en-US" dirty="0"/>
-          </a:p>
-          <a:p>
-            <a:pPr lvl="1"/>
-            <a:r>
-              <a:rPr lang="en-US" dirty="0"/>
-              <a:t>Premium otherwise</a:t>
-            </a:r>
-          </a:p>
-          <a:p>
-            <a:pPr marL="336145" lvl="1" indent="0">
-              <a:buNone/>
-            </a:pPr>
-            <a:r>
-              <a:rPr lang="en-US" dirty="0"/>
-              <a:t> </a:t>
-            </a:r>
-          </a:p>
-          <a:p>
-            <a:pPr marL="336145" lvl="1" indent="0">
-              <a:buNone/>
-            </a:pPr>
-            <a:endParaRPr lang="en-US" dirty="0"/>
-          </a:p>
-          <a:p>
-            <a:pPr marL="336145" lvl="1" indent="0">
-              <a:buNone/>
-            </a:pPr>
-            <a:endParaRPr lang="en-US" dirty="0"/>
-          </a:p>
-          <a:p>
-            <a:pPr marL="336145" lvl="1" indent="0">
-              <a:buNone/>
-            </a:pPr>
-            <a:endParaRPr lang="en-US" dirty="0"/>
-          </a:p>
-          <a:p>
-            <a:pPr lvl="1"/>
-            <a:endParaRPr lang="en-US" dirty="0"/>
-          </a:p>
-          <a:p>
-            <a:pPr lvl="1"/>
-            <a:endParaRPr lang="en-US" dirty="0"/>
-          </a:p>
-          <a:p>
-            <a:pPr lvl="1"/>
-            <a:endParaRPr lang="en-US" dirty="0"/>
-          </a:p>
-        </p:txBody>
-      </p:sp>
-      <p:sp>
-        <p:nvSpPr>
-          <p:cNvPr id="9" name="Content Placeholder 8"/>
-          <p:cNvSpPr>
-            <a:spLocks noGrp="1"/>
-          </p:cNvSpPr>
-          <p:nvPr>
-            <p:ph sz="quarter" idx="11"/>
-          </p:nvPr>
-        </p:nvSpPr>
-        <p:spPr>
-          <a:xfrm>
-            <a:off x="6432242" y="1387776"/>
-            <a:ext cx="5490520" cy="4840029"/>
-          </a:xfrm>
-        </p:spPr>
-        <p:txBody>
-          <a:bodyPr>
-            <a:normAutofit fontScale="77500" lnSpcReduction="20000"/>
-          </a:bodyPr>
-          <a:lstStyle/>
-          <a:p>
-            <a:r>
-              <a:rPr lang="en-US" b="1" u="sng" dirty="0"/>
-              <a:t>Data Disks</a:t>
-            </a:r>
-          </a:p>
-          <a:p>
-            <a:pPr lvl="1"/>
-            <a:r>
-              <a:rPr lang="en-US" dirty="0"/>
-              <a:t>Minimum 2 P30 Disks (log file, data file &amp; </a:t>
-            </a:r>
-            <a:r>
-              <a:rPr lang="en-US" dirty="0" err="1"/>
-              <a:t>TempDB</a:t>
-            </a:r>
-            <a:r>
-              <a:rPr lang="en-US" dirty="0"/>
-              <a:t>)</a:t>
-            </a:r>
-          </a:p>
-          <a:p>
-            <a:pPr lvl="1"/>
-            <a:endParaRPr lang="en-US" dirty="0"/>
-          </a:p>
-          <a:p>
-            <a:pPr lvl="1"/>
-            <a:r>
-              <a:rPr lang="en-US" dirty="0"/>
-              <a:t>Enable read caching on data disk hosting data file (and </a:t>
-            </a:r>
-            <a:r>
-              <a:rPr lang="en-US" dirty="0" err="1"/>
-              <a:t>TempDB</a:t>
-            </a:r>
-            <a:r>
-              <a:rPr lang="en-US" dirty="0"/>
-              <a:t>)</a:t>
-            </a:r>
-          </a:p>
-          <a:p>
-            <a:pPr lvl="1"/>
-            <a:endParaRPr lang="en-US" dirty="0"/>
-          </a:p>
-          <a:p>
-            <a:pPr lvl="1"/>
-            <a:r>
-              <a:rPr lang="en-US" dirty="0"/>
-              <a:t>Disable caching on data disk hosting log file</a:t>
-            </a:r>
-          </a:p>
-          <a:p>
-            <a:pPr lvl="1"/>
-            <a:endParaRPr lang="en-US" dirty="0"/>
-          </a:p>
-          <a:p>
-            <a:pPr lvl="1"/>
-            <a:r>
-              <a:rPr lang="en-US" dirty="0"/>
-              <a:t>Format w/documented allocation sizes (64K)</a:t>
-            </a:r>
-          </a:p>
-        </p:txBody>
-      </p:sp>
-      <p:sp>
-        <p:nvSpPr>
-          <p:cNvPr id="7" name="TextBox 6"/>
-          <p:cNvSpPr txBox="1"/>
-          <p:nvPr/>
-        </p:nvSpPr>
-        <p:spPr>
-          <a:xfrm>
-            <a:off x="3896106" y="6057587"/>
-            <a:ext cx="4286865" cy="627864"/>
-          </a:xfrm>
-          <a:prstGeom prst="rect">
-            <a:avLst/>
-          </a:prstGeom>
-          <a:noFill/>
-        </p:spPr>
-        <p:txBody>
-          <a:bodyPr wrap="square" lIns="182880" tIns="146304" rIns="182880" bIns="146304" rtlCol="0">
-            <a:spAutoFit/>
-          </a:bodyPr>
-          <a:lstStyle/>
-          <a:p>
-            <a:pPr algn="ctr">
-              <a:lnSpc>
-                <a:spcPct val="90000"/>
-              </a:lnSpc>
-              <a:spcAft>
-                <a:spcPts val="600"/>
-              </a:spcAft>
-            </a:pPr>
-            <a:r>
-              <a:rPr lang="en-US" sz="2400" dirty="0">
-                <a:gradFill>
-                  <a:gsLst>
-                    <a:gs pos="2917">
-                      <a:schemeClr val="tx1"/>
-                    </a:gs>
-                    <a:gs pos="30000">
-                      <a:schemeClr val="tx1"/>
-                    </a:gs>
-                  </a:gsLst>
-                  <a:lin ang="5400000" scaled="0"/>
-                </a:gradFill>
-              </a:rPr>
-              <a:t>https://aka.ms/sql-iaas</a:t>
-            </a:r>
-          </a:p>
-        </p:txBody>
-      </p:sp>
-    </p:spTree>
-    <p:extLst>
-      <p:ext uri="{BB962C8B-B14F-4D97-AF65-F5344CB8AC3E}">
-        <p14:creationId xmlns:p14="http://schemas.microsoft.com/office/powerpoint/2010/main" val="1919109794"/>
-      </p:ext>
-    </p:extLst>
-  </p:cSld>
-  <p:clrMapOvr>
-    <a:masterClrMapping/>
-  </p:clrMapOvr>
-  <p:transition>
-    <p:fade/>
-  </p:transition>
-</p:sld>
-</file>
-
-<file path=ppt/slides/slide19.xml><?xml version="1.0" encoding="utf-8"?>
-<p:sld xmlns:a="http://schemas.openxmlformats.org/drawingml/2006/main" xmlns:r="http://schemas.openxmlformats.org/officeDocument/2006/relationships" xmlns:p="http://schemas.openxmlformats.org/presentationml/2006/main">
-  <p:cSld>
-    <p:spTree>
-      <p:nvGrpSpPr>
-        <p:cNvPr id="1" name=""/>
-        <p:cNvGrpSpPr/>
-        <p:nvPr/>
-      </p:nvGrpSpPr>
-      <p:grpSpPr>
-        <a:xfrm>
-          <a:off x="0" y="0"/>
-          <a:ext cx="0" cy="0"/>
-          <a:chOff x="0" y="0"/>
-          <a:chExt cx="0" cy="0"/>
-        </a:xfrm>
-      </p:grpSpPr>
-      <p:sp>
-        <p:nvSpPr>
-          <p:cNvPr id="2" name="Title 1"/>
-          <p:cNvSpPr>
-            <a:spLocks noGrp="1"/>
-          </p:cNvSpPr>
-          <p:nvPr>
-            <p:ph type="title"/>
-          </p:nvPr>
-        </p:nvSpPr>
-        <p:spPr/>
-        <p:txBody>
-          <a:bodyPr/>
-          <a:lstStyle/>
-          <a:p>
-            <a:r>
-              <a:rPr lang="en-US" dirty="0"/>
-              <a:t>Performance best practices SQL Server</a:t>
-            </a:r>
-          </a:p>
-        </p:txBody>
-      </p:sp>
-      <p:sp>
-        <p:nvSpPr>
-          <p:cNvPr id="5" name="Content Placeholder 4"/>
-          <p:cNvSpPr>
-            <a:spLocks noGrp="1"/>
-          </p:cNvSpPr>
-          <p:nvPr>
-            <p:ph sz="quarter" idx="10"/>
-          </p:nvPr>
-        </p:nvSpPr>
-        <p:spPr>
-          <a:xfrm>
-            <a:off x="268288" y="1398397"/>
-            <a:ext cx="11542503" cy="4173450"/>
-          </a:xfrm>
-        </p:spPr>
-        <p:txBody>
-          <a:bodyPr/>
-          <a:lstStyle/>
-          <a:p>
-            <a:r>
-              <a:rPr lang="en-US" b="1" u="sng" dirty="0"/>
-              <a:t>Temporary Disk ( D:\ )</a:t>
-            </a:r>
-          </a:p>
-          <a:p>
-            <a:pPr lvl="1"/>
-            <a:r>
-              <a:rPr lang="en-US" dirty="0"/>
-              <a:t>Do not store log files or data files here</a:t>
-            </a:r>
-          </a:p>
-          <a:p>
-            <a:pPr marL="336145" lvl="1" indent="0">
-              <a:buNone/>
-            </a:pPr>
-            <a:endParaRPr lang="en-US" dirty="0"/>
-          </a:p>
-          <a:p>
-            <a:pPr lvl="1"/>
-            <a:r>
-              <a:rPr lang="en-US" dirty="0"/>
-              <a:t>For </a:t>
-            </a:r>
-            <a:r>
-              <a:rPr lang="en-US" dirty="0">
-                <a:solidFill>
-                  <a:srgbClr val="FFFF00"/>
-                </a:solidFill>
-              </a:rPr>
-              <a:t>DS</a:t>
-            </a:r>
-            <a:r>
-              <a:rPr lang="en-US" dirty="0"/>
-              <a:t>, </a:t>
-            </a:r>
-            <a:r>
-              <a:rPr lang="en-US" dirty="0">
-                <a:solidFill>
-                  <a:srgbClr val="FFFF00"/>
-                </a:solidFill>
-              </a:rPr>
-              <a:t>DSv2</a:t>
-            </a:r>
-            <a:r>
-              <a:rPr lang="en-US" dirty="0"/>
-              <a:t>, and </a:t>
-            </a:r>
-            <a:r>
-              <a:rPr lang="en-US" dirty="0">
-                <a:solidFill>
-                  <a:srgbClr val="FFFF00"/>
-                </a:solidFill>
-              </a:rPr>
-              <a:t>GS</a:t>
-            </a:r>
-            <a:r>
-              <a:rPr lang="en-US" dirty="0"/>
-              <a:t> series VM’s, if your </a:t>
-            </a:r>
-            <a:r>
-              <a:rPr lang="en-US" dirty="0" err="1">
-                <a:solidFill>
-                  <a:srgbClr val="FFFF00"/>
-                </a:solidFill>
-              </a:rPr>
-              <a:t>TempDB</a:t>
-            </a:r>
-            <a:r>
-              <a:rPr lang="en-US" dirty="0"/>
-              <a:t> usage is </a:t>
-            </a:r>
-            <a:r>
-              <a:rPr lang="en-US" dirty="0">
-                <a:solidFill>
-                  <a:srgbClr val="FFFF00"/>
-                </a:solidFill>
-              </a:rPr>
-              <a:t>write-intensive</a:t>
-            </a:r>
-            <a:r>
-              <a:rPr lang="en-US" dirty="0"/>
-              <a:t>, then storing it on D:\ will result in better performance.</a:t>
-            </a:r>
-          </a:p>
-          <a:p>
-            <a:pPr lvl="1"/>
-            <a:endParaRPr lang="en-US" dirty="0"/>
-          </a:p>
-        </p:txBody>
-      </p:sp>
-    </p:spTree>
-    <p:extLst>
-      <p:ext uri="{BB962C8B-B14F-4D97-AF65-F5344CB8AC3E}">
-        <p14:creationId xmlns:p14="http://schemas.microsoft.com/office/powerpoint/2010/main" val="3971988463"/>
-      </p:ext>
-    </p:extLst>
-  </p:cSld>
-  <p:clrMapOvr>
-    <a:masterClrMapping/>
-  </p:clrMapOvr>
-  <p:transition>
-    <p:fade/>
-  </p:transition>
-</p:sld>
-</file>
-
 <file path=ppt/slides/slide2.xml><?xml version="1.0" encoding="utf-8"?>
 <p:sld xmlns:a="http://schemas.openxmlformats.org/drawingml/2006/main" xmlns:r="http://schemas.openxmlformats.org/officeDocument/2006/relationships" xmlns:p="http://schemas.openxmlformats.org/presentationml/2006/main">
   <p:cSld>
@@ -17240,6 +17306,479 @@
       </p:grpSpPr>
       <p:sp>
         <p:nvSpPr>
+          <p:cNvPr id="5" name="Title 4"/>
+          <p:cNvSpPr>
+            <a:spLocks noGrp="1"/>
+          </p:cNvSpPr>
+          <p:nvPr>
+            <p:ph type="title"/>
+          </p:nvPr>
+        </p:nvSpPr>
+        <p:spPr/>
+        <p:txBody>
+          <a:bodyPr/>
+          <a:lstStyle/>
+          <a:p>
+            <a:r>
+              <a:rPr lang="en-US" dirty="0"/>
+              <a:t>Performance best practices SQL Server</a:t>
+            </a:r>
+          </a:p>
+        </p:txBody>
+      </p:sp>
+      <p:sp>
+        <p:nvSpPr>
+          <p:cNvPr id="8" name="Content Placeholder 7"/>
+          <p:cNvSpPr>
+            <a:spLocks noGrp="1"/>
+          </p:cNvSpPr>
+          <p:nvPr>
+            <p:ph sz="quarter" idx="10"/>
+          </p:nvPr>
+        </p:nvSpPr>
+        <p:spPr>
+          <a:xfrm>
+            <a:off x="268288" y="1387776"/>
+            <a:ext cx="5494536" cy="4840029"/>
+          </a:xfrm>
+        </p:spPr>
+        <p:txBody>
+          <a:bodyPr>
+            <a:normAutofit fontScale="77500" lnSpcReduction="20000"/>
+          </a:bodyPr>
+          <a:lstStyle/>
+          <a:p>
+            <a:r>
+              <a:rPr lang="en-US" b="1" u="sng" dirty="0"/>
+              <a:t>VM Size</a:t>
+            </a:r>
+          </a:p>
+          <a:p>
+            <a:pPr lvl="1"/>
+            <a:r>
+              <a:rPr lang="en-US" dirty="0"/>
+              <a:t>DS3+ for SQL Enterprise</a:t>
+            </a:r>
+          </a:p>
+          <a:p>
+            <a:pPr lvl="1"/>
+            <a:endParaRPr lang="en-US" dirty="0"/>
+          </a:p>
+          <a:p>
+            <a:pPr lvl="1"/>
+            <a:r>
+              <a:rPr lang="en-US" dirty="0"/>
+              <a:t>DS2+ for SQL Standard and Web</a:t>
+            </a:r>
+          </a:p>
+          <a:p>
+            <a:pPr lvl="1"/>
+            <a:endParaRPr lang="en-US" dirty="0"/>
+          </a:p>
+          <a:p>
+            <a:pPr lvl="1"/>
+            <a:endParaRPr lang="en-US" dirty="0"/>
+          </a:p>
+          <a:p>
+            <a:r>
+              <a:rPr lang="en-US" b="1" u="sng" dirty="0"/>
+              <a:t>Storage (LRS)</a:t>
+            </a:r>
+          </a:p>
+          <a:p>
+            <a:pPr lvl="1"/>
+            <a:r>
+              <a:rPr lang="en-US" dirty="0"/>
+              <a:t>Standard for Dev/Test </a:t>
+            </a:r>
+          </a:p>
+          <a:p>
+            <a:pPr lvl="1"/>
+            <a:endParaRPr lang="en-US" dirty="0"/>
+          </a:p>
+          <a:p>
+            <a:pPr lvl="1"/>
+            <a:r>
+              <a:rPr lang="en-US" dirty="0"/>
+              <a:t>Premium otherwise</a:t>
+            </a:r>
+          </a:p>
+          <a:p>
+            <a:pPr marL="336145" lvl="1" indent="0">
+              <a:buNone/>
+            </a:pPr>
+            <a:r>
+              <a:rPr lang="en-US" dirty="0"/>
+              <a:t> </a:t>
+            </a:r>
+          </a:p>
+          <a:p>
+            <a:pPr marL="336145" lvl="1" indent="0">
+              <a:buNone/>
+            </a:pPr>
+            <a:endParaRPr lang="en-US" dirty="0"/>
+          </a:p>
+          <a:p>
+            <a:pPr marL="336145" lvl="1" indent="0">
+              <a:buNone/>
+            </a:pPr>
+            <a:endParaRPr lang="en-US" dirty="0"/>
+          </a:p>
+          <a:p>
+            <a:pPr marL="336145" lvl="1" indent="0">
+              <a:buNone/>
+            </a:pPr>
+            <a:endParaRPr lang="en-US" dirty="0"/>
+          </a:p>
+          <a:p>
+            <a:pPr lvl="1"/>
+            <a:endParaRPr lang="en-US" dirty="0"/>
+          </a:p>
+          <a:p>
+            <a:pPr lvl="1"/>
+            <a:endParaRPr lang="en-US" dirty="0"/>
+          </a:p>
+          <a:p>
+            <a:pPr lvl="1"/>
+            <a:endParaRPr lang="en-US" dirty="0"/>
+          </a:p>
+        </p:txBody>
+      </p:sp>
+      <p:sp>
+        <p:nvSpPr>
+          <p:cNvPr id="9" name="Content Placeholder 8"/>
+          <p:cNvSpPr>
+            <a:spLocks noGrp="1"/>
+          </p:cNvSpPr>
+          <p:nvPr>
+            <p:ph sz="quarter" idx="11"/>
+          </p:nvPr>
+        </p:nvSpPr>
+        <p:spPr>
+          <a:xfrm>
+            <a:off x="6432242" y="1387776"/>
+            <a:ext cx="5490520" cy="4840029"/>
+          </a:xfrm>
+        </p:spPr>
+        <p:txBody>
+          <a:bodyPr>
+            <a:normAutofit fontScale="77500" lnSpcReduction="20000"/>
+          </a:bodyPr>
+          <a:lstStyle/>
+          <a:p>
+            <a:r>
+              <a:rPr lang="en-US" b="1" u="sng" dirty="0"/>
+              <a:t>Data Disks</a:t>
+            </a:r>
+          </a:p>
+          <a:p>
+            <a:pPr lvl="1"/>
+            <a:r>
+              <a:rPr lang="en-US" dirty="0"/>
+              <a:t>Minimum 2 P30 Disks (log file, data file &amp; </a:t>
+            </a:r>
+            <a:r>
+              <a:rPr lang="en-US" dirty="0" err="1"/>
+              <a:t>TempDB</a:t>
+            </a:r>
+            <a:r>
+              <a:rPr lang="en-US" dirty="0"/>
+              <a:t>)</a:t>
+            </a:r>
+          </a:p>
+          <a:p>
+            <a:pPr lvl="1"/>
+            <a:endParaRPr lang="en-US" dirty="0"/>
+          </a:p>
+          <a:p>
+            <a:pPr lvl="1"/>
+            <a:r>
+              <a:rPr lang="en-US" dirty="0"/>
+              <a:t>Enable read caching on data disk hosting data file (and </a:t>
+            </a:r>
+            <a:r>
+              <a:rPr lang="en-US" dirty="0" err="1"/>
+              <a:t>TempDB</a:t>
+            </a:r>
+            <a:r>
+              <a:rPr lang="en-US" dirty="0"/>
+              <a:t>)</a:t>
+            </a:r>
+          </a:p>
+          <a:p>
+            <a:pPr lvl="1"/>
+            <a:endParaRPr lang="en-US" dirty="0"/>
+          </a:p>
+          <a:p>
+            <a:pPr lvl="1"/>
+            <a:r>
+              <a:rPr lang="en-US" dirty="0"/>
+              <a:t>Disable caching on data disk hosting log file</a:t>
+            </a:r>
+          </a:p>
+          <a:p>
+            <a:pPr lvl="1"/>
+            <a:endParaRPr lang="en-US" dirty="0"/>
+          </a:p>
+          <a:p>
+            <a:pPr lvl="1"/>
+            <a:r>
+              <a:rPr lang="en-US" dirty="0"/>
+              <a:t>Format w/documented allocation sizes (64K)</a:t>
+            </a:r>
+          </a:p>
+        </p:txBody>
+      </p:sp>
+      <p:sp>
+        <p:nvSpPr>
+          <p:cNvPr id="7" name="TextBox 6"/>
+          <p:cNvSpPr txBox="1"/>
+          <p:nvPr/>
+        </p:nvSpPr>
+        <p:spPr>
+          <a:xfrm>
+            <a:off x="3896106" y="6057587"/>
+            <a:ext cx="4286865" cy="627864"/>
+          </a:xfrm>
+          <a:prstGeom prst="rect">
+            <a:avLst/>
+          </a:prstGeom>
+          <a:noFill/>
+        </p:spPr>
+        <p:txBody>
+          <a:bodyPr wrap="square" lIns="182880" tIns="146304" rIns="182880" bIns="146304" rtlCol="0">
+            <a:spAutoFit/>
+          </a:bodyPr>
+          <a:lstStyle/>
+          <a:p>
+            <a:pPr algn="ctr">
+              <a:lnSpc>
+                <a:spcPct val="90000"/>
+              </a:lnSpc>
+              <a:spcAft>
+                <a:spcPts val="600"/>
+              </a:spcAft>
+            </a:pPr>
+            <a:r>
+              <a:rPr lang="en-US" sz="2400" dirty="0">
+                <a:gradFill>
+                  <a:gsLst>
+                    <a:gs pos="2917">
+                      <a:schemeClr val="tx1"/>
+                    </a:gs>
+                    <a:gs pos="30000">
+                      <a:schemeClr val="tx1"/>
+                    </a:gs>
+                  </a:gsLst>
+                  <a:lin ang="5400000" scaled="0"/>
+                </a:gradFill>
+              </a:rPr>
+              <a:t>https://aka.ms/sql-iaas</a:t>
+            </a:r>
+          </a:p>
+        </p:txBody>
+      </p:sp>
+    </p:spTree>
+    <p:extLst>
+      <p:ext uri="{BB962C8B-B14F-4D97-AF65-F5344CB8AC3E}">
+        <p14:creationId xmlns:p14="http://schemas.microsoft.com/office/powerpoint/2010/main" val="1919109794"/>
+      </p:ext>
+    </p:extLst>
+  </p:cSld>
+  <p:clrMapOvr>
+    <a:masterClrMapping/>
+  </p:clrMapOvr>
+  <p:transition>
+    <p:fade/>
+  </p:transition>
+</p:sld>
+</file>
+
+<file path=ppt/slides/slide21.xml><?xml version="1.0" encoding="utf-8"?>
+<p:sld xmlns:a="http://schemas.openxmlformats.org/drawingml/2006/main" xmlns:r="http://schemas.openxmlformats.org/officeDocument/2006/relationships" xmlns:p="http://schemas.openxmlformats.org/presentationml/2006/main">
+  <p:cSld>
+    <p:spTree>
+      <p:nvGrpSpPr>
+        <p:cNvPr id="1" name=""/>
+        <p:cNvGrpSpPr/>
+        <p:nvPr/>
+      </p:nvGrpSpPr>
+      <p:grpSpPr>
+        <a:xfrm>
+          <a:off x="0" y="0"/>
+          <a:ext cx="0" cy="0"/>
+          <a:chOff x="0" y="0"/>
+          <a:chExt cx="0" cy="0"/>
+        </a:xfrm>
+      </p:grpSpPr>
+      <p:sp>
+        <p:nvSpPr>
+          <p:cNvPr id="2" name="Title 1"/>
+          <p:cNvSpPr>
+            <a:spLocks noGrp="1"/>
+          </p:cNvSpPr>
+          <p:nvPr>
+            <p:ph type="title"/>
+          </p:nvPr>
+        </p:nvSpPr>
+        <p:spPr/>
+        <p:txBody>
+          <a:bodyPr/>
+          <a:lstStyle/>
+          <a:p>
+            <a:r>
+              <a:rPr lang="en-US" dirty="0"/>
+              <a:t>Performance best practices SQL Server</a:t>
+            </a:r>
+          </a:p>
+        </p:txBody>
+      </p:sp>
+      <p:sp>
+        <p:nvSpPr>
+          <p:cNvPr id="5" name="Content Placeholder 4"/>
+          <p:cNvSpPr>
+            <a:spLocks noGrp="1"/>
+          </p:cNvSpPr>
+          <p:nvPr>
+            <p:ph sz="quarter" idx="10"/>
+          </p:nvPr>
+        </p:nvSpPr>
+        <p:spPr>
+          <a:xfrm>
+            <a:off x="268288" y="1398397"/>
+            <a:ext cx="11542503" cy="4173450"/>
+          </a:xfrm>
+        </p:spPr>
+        <p:txBody>
+          <a:bodyPr/>
+          <a:lstStyle/>
+          <a:p>
+            <a:r>
+              <a:rPr lang="en-US" b="1" u="sng" dirty="0"/>
+              <a:t>Temporary Disk ( D:\ )</a:t>
+            </a:r>
+          </a:p>
+          <a:p>
+            <a:pPr lvl="1"/>
+            <a:r>
+              <a:rPr lang="en-US" dirty="0"/>
+              <a:t>Do not store log files or data files here</a:t>
+            </a:r>
+          </a:p>
+          <a:p>
+            <a:pPr marL="336145" lvl="1" indent="0">
+              <a:buNone/>
+            </a:pPr>
+            <a:endParaRPr lang="en-US" dirty="0"/>
+          </a:p>
+          <a:p>
+            <a:pPr lvl="1"/>
+            <a:r>
+              <a:rPr lang="en-US" dirty="0"/>
+              <a:t>For </a:t>
+            </a:r>
+            <a:r>
+              <a:rPr lang="en-US" dirty="0">
+                <a:solidFill>
+                  <a:srgbClr val="FFFF00"/>
+                </a:solidFill>
+              </a:rPr>
+              <a:t>DS</a:t>
+            </a:r>
+            <a:r>
+              <a:rPr lang="en-US" dirty="0"/>
+              <a:t>, </a:t>
+            </a:r>
+            <a:r>
+              <a:rPr lang="en-US" dirty="0">
+                <a:solidFill>
+                  <a:srgbClr val="FFFF00"/>
+                </a:solidFill>
+              </a:rPr>
+              <a:t>DSv2</a:t>
+            </a:r>
+            <a:r>
+              <a:rPr lang="en-US" dirty="0"/>
+              <a:t>, and </a:t>
+            </a:r>
+            <a:r>
+              <a:rPr lang="en-US" dirty="0">
+                <a:solidFill>
+                  <a:srgbClr val="FFFF00"/>
+                </a:solidFill>
+              </a:rPr>
+              <a:t>GS</a:t>
+            </a:r>
+            <a:r>
+              <a:rPr lang="en-US" dirty="0"/>
+              <a:t> series VM’s, if your </a:t>
+            </a:r>
+            <a:r>
+              <a:rPr lang="en-US" dirty="0" err="1">
+                <a:solidFill>
+                  <a:srgbClr val="FFFF00"/>
+                </a:solidFill>
+              </a:rPr>
+              <a:t>TempDB</a:t>
+            </a:r>
+            <a:r>
+              <a:rPr lang="en-US" dirty="0"/>
+              <a:t> usage is </a:t>
+            </a:r>
+            <a:r>
+              <a:rPr lang="en-US" dirty="0">
+                <a:solidFill>
+                  <a:srgbClr val="FFFF00"/>
+                </a:solidFill>
+              </a:rPr>
+              <a:t>write-intensive</a:t>
+            </a:r>
+            <a:r>
+              <a:rPr lang="en-US" dirty="0"/>
+              <a:t>, then storing it on D:\ will result in better performance.</a:t>
+            </a:r>
+          </a:p>
+          <a:p>
+            <a:pPr lvl="1"/>
+            <a:endParaRPr lang="en-US" dirty="0"/>
+          </a:p>
+        </p:txBody>
+      </p:sp>
+    </p:spTree>
+    <p:extLst>
+      <p:ext uri="{BB962C8B-B14F-4D97-AF65-F5344CB8AC3E}">
+        <p14:creationId xmlns:p14="http://schemas.microsoft.com/office/powerpoint/2010/main" val="3971988463"/>
+      </p:ext>
+    </p:extLst>
+  </p:cSld>
+  <p:clrMapOvr>
+    <a:masterClrMapping/>
+  </p:clrMapOvr>
+  <p:transition>
+    <p:fade/>
+  </p:transition>
+</p:sld>
+</file>
+
+<file path=ppt/slides/slide22.xml><?xml version="1.0" encoding="utf-8"?>
+<p:sld xmlns:a="http://schemas.openxmlformats.org/drawingml/2006/main" xmlns:r="http://schemas.openxmlformats.org/officeDocument/2006/relationships" xmlns:p="http://schemas.openxmlformats.org/presentationml/2006/main">
+  <p:cSld>
+    <p:spTree>
+      <p:nvGrpSpPr>
+        <p:cNvPr id="1" name=""/>
+        <p:cNvGrpSpPr/>
+        <p:nvPr/>
+      </p:nvGrpSpPr>
+      <p:grpSpPr>
+        <a:xfrm>
+          <a:off x="0" y="0"/>
+          <a:ext cx="0" cy="0"/>
+          <a:chOff x="0" y="0"/>
+          <a:chExt cx="0" cy="0"/>
+        </a:xfrm>
+      </p:grpSpPr>
+      <p:sp>
+        <p:nvSpPr>
           <p:cNvPr id="5" name="Text Placeholder 4"/>
           <p:cNvSpPr>
             <a:spLocks noGrp="1"/>
@@ -17276,7 +17815,7 @@
 </p:sld>
 </file>
 
-<file path=ppt/slides/slide21.xml><?xml version="1.0" encoding="utf-8"?>
+<file path=ppt/slides/slide23.xml><?xml version="1.0" encoding="utf-8"?>
 <p:sld xmlns:a="http://schemas.openxmlformats.org/drawingml/2006/main" xmlns:r="http://schemas.openxmlformats.org/officeDocument/2006/relationships" xmlns:p="http://schemas.openxmlformats.org/presentationml/2006/main">
   <p:cSld>
     <p:spTree>
@@ -18402,7 +18941,7 @@
 </p:sld>
 </file>
 
-<file path=ppt/slides/slide22.xml><?xml version="1.0" encoding="utf-8"?>
+<file path=ppt/slides/slide24.xml><?xml version="1.0" encoding="utf-8"?>
 <p:sld xmlns:a="http://schemas.openxmlformats.org/drawingml/2006/main" xmlns:r="http://schemas.openxmlformats.org/officeDocument/2006/relationships" xmlns:p="http://schemas.openxmlformats.org/presentationml/2006/main">
   <p:cSld>
     <p:spTree>
@@ -18457,7 +18996,7 @@
 </p:sld>
 </file>
 
-<file path=ppt/slides/slide23.xml><?xml version="1.0" encoding="utf-8"?>
+<file path=ppt/slides/slide25.xml><?xml version="1.0" encoding="utf-8"?>
 <p:sld xmlns:a="http://schemas.openxmlformats.org/drawingml/2006/main" xmlns:r="http://schemas.openxmlformats.org/officeDocument/2006/relationships" xmlns:p="http://schemas.openxmlformats.org/presentationml/2006/main">
   <p:cSld>
     <p:spTree>
@@ -19681,7 +20220,7 @@
 </p:sld>
 </file>
 
-<file path=ppt/slides/slide24.xml><?xml version="1.0" encoding="utf-8"?>
+<file path=ppt/slides/slide26.xml><?xml version="1.0" encoding="utf-8"?>
 <p:sld xmlns:a="http://schemas.openxmlformats.org/drawingml/2006/main" xmlns:r="http://schemas.openxmlformats.org/officeDocument/2006/relationships" xmlns:p="http://schemas.openxmlformats.org/presentationml/2006/main">
   <p:cSld>
     <p:spTree>
@@ -20601,7 +21140,7 @@
 </p:sld>
 </file>
 
-<file path=ppt/slides/slide25.xml><?xml version="1.0" encoding="utf-8"?>
+<file path=ppt/slides/slide27.xml><?xml version="1.0" encoding="utf-8"?>
 <p:sld xmlns:a="http://schemas.openxmlformats.org/drawingml/2006/main" xmlns:r="http://schemas.openxmlformats.org/officeDocument/2006/relationships" xmlns:p="http://schemas.openxmlformats.org/presentationml/2006/main">
   <p:cSld>
     <p:spTree>
@@ -20767,7 +21306,7 @@
 </p:sld>
 </file>
 
-<file path=ppt/slides/slide26.xml><?xml version="1.0" encoding="utf-8"?>
+<file path=ppt/slides/slide28.xml><?xml version="1.0" encoding="utf-8"?>
 <p:sld xmlns:a="http://schemas.openxmlformats.org/drawingml/2006/main" xmlns:r="http://schemas.openxmlformats.org/officeDocument/2006/relationships" xmlns:p="http://schemas.openxmlformats.org/presentationml/2006/main">
   <p:cSld>
     <p:spTree>
@@ -20822,7 +21361,7 @@
 </p:sld>
 </file>
 
-<file path=ppt/slides/slide27.xml><?xml version="1.0" encoding="utf-8"?>
+<file path=ppt/slides/slide29.xml><?xml version="1.0" encoding="utf-8"?>
 <p:sld xmlns:a="http://schemas.openxmlformats.org/drawingml/2006/main" xmlns:r="http://schemas.openxmlformats.org/officeDocument/2006/relationships" xmlns:p="http://schemas.openxmlformats.org/presentationml/2006/main">
   <p:cSld>
     <p:spTree>
@@ -21441,371 +21980,6 @@
 </p:sld>
 </file>
 
-<file path=ppt/slides/slide28.xml><?xml version="1.0" encoding="utf-8"?>
-<p:sld xmlns:a="http://schemas.openxmlformats.org/drawingml/2006/main" xmlns:r="http://schemas.openxmlformats.org/officeDocument/2006/relationships" xmlns:p="http://schemas.openxmlformats.org/presentationml/2006/main">
-  <p:cSld>
-    <p:spTree>
-      <p:nvGrpSpPr>
-        <p:cNvPr id="1" name=""/>
-        <p:cNvGrpSpPr/>
-        <p:nvPr/>
-      </p:nvGrpSpPr>
-      <p:grpSpPr>
-        <a:xfrm>
-          <a:off x="0" y="0"/>
-          <a:ext cx="0" cy="0"/>
-          <a:chOff x="0" y="0"/>
-          <a:chExt cx="0" cy="0"/>
-        </a:xfrm>
-      </p:grpSpPr>
-      <p:sp>
-        <p:nvSpPr>
-          <p:cNvPr id="2" name="Title 1"/>
-          <p:cNvSpPr>
-            <a:spLocks noGrp="1"/>
-          </p:cNvSpPr>
-          <p:nvPr>
-            <p:ph type="title"/>
-          </p:nvPr>
-        </p:nvSpPr>
-        <p:spPr/>
-        <p:txBody>
-          <a:bodyPr/>
-          <a:lstStyle/>
-          <a:p>
-            <a:r>
-              <a:rPr lang="en-US" dirty="0"/>
-              <a:t>Azure Backup Steps</a:t>
-            </a:r>
-          </a:p>
-        </p:txBody>
-      </p:sp>
-      <p:pic>
-        <p:nvPicPr>
-          <p:cNvPr id="13" name="Picture 12"/>
-          <p:cNvPicPr>
-            <a:picLocks noChangeAspect="1"/>
-          </p:cNvPicPr>
-          <p:nvPr/>
-        </p:nvPicPr>
-        <p:blipFill>
-          <a:blip r:embed="rId3">
-            <a:extLst>
-              <a:ext uri="{28A0092B-C50C-407E-A947-70E740481C1C}">
-                <a14:useLocalDpi xmlns:a14="http://schemas.microsoft.com/office/drawing/2010/main" val="0"/>
-              </a:ext>
-            </a:extLst>
-          </a:blip>
-          <a:stretch>
-            <a:fillRect/>
-          </a:stretch>
-        </p:blipFill>
-        <p:spPr>
-          <a:xfrm>
-            <a:off x="764299" y="2266788"/>
-            <a:ext cx="10551120" cy="3587912"/>
-          </a:xfrm>
-          <a:prstGeom prst="rect">
-            <a:avLst/>
-          </a:prstGeom>
-        </p:spPr>
-      </p:pic>
-    </p:spTree>
-    <p:extLst>
-      <p:ext uri="{BB962C8B-B14F-4D97-AF65-F5344CB8AC3E}">
-        <p14:creationId xmlns:p14="http://schemas.microsoft.com/office/powerpoint/2010/main" val="4042180359"/>
-      </p:ext>
-    </p:extLst>
-  </p:cSld>
-  <p:clrMapOvr>
-    <a:masterClrMapping/>
-  </p:clrMapOvr>
-  <p:transition>
-    <p:fade/>
-  </p:transition>
-</p:sld>
-</file>
-
-<file path=ppt/slides/slide29.xml><?xml version="1.0" encoding="utf-8"?>
-<p:sld xmlns:a="http://schemas.openxmlformats.org/drawingml/2006/main" xmlns:r="http://schemas.openxmlformats.org/officeDocument/2006/relationships" xmlns:p="http://schemas.openxmlformats.org/presentationml/2006/main">
-  <p:cSld>
-    <p:spTree>
-      <p:nvGrpSpPr>
-        <p:cNvPr id="1" name=""/>
-        <p:cNvGrpSpPr/>
-        <p:nvPr/>
-      </p:nvGrpSpPr>
-      <p:grpSpPr>
-        <a:xfrm>
-          <a:off x="0" y="0"/>
-          <a:ext cx="0" cy="0"/>
-          <a:chOff x="0" y="0"/>
-          <a:chExt cx="0" cy="0"/>
-        </a:xfrm>
-      </p:grpSpPr>
-      <p:sp>
-        <p:nvSpPr>
-          <p:cNvPr id="2" name="Title 1"/>
-          <p:cNvSpPr>
-            <a:spLocks noGrp="1"/>
-          </p:cNvSpPr>
-          <p:nvPr>
-            <p:ph type="title"/>
-          </p:nvPr>
-        </p:nvSpPr>
-        <p:spPr/>
-        <p:txBody>
-          <a:bodyPr/>
-          <a:lstStyle/>
-          <a:p>
-            <a:r>
-              <a:rPr lang="en-US" dirty="0"/>
-              <a:t>Azure Backup – Things to know</a:t>
-            </a:r>
-          </a:p>
-        </p:txBody>
-      </p:sp>
-      <p:sp>
-        <p:nvSpPr>
-          <p:cNvPr id="3" name="Content Placeholder 2"/>
-          <p:cNvSpPr>
-            <a:spLocks noGrp="1"/>
-          </p:cNvSpPr>
-          <p:nvPr>
-            <p:ph sz="quarter" idx="10"/>
-          </p:nvPr>
-        </p:nvSpPr>
-        <p:spPr>
-          <a:xfrm>
-            <a:off x="268288" y="1398397"/>
-            <a:ext cx="11542503" cy="4979825"/>
-          </a:xfrm>
-        </p:spPr>
-        <p:txBody>
-          <a:bodyPr/>
-          <a:lstStyle/>
-          <a:p>
-            <a:pPr marL="342900" indent="-342900">
-              <a:spcAft>
-                <a:spcPts val="600"/>
-              </a:spcAft>
-            </a:pPr>
-            <a:r>
-              <a:rPr lang="en-US" sz="2800" dirty="0">
-                <a:gradFill>
-                  <a:gsLst>
-                    <a:gs pos="2917">
-                      <a:schemeClr val="tx1"/>
-                    </a:gs>
-                    <a:gs pos="30000">
-                      <a:schemeClr val="tx1"/>
-                    </a:gs>
-                  </a:gsLst>
-                  <a:lin ang="5400000" scaled="0"/>
-                </a:gradFill>
-              </a:rPr>
-              <a:t>Supports 64-bits Windows Server and Windows clients </a:t>
-            </a:r>
-          </a:p>
-          <a:p>
-            <a:pPr marL="342900" indent="-342900">
-              <a:spcAft>
-                <a:spcPts val="600"/>
-              </a:spcAft>
-            </a:pPr>
-            <a:r>
-              <a:rPr lang="en-US" sz="2800" dirty="0">
-                <a:gradFill>
-                  <a:gsLst>
-                    <a:gs pos="2917">
-                      <a:schemeClr val="tx1"/>
-                    </a:gs>
-                    <a:gs pos="30000">
-                      <a:schemeClr val="tx1"/>
-                    </a:gs>
-                  </a:gsLst>
-                  <a:lin ang="5400000" scaled="0"/>
-                </a:gradFill>
-              </a:rPr>
-              <a:t>VM Backups are local to the region, need at least one vault per region</a:t>
-            </a:r>
-          </a:p>
-          <a:p>
-            <a:pPr marL="342900" indent="-342900">
-              <a:spcAft>
-                <a:spcPts val="600"/>
-              </a:spcAft>
-            </a:pPr>
-            <a:r>
-              <a:rPr lang="en-US" sz="2800" dirty="0">
-                <a:gradFill>
-                  <a:gsLst>
-                    <a:gs pos="2917">
-                      <a:schemeClr val="tx1"/>
-                    </a:gs>
-                    <a:gs pos="30000">
-                      <a:schemeClr val="tx1"/>
-                    </a:gs>
-                  </a:gsLst>
-                  <a:lin ang="5400000" scaled="0"/>
-                </a:gradFill>
-              </a:rPr>
-              <a:t>Supports VMs with up to 16 disks plus the OS disk</a:t>
-            </a:r>
-          </a:p>
-          <a:p>
-            <a:pPr marL="342900" indent="-342900">
-              <a:spcAft>
-                <a:spcPts val="600"/>
-              </a:spcAft>
-            </a:pPr>
-            <a:r>
-              <a:rPr lang="en-US" sz="2800" dirty="0">
-                <a:gradFill>
-                  <a:gsLst>
-                    <a:gs pos="2917">
-                      <a:schemeClr val="tx1"/>
-                    </a:gs>
-                    <a:gs pos="30000">
-                      <a:schemeClr val="tx1"/>
-                    </a:gs>
-                  </a:gsLst>
-                  <a:lin ang="5400000" scaled="0"/>
-                </a:gradFill>
-              </a:rPr>
-              <a:t>Supports encrypted disks</a:t>
-            </a:r>
-          </a:p>
-          <a:p>
-            <a:pPr marL="342900" indent="-342900">
-              <a:spcAft>
-                <a:spcPts val="600"/>
-              </a:spcAft>
-            </a:pPr>
-            <a:r>
-              <a:rPr lang="en-US" sz="2800" dirty="0">
-                <a:gradFill>
-                  <a:gsLst>
-                    <a:gs pos="2917">
-                      <a:schemeClr val="tx1"/>
-                    </a:gs>
-                    <a:gs pos="30000">
-                      <a:schemeClr val="tx1"/>
-                    </a:gs>
-                  </a:gsLst>
-                  <a:lin ang="5400000" scaled="0"/>
-                </a:gradFill>
-              </a:rPr>
-              <a:t>VM backups can be retained up to 99 years</a:t>
-            </a:r>
-          </a:p>
-          <a:p>
-            <a:pPr marL="342900" indent="-342900">
-              <a:spcAft>
-                <a:spcPts val="600"/>
-              </a:spcAft>
-            </a:pPr>
-            <a:r>
-              <a:rPr lang="en-US" sz="2800" dirty="0">
-                <a:gradFill>
-                  <a:gsLst>
-                    <a:gs pos="2917">
-                      <a:schemeClr val="tx1"/>
-                    </a:gs>
-                    <a:gs pos="30000">
-                      <a:schemeClr val="tx1"/>
-                    </a:gs>
-                  </a:gsLst>
-                  <a:lin ang="5400000" scaled="0"/>
-                </a:gradFill>
-              </a:rPr>
-              <a:t>Maximum 25 backup vaults per subscription</a:t>
-            </a:r>
-          </a:p>
-          <a:p>
-            <a:pPr marL="342900" indent="-342900">
-              <a:spcAft>
-                <a:spcPts val="600"/>
-              </a:spcAft>
-            </a:pPr>
-            <a:r>
-              <a:rPr lang="en-US" sz="2800" dirty="0">
-                <a:gradFill>
-                  <a:gsLst>
-                    <a:gs pos="2917">
-                      <a:schemeClr val="tx1"/>
-                    </a:gs>
-                    <a:gs pos="30000">
-                      <a:schemeClr val="tx1"/>
-                    </a:gs>
-                  </a:gsLst>
-                  <a:lin ang="5400000" scaled="0"/>
-                </a:gradFill>
-              </a:rPr>
-              <a:t>Up to 50 machines or 100 Azure VMs per vault</a:t>
-            </a:r>
-          </a:p>
-          <a:p>
-            <a:pPr marL="342900" indent="-342900">
-              <a:spcAft>
-                <a:spcPts val="600"/>
-              </a:spcAft>
-            </a:pPr>
-            <a:r>
-              <a:rPr lang="en-US" sz="2800" dirty="0">
-                <a:solidFill>
-                  <a:srgbClr val="FFFF00"/>
-                </a:solidFill>
-              </a:rPr>
-              <a:t>V2 VM support is in private preview</a:t>
-            </a:r>
-            <a:endParaRPr lang="en-US" sz="2800" dirty="0">
-              <a:gradFill>
-                <a:gsLst>
-                  <a:gs pos="2917">
-                    <a:schemeClr val="tx1"/>
-                  </a:gs>
-                  <a:gs pos="30000">
-                    <a:schemeClr val="tx1"/>
-                  </a:gs>
-                </a:gsLst>
-                <a:lin ang="5400000" scaled="0"/>
-              </a:gradFill>
-            </a:endParaRPr>
-          </a:p>
-          <a:p>
-            <a:pPr marL="342900" indent="-342900">
-              <a:spcAft>
-                <a:spcPts val="600"/>
-              </a:spcAft>
-            </a:pPr>
-            <a:r>
-              <a:rPr lang="en-US" sz="2800" dirty="0">
-                <a:solidFill>
-                  <a:srgbClr val="FFFF00"/>
-                </a:solidFill>
-              </a:rPr>
-              <a:t>Backup for VM with premium storage in public preview</a:t>
-            </a:r>
-          </a:p>
-        </p:txBody>
-      </p:sp>
-    </p:spTree>
-    <p:extLst>
-      <p:ext uri="{BB962C8B-B14F-4D97-AF65-F5344CB8AC3E}">
-        <p14:creationId xmlns:p14="http://schemas.microsoft.com/office/powerpoint/2010/main" val="811319642"/>
-      </p:ext>
-    </p:extLst>
-  </p:cSld>
-  <p:clrMapOvr>
-    <a:masterClrMapping/>
-  </p:clrMapOvr>
-  <p:transition>
-    <p:fade/>
-  </p:transition>
-</p:sld>
-</file>
-
 <file path=ppt/slides/slide3.xml><?xml version="1.0" encoding="utf-8"?>
 <p:sld xmlns:a="http://schemas.openxmlformats.org/drawingml/2006/main" xmlns:r="http://schemas.openxmlformats.org/officeDocument/2006/relationships" xmlns:p="http://schemas.openxmlformats.org/presentationml/2006/main">
   <p:cSld>
@@ -21895,6 +22069,371 @@
           <a:p>
             <a:r>
               <a:rPr lang="en-US" dirty="0"/>
+              <a:t>Azure Backup Steps</a:t>
+            </a:r>
+          </a:p>
+        </p:txBody>
+      </p:sp>
+      <p:pic>
+        <p:nvPicPr>
+          <p:cNvPr id="13" name="Picture 12"/>
+          <p:cNvPicPr>
+            <a:picLocks noChangeAspect="1"/>
+          </p:cNvPicPr>
+          <p:nvPr/>
+        </p:nvPicPr>
+        <p:blipFill>
+          <a:blip r:embed="rId3">
+            <a:extLst>
+              <a:ext uri="{28A0092B-C50C-407E-A947-70E740481C1C}">
+                <a14:useLocalDpi xmlns:a14="http://schemas.microsoft.com/office/drawing/2010/main" val="0"/>
+              </a:ext>
+            </a:extLst>
+          </a:blip>
+          <a:stretch>
+            <a:fillRect/>
+          </a:stretch>
+        </p:blipFill>
+        <p:spPr>
+          <a:xfrm>
+            <a:off x="764299" y="2266788"/>
+            <a:ext cx="10551120" cy="3587912"/>
+          </a:xfrm>
+          <a:prstGeom prst="rect">
+            <a:avLst/>
+          </a:prstGeom>
+        </p:spPr>
+      </p:pic>
+    </p:spTree>
+    <p:extLst>
+      <p:ext uri="{BB962C8B-B14F-4D97-AF65-F5344CB8AC3E}">
+        <p14:creationId xmlns:p14="http://schemas.microsoft.com/office/powerpoint/2010/main" val="4042180359"/>
+      </p:ext>
+    </p:extLst>
+  </p:cSld>
+  <p:clrMapOvr>
+    <a:masterClrMapping/>
+  </p:clrMapOvr>
+  <p:transition>
+    <p:fade/>
+  </p:transition>
+</p:sld>
+</file>
+
+<file path=ppt/slides/slide31.xml><?xml version="1.0" encoding="utf-8"?>
+<p:sld xmlns:a="http://schemas.openxmlformats.org/drawingml/2006/main" xmlns:r="http://schemas.openxmlformats.org/officeDocument/2006/relationships" xmlns:p="http://schemas.openxmlformats.org/presentationml/2006/main">
+  <p:cSld>
+    <p:spTree>
+      <p:nvGrpSpPr>
+        <p:cNvPr id="1" name=""/>
+        <p:cNvGrpSpPr/>
+        <p:nvPr/>
+      </p:nvGrpSpPr>
+      <p:grpSpPr>
+        <a:xfrm>
+          <a:off x="0" y="0"/>
+          <a:ext cx="0" cy="0"/>
+          <a:chOff x="0" y="0"/>
+          <a:chExt cx="0" cy="0"/>
+        </a:xfrm>
+      </p:grpSpPr>
+      <p:sp>
+        <p:nvSpPr>
+          <p:cNvPr id="2" name="Title 1"/>
+          <p:cNvSpPr>
+            <a:spLocks noGrp="1"/>
+          </p:cNvSpPr>
+          <p:nvPr>
+            <p:ph type="title"/>
+          </p:nvPr>
+        </p:nvSpPr>
+        <p:spPr/>
+        <p:txBody>
+          <a:bodyPr/>
+          <a:lstStyle/>
+          <a:p>
+            <a:r>
+              <a:rPr lang="en-US" dirty="0"/>
+              <a:t>Azure Backup – Things to know</a:t>
+            </a:r>
+          </a:p>
+        </p:txBody>
+      </p:sp>
+      <p:sp>
+        <p:nvSpPr>
+          <p:cNvPr id="3" name="Content Placeholder 2"/>
+          <p:cNvSpPr>
+            <a:spLocks noGrp="1"/>
+          </p:cNvSpPr>
+          <p:nvPr>
+            <p:ph sz="quarter" idx="10"/>
+          </p:nvPr>
+        </p:nvSpPr>
+        <p:spPr>
+          <a:xfrm>
+            <a:off x="268288" y="1398397"/>
+            <a:ext cx="11542503" cy="4979825"/>
+          </a:xfrm>
+        </p:spPr>
+        <p:txBody>
+          <a:bodyPr/>
+          <a:lstStyle/>
+          <a:p>
+            <a:pPr marL="342900" indent="-342900">
+              <a:spcAft>
+                <a:spcPts val="600"/>
+              </a:spcAft>
+            </a:pPr>
+            <a:r>
+              <a:rPr lang="en-US" sz="2800" dirty="0">
+                <a:gradFill>
+                  <a:gsLst>
+                    <a:gs pos="2917">
+                      <a:schemeClr val="tx1"/>
+                    </a:gs>
+                    <a:gs pos="30000">
+                      <a:schemeClr val="tx1"/>
+                    </a:gs>
+                  </a:gsLst>
+                  <a:lin ang="5400000" scaled="0"/>
+                </a:gradFill>
+              </a:rPr>
+              <a:t>Supports 64-bits Windows Server and Windows clients </a:t>
+            </a:r>
+          </a:p>
+          <a:p>
+            <a:pPr marL="342900" indent="-342900">
+              <a:spcAft>
+                <a:spcPts val="600"/>
+              </a:spcAft>
+            </a:pPr>
+            <a:r>
+              <a:rPr lang="en-US" sz="2800" dirty="0">
+                <a:gradFill>
+                  <a:gsLst>
+                    <a:gs pos="2917">
+                      <a:schemeClr val="tx1"/>
+                    </a:gs>
+                    <a:gs pos="30000">
+                      <a:schemeClr val="tx1"/>
+                    </a:gs>
+                  </a:gsLst>
+                  <a:lin ang="5400000" scaled="0"/>
+                </a:gradFill>
+              </a:rPr>
+              <a:t>VM Backups are local to the region, need at least one vault per region</a:t>
+            </a:r>
+          </a:p>
+          <a:p>
+            <a:pPr marL="342900" indent="-342900">
+              <a:spcAft>
+                <a:spcPts val="600"/>
+              </a:spcAft>
+            </a:pPr>
+            <a:r>
+              <a:rPr lang="en-US" sz="2800" dirty="0">
+                <a:gradFill>
+                  <a:gsLst>
+                    <a:gs pos="2917">
+                      <a:schemeClr val="tx1"/>
+                    </a:gs>
+                    <a:gs pos="30000">
+                      <a:schemeClr val="tx1"/>
+                    </a:gs>
+                  </a:gsLst>
+                  <a:lin ang="5400000" scaled="0"/>
+                </a:gradFill>
+              </a:rPr>
+              <a:t>Supports VMs with up to 16 disks plus the OS disk</a:t>
+            </a:r>
+          </a:p>
+          <a:p>
+            <a:pPr marL="342900" indent="-342900">
+              <a:spcAft>
+                <a:spcPts val="600"/>
+              </a:spcAft>
+            </a:pPr>
+            <a:r>
+              <a:rPr lang="en-US" sz="2800" dirty="0">
+                <a:gradFill>
+                  <a:gsLst>
+                    <a:gs pos="2917">
+                      <a:schemeClr val="tx1"/>
+                    </a:gs>
+                    <a:gs pos="30000">
+                      <a:schemeClr val="tx1"/>
+                    </a:gs>
+                  </a:gsLst>
+                  <a:lin ang="5400000" scaled="0"/>
+                </a:gradFill>
+              </a:rPr>
+              <a:t>Supports encrypted disks</a:t>
+            </a:r>
+          </a:p>
+          <a:p>
+            <a:pPr marL="342900" indent="-342900">
+              <a:spcAft>
+                <a:spcPts val="600"/>
+              </a:spcAft>
+            </a:pPr>
+            <a:r>
+              <a:rPr lang="en-US" sz="2800" dirty="0">
+                <a:gradFill>
+                  <a:gsLst>
+                    <a:gs pos="2917">
+                      <a:schemeClr val="tx1"/>
+                    </a:gs>
+                    <a:gs pos="30000">
+                      <a:schemeClr val="tx1"/>
+                    </a:gs>
+                  </a:gsLst>
+                  <a:lin ang="5400000" scaled="0"/>
+                </a:gradFill>
+              </a:rPr>
+              <a:t>VM backups can be retained up to 99 years</a:t>
+            </a:r>
+          </a:p>
+          <a:p>
+            <a:pPr marL="342900" indent="-342900">
+              <a:spcAft>
+                <a:spcPts val="600"/>
+              </a:spcAft>
+            </a:pPr>
+            <a:r>
+              <a:rPr lang="en-US" sz="2800" dirty="0">
+                <a:gradFill>
+                  <a:gsLst>
+                    <a:gs pos="2917">
+                      <a:schemeClr val="tx1"/>
+                    </a:gs>
+                    <a:gs pos="30000">
+                      <a:schemeClr val="tx1"/>
+                    </a:gs>
+                  </a:gsLst>
+                  <a:lin ang="5400000" scaled="0"/>
+                </a:gradFill>
+              </a:rPr>
+              <a:t>Maximum 25 backup vaults per subscription</a:t>
+            </a:r>
+          </a:p>
+          <a:p>
+            <a:pPr marL="342900" indent="-342900">
+              <a:spcAft>
+                <a:spcPts val="600"/>
+              </a:spcAft>
+            </a:pPr>
+            <a:r>
+              <a:rPr lang="en-US" sz="2800" dirty="0">
+                <a:gradFill>
+                  <a:gsLst>
+                    <a:gs pos="2917">
+                      <a:schemeClr val="tx1"/>
+                    </a:gs>
+                    <a:gs pos="30000">
+                      <a:schemeClr val="tx1"/>
+                    </a:gs>
+                  </a:gsLst>
+                  <a:lin ang="5400000" scaled="0"/>
+                </a:gradFill>
+              </a:rPr>
+              <a:t>Up to 50 machines or 100 Azure VMs per vault</a:t>
+            </a:r>
+          </a:p>
+          <a:p>
+            <a:pPr marL="342900" indent="-342900">
+              <a:spcAft>
+                <a:spcPts val="600"/>
+              </a:spcAft>
+            </a:pPr>
+            <a:r>
+              <a:rPr lang="en-US" sz="2800" dirty="0">
+                <a:solidFill>
+                  <a:srgbClr val="FFFF00"/>
+                </a:solidFill>
+              </a:rPr>
+              <a:t>V2 VM support is in private preview</a:t>
+            </a:r>
+            <a:endParaRPr lang="en-US" sz="2800" dirty="0">
+              <a:gradFill>
+                <a:gsLst>
+                  <a:gs pos="2917">
+                    <a:schemeClr val="tx1"/>
+                  </a:gs>
+                  <a:gs pos="30000">
+                    <a:schemeClr val="tx1"/>
+                  </a:gs>
+                </a:gsLst>
+                <a:lin ang="5400000" scaled="0"/>
+              </a:gradFill>
+            </a:endParaRPr>
+          </a:p>
+          <a:p>
+            <a:pPr marL="342900" indent="-342900">
+              <a:spcAft>
+                <a:spcPts val="600"/>
+              </a:spcAft>
+            </a:pPr>
+            <a:r>
+              <a:rPr lang="en-US" sz="2800" dirty="0">
+                <a:solidFill>
+                  <a:srgbClr val="FFFF00"/>
+                </a:solidFill>
+              </a:rPr>
+              <a:t>Backup for VM with premium storage in public preview</a:t>
+            </a:r>
+          </a:p>
+        </p:txBody>
+      </p:sp>
+    </p:spTree>
+    <p:extLst>
+      <p:ext uri="{BB962C8B-B14F-4D97-AF65-F5344CB8AC3E}">
+        <p14:creationId xmlns:p14="http://schemas.microsoft.com/office/powerpoint/2010/main" val="811319642"/>
+      </p:ext>
+    </p:extLst>
+  </p:cSld>
+  <p:clrMapOvr>
+    <a:masterClrMapping/>
+  </p:clrMapOvr>
+  <p:transition>
+    <p:fade/>
+  </p:transition>
+</p:sld>
+</file>
+
+<file path=ppt/slides/slide32.xml><?xml version="1.0" encoding="utf-8"?>
+<p:sld xmlns:a="http://schemas.openxmlformats.org/drawingml/2006/main" xmlns:r="http://schemas.openxmlformats.org/officeDocument/2006/relationships" xmlns:p="http://schemas.openxmlformats.org/presentationml/2006/main">
+  <p:cSld>
+    <p:spTree>
+      <p:nvGrpSpPr>
+        <p:cNvPr id="1" name=""/>
+        <p:cNvGrpSpPr/>
+        <p:nvPr/>
+      </p:nvGrpSpPr>
+      <p:grpSpPr>
+        <a:xfrm>
+          <a:off x="0" y="0"/>
+          <a:ext cx="0" cy="0"/>
+          <a:chOff x="0" y="0"/>
+          <a:chExt cx="0" cy="0"/>
+        </a:xfrm>
+      </p:grpSpPr>
+      <p:sp>
+        <p:nvSpPr>
+          <p:cNvPr id="2" name="Title 1"/>
+          <p:cNvSpPr>
+            <a:spLocks noGrp="1"/>
+          </p:cNvSpPr>
+          <p:nvPr>
+            <p:ph type="title"/>
+          </p:nvPr>
+        </p:nvSpPr>
+        <p:spPr/>
+        <p:txBody>
+          <a:bodyPr/>
+          <a:lstStyle/>
+          <a:p>
+            <a:r>
+              <a:rPr lang="en-US" dirty="0"/>
               <a:t>Azure Site Recovery</a:t>
             </a:r>
           </a:p>
@@ -21916,7 +22455,7 @@
 </p:sld>
 </file>
 
-<file path=ppt/slides/slide31.xml><?xml version="1.0" encoding="utf-8"?>
+<file path=ppt/slides/slide33.xml><?xml version="1.0" encoding="utf-8"?>
 <p:sld xmlns:a="http://schemas.openxmlformats.org/drawingml/2006/main" xmlns:r="http://schemas.openxmlformats.org/officeDocument/2006/relationships" xmlns:p="http://schemas.openxmlformats.org/presentationml/2006/main">
   <p:cSld>
     <p:spTree>
@@ -31131,7 +31670,7 @@
 </p:sld>
 </file>
 
-<file path=ppt/slides/slide32.xml><?xml version="1.0" encoding="utf-8"?>
+<file path=ppt/slides/slide34.xml><?xml version="1.0" encoding="utf-8"?>
 <p:sld xmlns:a="http://schemas.openxmlformats.org/drawingml/2006/main" xmlns:r="http://schemas.openxmlformats.org/officeDocument/2006/relationships" xmlns:p="http://schemas.openxmlformats.org/presentationml/2006/main">
   <p:cSld>
     <p:spTree>
@@ -31200,23 +31739,14 @@
             <a:pPr marL="342900" indent="-342900"/>
             <a:r>
               <a:rPr lang="en-US" sz="3200" dirty="0"/>
-              <a:t>ASR is available in </a:t>
-            </a:r>
-            <a:r>
-              <a:rPr lang="en-US" sz="3200"/>
-              <a:t>ALL regions (including Gov.)</a:t>
-            </a:r>
-            <a:endParaRPr lang="en-US" sz="3200" dirty="0"/>
+              <a:t>ASR is available in ALL regions (including Gov.)</a:t>
+            </a:r>
           </a:p>
           <a:p>
             <a:pPr marL="342900" lvl="0" indent="-342900"/>
             <a:r>
-              <a:rPr lang="en-US" sz="3200"/>
-              <a:t>Network </a:t>
-            </a:r>
-            <a:r>
               <a:rPr lang="en-US" sz="3200" dirty="0"/>
-              <a:t>bandwidth is key, ExpressRoute is a good idea</a:t>
+              <a:t>Network bandwidth is key, ExpressRoute is a good idea</a:t>
             </a:r>
           </a:p>
           <a:p>
@@ -31244,36 +31774,27 @@
             <a:pPr marL="342900" lvl="0" indent="-342900"/>
             <a:r>
               <a:rPr lang="en-US" sz="3200" dirty="0"/>
-              <a:t>VMWare VMs </a:t>
+              <a:t>VMWare VMs to V2 </a:t>
             </a:r>
             <a:r>
               <a:rPr lang="en-US" sz="3200"/>
-              <a:t>to V2 </a:t>
+              <a:t>VMs coming </a:t>
             </a:r>
             <a:r>
               <a:rPr lang="en-US" sz="3200" dirty="0"/>
-              <a:t>VMs </a:t>
-            </a:r>
-            <a:r>
-              <a:rPr lang="en-US" sz="3200"/>
-              <a:t>dues soon</a:t>
+              <a:t>soon</a:t>
             </a:r>
           </a:p>
           <a:p>
             <a:pPr marL="342900" lvl="0" indent="-342900"/>
             <a:r>
-              <a:rPr lang="en-US" sz="3200">
+              <a:rPr lang="en-US" sz="3200" dirty="0">
                 <a:solidFill>
                   <a:srgbClr val="FFFF00"/>
                 </a:solidFill>
               </a:rPr>
               <a:t>Azure to Azure DR in private preview</a:t>
             </a:r>
-            <a:endParaRPr lang="en-US" sz="3200" dirty="0">
-              <a:solidFill>
-                <a:srgbClr val="FFFF00"/>
-              </a:solidFill>
-            </a:endParaRPr>
           </a:p>
         </p:txBody>
       </p:sp>
@@ -31293,7 +31814,7 @@
 </p:sld>
 </file>
 
-<file path=ppt/slides/slide33.xml><?xml version="1.0" encoding="utf-8"?>
+<file path=ppt/slides/slide35.xml><?xml version="1.0" encoding="utf-8"?>
 <p:sld xmlns:a="http://schemas.openxmlformats.org/drawingml/2006/main" xmlns:r="http://schemas.openxmlformats.org/officeDocument/2006/relationships" xmlns:p="http://schemas.openxmlformats.org/presentationml/2006/main">
   <p:cSld>
     <p:spTree>
@@ -31419,7 +31940,7 @@
 </p:sld>
 </file>
 
-<file path=ppt/slides/slide34.xml><?xml version="1.0" encoding="utf-8"?>
+<file path=ppt/slides/slide36.xml><?xml version="1.0" encoding="utf-8"?>
 <p:sld xmlns:a="http://schemas.openxmlformats.org/drawingml/2006/main" xmlns:r="http://schemas.openxmlformats.org/officeDocument/2006/relationships" xmlns:p="http://schemas.openxmlformats.org/presentationml/2006/main">
   <p:cSld>
     <p:spTree>
@@ -31482,7 +32003,7 @@
 </p:sld>
 </file>
 
-<file path=ppt/slides/slide35.xml><?xml version="1.0" encoding="utf-8"?>
+<file path=ppt/slides/slide37.xml><?xml version="1.0" encoding="utf-8"?>
 <p:sld xmlns:a="http://schemas.openxmlformats.org/drawingml/2006/main" xmlns:r="http://schemas.openxmlformats.org/officeDocument/2006/relationships" xmlns:p="http://schemas.openxmlformats.org/presentationml/2006/main">
   <p:cSld>
     <p:spTree>
@@ -31515,7 +32036,7 @@
 </p:sld>
 </file>
 
-<file path=ppt/slides/slide36.xml><?xml version="1.0" encoding="utf-8"?>
+<file path=ppt/slides/slide38.xml><?xml version="1.0" encoding="utf-8"?>
 <p:sld xmlns:a="http://schemas.openxmlformats.org/drawingml/2006/main" xmlns:r="http://schemas.openxmlformats.org/officeDocument/2006/relationships" xmlns:p="http://schemas.openxmlformats.org/presentationml/2006/main">
   <p:cSld>
     <p:spTree>
@@ -33365,7 +33886,7 @@
 </p:sld>
 </file>
 
-<file path=ppt/slides/slide37.xml><?xml version="1.0" encoding="utf-8"?>
+<file path=ppt/slides/slide39.xml><?xml version="1.0" encoding="utf-8"?>
 <p:sld xmlns:a="http://schemas.openxmlformats.org/drawingml/2006/main" xmlns:r="http://schemas.openxmlformats.org/officeDocument/2006/relationships" xmlns:p="http://schemas.openxmlformats.org/presentationml/2006/main">
   <p:cSld>
     <p:spTree>
@@ -33538,7 +34059,134 @@
 </p:sld>
 </file>
 
-<file path=ppt/slides/slide38.xml><?xml version="1.0" encoding="utf-8"?>
+<file path=ppt/slides/slide4.xml><?xml version="1.0" encoding="utf-8"?>
+<p:sld xmlns:a="http://schemas.openxmlformats.org/drawingml/2006/main" xmlns:r="http://schemas.openxmlformats.org/officeDocument/2006/relationships" xmlns:p="http://schemas.openxmlformats.org/presentationml/2006/main">
+  <p:cSld>
+    <p:spTree>
+      <p:nvGrpSpPr>
+        <p:cNvPr id="1" name=""/>
+        <p:cNvGrpSpPr/>
+        <p:nvPr/>
+      </p:nvGrpSpPr>
+      <p:grpSpPr>
+        <a:xfrm>
+          <a:off x="0" y="0"/>
+          <a:ext cx="0" cy="0"/>
+          <a:chOff x="0" y="0"/>
+          <a:chExt cx="0" cy="0"/>
+        </a:xfrm>
+      </p:grpSpPr>
+      <p:sp>
+        <p:nvSpPr>
+          <p:cNvPr id="2" name="Title 1"/>
+          <p:cNvSpPr>
+            <a:spLocks noGrp="1"/>
+          </p:cNvSpPr>
+          <p:nvPr>
+            <p:ph type="title"/>
+          </p:nvPr>
+        </p:nvSpPr>
+        <p:spPr/>
+        <p:txBody>
+          <a:bodyPr/>
+          <a:lstStyle/>
+          <a:p>
+            <a:r>
+              <a:rPr lang="en-US" dirty="0"/>
+              <a:t>Why Server AD in Azure?</a:t>
+            </a:r>
+          </a:p>
+        </p:txBody>
+      </p:sp>
+      <p:sp>
+        <p:nvSpPr>
+          <p:cNvPr id="3" name="Content Placeholder 2"/>
+          <p:cNvSpPr>
+            <a:spLocks noGrp="1"/>
+          </p:cNvSpPr>
+          <p:nvPr>
+            <p:ph sz="quarter" idx="10"/>
+          </p:nvPr>
+        </p:nvSpPr>
+        <p:spPr>
+          <a:xfrm>
+            <a:off x="268288" y="1398397"/>
+            <a:ext cx="11542503" cy="5256403"/>
+          </a:xfrm>
+        </p:spPr>
+        <p:txBody>
+          <a:bodyPr>
+            <a:normAutofit fontScale="92500" lnSpcReduction="20000"/>
+          </a:bodyPr>
+          <a:lstStyle/>
+          <a:p>
+            <a:r>
+              <a:rPr lang="en-US" dirty="0"/>
+              <a:t>Migration of existing on-premises workloads</a:t>
+            </a:r>
+          </a:p>
+          <a:p>
+            <a:endParaRPr lang="en-US" dirty="0"/>
+          </a:p>
+          <a:p>
+            <a:r>
+              <a:rPr lang="en-US" dirty="0"/>
+              <a:t>Workload specific requirements</a:t>
+            </a:r>
+          </a:p>
+          <a:p>
+            <a:pPr lvl="1"/>
+            <a:r>
+              <a:rPr lang="en-US" dirty="0"/>
+              <a:t>Example: SQL Server Always-On Cluster</a:t>
+            </a:r>
+          </a:p>
+          <a:p>
+            <a:endParaRPr lang="en-US" dirty="0"/>
+          </a:p>
+          <a:p>
+            <a:r>
+              <a:rPr lang="en-US" dirty="0"/>
+              <a:t>Disaster recovery</a:t>
+            </a:r>
+          </a:p>
+          <a:p>
+            <a:endParaRPr lang="en-US" dirty="0"/>
+          </a:p>
+          <a:p>
+            <a:r>
+              <a:rPr lang="en-US" dirty="0"/>
+              <a:t>Dev/Test</a:t>
+            </a:r>
+          </a:p>
+          <a:p>
+            <a:endParaRPr lang="en-US" dirty="0"/>
+          </a:p>
+          <a:p>
+            <a:r>
+              <a:rPr lang="en-US" dirty="0"/>
+              <a:t>Hybrid</a:t>
+            </a:r>
+          </a:p>
+        </p:txBody>
+      </p:sp>
+    </p:spTree>
+    <p:extLst>
+      <p:ext uri="{BB962C8B-B14F-4D97-AF65-F5344CB8AC3E}">
+        <p14:creationId xmlns:p14="http://schemas.microsoft.com/office/powerpoint/2010/main" val="2762394117"/>
+      </p:ext>
+    </p:extLst>
+  </p:cSld>
+  <p:clrMapOvr>
+    <a:masterClrMapping/>
+  </p:clrMapOvr>
+  <p:transition>
+    <p:fade/>
+  </p:transition>
+</p:sld>
+</file>
+
+<file path=ppt/slides/slide40.xml><?xml version="1.0" encoding="utf-8"?>
 <p:sld xmlns:a="http://schemas.openxmlformats.org/drawingml/2006/main" xmlns:r="http://schemas.openxmlformats.org/officeDocument/2006/relationships" xmlns:p="http://schemas.openxmlformats.org/presentationml/2006/main">
   <p:cSld>
     <p:spTree>
@@ -33768,394 +34416,6 @@
 </p:sld>
 </file>
 
-<file path=ppt/slides/slide39.xml><?xml version="1.0" encoding="utf-8"?>
-<p:sld xmlns:a="http://schemas.openxmlformats.org/drawingml/2006/main" xmlns:r="http://schemas.openxmlformats.org/officeDocument/2006/relationships" xmlns:p="http://schemas.openxmlformats.org/presentationml/2006/main">
-  <p:cSld>
-    <p:spTree>
-      <p:nvGrpSpPr>
-        <p:cNvPr id="1" name=""/>
-        <p:cNvGrpSpPr/>
-        <p:nvPr/>
-      </p:nvGrpSpPr>
-      <p:grpSpPr>
-        <a:xfrm>
-          <a:off x="0" y="0"/>
-          <a:ext cx="0" cy="0"/>
-          <a:chOff x="0" y="0"/>
-          <a:chExt cx="0" cy="0"/>
-        </a:xfrm>
-      </p:grpSpPr>
-      <p:sp>
-        <p:nvSpPr>
-          <p:cNvPr id="2" name="Title 1"/>
-          <p:cNvSpPr>
-            <a:spLocks noGrp="1"/>
-          </p:cNvSpPr>
-          <p:nvPr>
-            <p:ph type="title"/>
-          </p:nvPr>
-        </p:nvSpPr>
-        <p:spPr/>
-        <p:txBody>
-          <a:bodyPr/>
-          <a:lstStyle/>
-          <a:p>
-            <a:r>
-              <a:rPr lang="en-US" dirty="0"/>
-              <a:t>Cloud Backup Benefits</a:t>
-            </a:r>
-          </a:p>
-        </p:txBody>
-      </p:sp>
-      <p:sp>
-        <p:nvSpPr>
-          <p:cNvPr id="4" name="TextBox 3"/>
-          <p:cNvSpPr txBox="1"/>
-          <p:nvPr/>
-        </p:nvSpPr>
-        <p:spPr>
-          <a:xfrm>
-            <a:off x="215372" y="1329276"/>
-            <a:ext cx="10163662" cy="3256623"/>
-          </a:xfrm>
-          <a:prstGeom prst="rect">
-            <a:avLst/>
-          </a:prstGeom>
-          <a:noFill/>
-        </p:spPr>
-        <p:txBody>
-          <a:bodyPr wrap="square" lIns="179285" tIns="143428" rIns="179285" bIns="143428" rtlCol="0">
-            <a:spAutoFit/>
-          </a:bodyPr>
-          <a:lstStyle/>
-          <a:p>
-            <a:pPr marL="285750" indent="-285750">
-              <a:lnSpc>
-                <a:spcPct val="90000"/>
-              </a:lnSpc>
-              <a:spcAft>
-                <a:spcPts val="588"/>
-              </a:spcAft>
-              <a:buFont typeface="Arial" panose="020B0604020202020204" pitchFamily="34" charset="0"/>
-              <a:buChar char="•"/>
-            </a:pPr>
-            <a:r>
-              <a:rPr lang="en-US" sz="2400" dirty="0">
-                <a:gradFill>
-                  <a:gsLst>
-                    <a:gs pos="2917">
-                      <a:srgbClr val="FFFFFF"/>
-                    </a:gs>
-                    <a:gs pos="30000">
-                      <a:srgbClr val="FFFFFF"/>
-                    </a:gs>
-                  </a:gsLst>
-                  <a:lin ang="5400000" scaled="0"/>
-                </a:gradFill>
-              </a:rPr>
-              <a:t>Decrease reliance on tape backup to save money and increase agility</a:t>
-            </a:r>
-          </a:p>
-          <a:p>
-            <a:pPr marL="285750" indent="-285750">
-              <a:lnSpc>
-                <a:spcPct val="90000"/>
-              </a:lnSpc>
-              <a:spcAft>
-                <a:spcPts val="588"/>
-              </a:spcAft>
-              <a:buFont typeface="Arial" panose="020B0604020202020204" pitchFamily="34" charset="0"/>
-              <a:buChar char="•"/>
-            </a:pPr>
-            <a:r>
-              <a:rPr lang="en-US" sz="2400" dirty="0">
-                <a:gradFill>
-                  <a:gsLst>
-                    <a:gs pos="2917">
-                      <a:srgbClr val="FFFFFF"/>
-                    </a:gs>
-                    <a:gs pos="30000">
-                      <a:srgbClr val="FFFFFF"/>
-                    </a:gs>
-                  </a:gsLst>
-                  <a:lin ang="5400000" scaled="0"/>
-                </a:gradFill>
-              </a:rPr>
-              <a:t>Have confidence in the safety of your data with Azure’s cutting-edge security, privacy, and compliance practices</a:t>
-            </a:r>
-          </a:p>
-          <a:p>
-            <a:pPr marL="285750" indent="-285750">
-              <a:lnSpc>
-                <a:spcPct val="90000"/>
-              </a:lnSpc>
-              <a:spcAft>
-                <a:spcPts val="588"/>
-              </a:spcAft>
-              <a:buFont typeface="Arial" panose="020B0604020202020204" pitchFamily="34" charset="0"/>
-              <a:buChar char="•"/>
-            </a:pPr>
-            <a:r>
-              <a:rPr lang="en-US" sz="2400" dirty="0">
-                <a:gradFill>
-                  <a:gsLst>
-                    <a:gs pos="2917">
-                      <a:srgbClr val="FFFFFF"/>
-                    </a:gs>
-                    <a:gs pos="30000">
-                      <a:srgbClr val="FFFFFF"/>
-                    </a:gs>
-                  </a:gsLst>
-                  <a:lin ang="5400000" scaled="0"/>
-                </a:gradFill>
-              </a:rPr>
-              <a:t>Decrease the management overhead of backup processes with automation</a:t>
-            </a:r>
-          </a:p>
-          <a:p>
-            <a:pPr marL="285750" indent="-285750">
-              <a:lnSpc>
-                <a:spcPct val="90000"/>
-              </a:lnSpc>
-              <a:spcAft>
-                <a:spcPts val="588"/>
-              </a:spcAft>
-              <a:buFont typeface="Arial" panose="020B0604020202020204" pitchFamily="34" charset="0"/>
-              <a:buChar char="•"/>
-            </a:pPr>
-            <a:r>
-              <a:rPr lang="en-US" sz="2400" dirty="0">
-                <a:gradFill>
-                  <a:gsLst>
-                    <a:gs pos="2917">
-                      <a:srgbClr val="FFFFFF"/>
-                    </a:gs>
-                    <a:gs pos="30000">
-                      <a:srgbClr val="FFFFFF"/>
-                    </a:gs>
-                  </a:gsLst>
-                  <a:lin ang="5400000" scaled="0"/>
-                </a:gradFill>
-              </a:rPr>
-              <a:t>Reduce the dependence on offsite tape backup to accelerate recovery time</a:t>
-            </a:r>
-          </a:p>
-          <a:p>
-            <a:pPr marL="285750" indent="-285750">
-              <a:lnSpc>
-                <a:spcPct val="90000"/>
-              </a:lnSpc>
-              <a:spcAft>
-                <a:spcPts val="588"/>
-              </a:spcAft>
-              <a:buFont typeface="Arial" panose="020B0604020202020204" pitchFamily="34" charset="0"/>
-              <a:buChar char="•"/>
-            </a:pPr>
-            <a:r>
-              <a:rPr lang="en-US" sz="2400" dirty="0"/>
-              <a:t>Long term retention 99+ years</a:t>
-            </a:r>
-          </a:p>
-        </p:txBody>
-      </p:sp>
-    </p:spTree>
-    <p:extLst>
-      <p:ext uri="{BB962C8B-B14F-4D97-AF65-F5344CB8AC3E}">
-        <p14:creationId xmlns:p14="http://schemas.microsoft.com/office/powerpoint/2010/main" val="2889212199"/>
-      </p:ext>
-    </p:extLst>
-  </p:cSld>
-  <p:clrMapOvr>
-    <a:masterClrMapping/>
-  </p:clrMapOvr>
-  <p:transition>
-    <p:fade/>
-  </p:transition>
-</p:sld>
-</file>
-
-<file path=ppt/slides/slide4.xml><?xml version="1.0" encoding="utf-8"?>
-<p:sld xmlns:a="http://schemas.openxmlformats.org/drawingml/2006/main" xmlns:r="http://schemas.openxmlformats.org/officeDocument/2006/relationships" xmlns:p="http://schemas.openxmlformats.org/presentationml/2006/main">
-  <p:cSld>
-    <p:spTree>
-      <p:nvGrpSpPr>
-        <p:cNvPr id="1" name=""/>
-        <p:cNvGrpSpPr/>
-        <p:nvPr/>
-      </p:nvGrpSpPr>
-      <p:grpSpPr>
-        <a:xfrm>
-          <a:off x="0" y="0"/>
-          <a:ext cx="0" cy="0"/>
-          <a:chOff x="0" y="0"/>
-          <a:chExt cx="0" cy="0"/>
-        </a:xfrm>
-      </p:grpSpPr>
-      <p:sp>
-        <p:nvSpPr>
-          <p:cNvPr id="2" name="Title 1"/>
-          <p:cNvSpPr>
-            <a:spLocks noGrp="1"/>
-          </p:cNvSpPr>
-          <p:nvPr>
-            <p:ph type="title"/>
-          </p:nvPr>
-        </p:nvSpPr>
-        <p:spPr/>
-        <p:txBody>
-          <a:bodyPr/>
-          <a:lstStyle/>
-          <a:p>
-            <a:r>
-              <a:rPr lang="en-US" dirty="0"/>
-              <a:t>Why Server AD in Azure?</a:t>
-            </a:r>
-          </a:p>
-        </p:txBody>
-      </p:sp>
-      <p:sp>
-        <p:nvSpPr>
-          <p:cNvPr id="3" name="Content Placeholder 2"/>
-          <p:cNvSpPr>
-            <a:spLocks noGrp="1"/>
-          </p:cNvSpPr>
-          <p:nvPr>
-            <p:ph sz="quarter" idx="10"/>
-          </p:nvPr>
-        </p:nvSpPr>
-        <p:spPr>
-          <a:xfrm>
-            <a:off x="268288" y="1398397"/>
-            <a:ext cx="11542503" cy="5256403"/>
-          </a:xfrm>
-        </p:spPr>
-        <p:txBody>
-          <a:bodyPr>
-            <a:normAutofit fontScale="92500" lnSpcReduction="20000"/>
-          </a:bodyPr>
-          <a:lstStyle/>
-          <a:p>
-            <a:r>
-              <a:rPr lang="en-US" dirty="0"/>
-              <a:t>Migration of existing on-premises workloads</a:t>
-            </a:r>
-          </a:p>
-          <a:p>
-            <a:endParaRPr lang="en-US" dirty="0"/>
-          </a:p>
-          <a:p>
-            <a:r>
-              <a:rPr lang="en-US" dirty="0"/>
-              <a:t>Workload specific requirements</a:t>
-            </a:r>
-          </a:p>
-          <a:p>
-            <a:pPr lvl="1"/>
-            <a:r>
-              <a:rPr lang="en-US" dirty="0"/>
-              <a:t>Example: SQL Server Always-On Cluster</a:t>
-            </a:r>
-          </a:p>
-          <a:p>
-            <a:endParaRPr lang="en-US" dirty="0"/>
-          </a:p>
-          <a:p>
-            <a:r>
-              <a:rPr lang="en-US" dirty="0"/>
-              <a:t>Disaster recovery</a:t>
-            </a:r>
-          </a:p>
-          <a:p>
-            <a:endParaRPr lang="en-US" dirty="0"/>
-          </a:p>
-          <a:p>
-            <a:r>
-              <a:rPr lang="en-US" dirty="0"/>
-              <a:t>Dev/Test</a:t>
-            </a:r>
-          </a:p>
-          <a:p>
-            <a:endParaRPr lang="en-US" dirty="0"/>
-          </a:p>
-          <a:p>
-            <a:r>
-              <a:rPr lang="en-US" dirty="0"/>
-              <a:t>Hybrid</a:t>
-            </a:r>
-          </a:p>
-        </p:txBody>
-      </p:sp>
-    </p:spTree>
-    <p:extLst>
-      <p:ext uri="{BB962C8B-B14F-4D97-AF65-F5344CB8AC3E}">
-        <p14:creationId xmlns:p14="http://schemas.microsoft.com/office/powerpoint/2010/main" val="2762394117"/>
-      </p:ext>
-    </p:extLst>
-  </p:cSld>
-  <p:clrMapOvr>
-    <a:masterClrMapping/>
-  </p:clrMapOvr>
-  <p:transition>
-    <p:fade/>
-  </p:transition>
-</p:sld>
-</file>
-
-<file path=ppt/slides/slide40.xml><?xml version="1.0" encoding="utf-8"?>
-<p:sld xmlns:a="http://schemas.openxmlformats.org/drawingml/2006/main" xmlns:r="http://schemas.openxmlformats.org/officeDocument/2006/relationships" xmlns:p="http://schemas.openxmlformats.org/presentationml/2006/main">
-  <p:cSld>
-    <p:spTree>
-      <p:nvGrpSpPr>
-        <p:cNvPr id="1" name=""/>
-        <p:cNvGrpSpPr/>
-        <p:nvPr/>
-      </p:nvGrpSpPr>
-      <p:grpSpPr>
-        <a:xfrm>
-          <a:off x="0" y="0"/>
-          <a:ext cx="0" cy="0"/>
-          <a:chOff x="0" y="0"/>
-          <a:chExt cx="0" cy="0"/>
-        </a:xfrm>
-      </p:grpSpPr>
-      <p:sp>
-        <p:nvSpPr>
-          <p:cNvPr id="2" name="Title 1"/>
-          <p:cNvSpPr>
-            <a:spLocks noGrp="1"/>
-          </p:cNvSpPr>
-          <p:nvPr>
-            <p:ph type="title"/>
-          </p:nvPr>
-        </p:nvSpPr>
-        <p:spPr/>
-        <p:txBody>
-          <a:bodyPr/>
-          <a:lstStyle/>
-          <a:p>
-            <a:r>
-              <a:rPr lang="en-US"/>
-              <a:t>Linux on Azure</a:t>
-            </a:r>
-          </a:p>
-        </p:txBody>
-      </p:sp>
-    </p:spTree>
-    <p:extLst>
-      <p:ext uri="{BB962C8B-B14F-4D97-AF65-F5344CB8AC3E}">
-        <p14:creationId xmlns:p14="http://schemas.microsoft.com/office/powerpoint/2010/main" val="1800609660"/>
-      </p:ext>
-    </p:extLst>
-  </p:cSld>
-  <p:clrMapOvr>
-    <a:masterClrMapping/>
-  </p:clrMapOvr>
-  <p:transition>
-    <p:fade/>
-  </p:transition>
-</p:sld>
-</file>
-
 <file path=ppt/slides/slide41.xml><?xml version="1.0" encoding="utf-8"?>
 <p:sld xmlns:a="http://schemas.openxmlformats.org/drawingml/2006/main" xmlns:r="http://schemas.openxmlformats.org/officeDocument/2006/relationships" xmlns:p="http://schemas.openxmlformats.org/presentationml/2006/main">
   <p:cSld>
@@ -34190,6 +34450,267 @@
           <a:p>
             <a:r>
               <a:rPr lang="en-US" dirty="0"/>
+              <a:t>Cloud Backup Benefits</a:t>
+            </a:r>
+          </a:p>
+        </p:txBody>
+      </p:sp>
+      <p:sp>
+        <p:nvSpPr>
+          <p:cNvPr id="4" name="TextBox 3"/>
+          <p:cNvSpPr txBox="1"/>
+          <p:nvPr/>
+        </p:nvSpPr>
+        <p:spPr>
+          <a:xfrm>
+            <a:off x="215372" y="1329276"/>
+            <a:ext cx="10163662" cy="3256623"/>
+          </a:xfrm>
+          <a:prstGeom prst="rect">
+            <a:avLst/>
+          </a:prstGeom>
+          <a:noFill/>
+        </p:spPr>
+        <p:txBody>
+          <a:bodyPr wrap="square" lIns="179285" tIns="143428" rIns="179285" bIns="143428" rtlCol="0">
+            <a:spAutoFit/>
+          </a:bodyPr>
+          <a:lstStyle/>
+          <a:p>
+            <a:pPr marL="285750" indent="-285750">
+              <a:lnSpc>
+                <a:spcPct val="90000"/>
+              </a:lnSpc>
+              <a:spcAft>
+                <a:spcPts val="588"/>
+              </a:spcAft>
+              <a:buFont typeface="Arial" panose="020B0604020202020204" pitchFamily="34" charset="0"/>
+              <a:buChar char="•"/>
+            </a:pPr>
+            <a:r>
+              <a:rPr lang="en-US" sz="2400" dirty="0">
+                <a:gradFill>
+                  <a:gsLst>
+                    <a:gs pos="2917">
+                      <a:srgbClr val="FFFFFF"/>
+                    </a:gs>
+                    <a:gs pos="30000">
+                      <a:srgbClr val="FFFFFF"/>
+                    </a:gs>
+                  </a:gsLst>
+                  <a:lin ang="5400000" scaled="0"/>
+                </a:gradFill>
+              </a:rPr>
+              <a:t>Decrease reliance on tape backup to save money and increase agility</a:t>
+            </a:r>
+          </a:p>
+          <a:p>
+            <a:pPr marL="285750" indent="-285750">
+              <a:lnSpc>
+                <a:spcPct val="90000"/>
+              </a:lnSpc>
+              <a:spcAft>
+                <a:spcPts val="588"/>
+              </a:spcAft>
+              <a:buFont typeface="Arial" panose="020B0604020202020204" pitchFamily="34" charset="0"/>
+              <a:buChar char="•"/>
+            </a:pPr>
+            <a:r>
+              <a:rPr lang="en-US" sz="2400" dirty="0">
+                <a:gradFill>
+                  <a:gsLst>
+                    <a:gs pos="2917">
+                      <a:srgbClr val="FFFFFF"/>
+                    </a:gs>
+                    <a:gs pos="30000">
+                      <a:srgbClr val="FFFFFF"/>
+                    </a:gs>
+                  </a:gsLst>
+                  <a:lin ang="5400000" scaled="0"/>
+                </a:gradFill>
+              </a:rPr>
+              <a:t>Have confidence in the safety of your data with Azure’s cutting-edge security, privacy, and compliance practices</a:t>
+            </a:r>
+          </a:p>
+          <a:p>
+            <a:pPr marL="285750" indent="-285750">
+              <a:lnSpc>
+                <a:spcPct val="90000"/>
+              </a:lnSpc>
+              <a:spcAft>
+                <a:spcPts val="588"/>
+              </a:spcAft>
+              <a:buFont typeface="Arial" panose="020B0604020202020204" pitchFamily="34" charset="0"/>
+              <a:buChar char="•"/>
+            </a:pPr>
+            <a:r>
+              <a:rPr lang="en-US" sz="2400" dirty="0">
+                <a:gradFill>
+                  <a:gsLst>
+                    <a:gs pos="2917">
+                      <a:srgbClr val="FFFFFF"/>
+                    </a:gs>
+                    <a:gs pos="30000">
+                      <a:srgbClr val="FFFFFF"/>
+                    </a:gs>
+                  </a:gsLst>
+                  <a:lin ang="5400000" scaled="0"/>
+                </a:gradFill>
+              </a:rPr>
+              <a:t>Decrease the management overhead of backup processes with automation</a:t>
+            </a:r>
+          </a:p>
+          <a:p>
+            <a:pPr marL="285750" indent="-285750">
+              <a:lnSpc>
+                <a:spcPct val="90000"/>
+              </a:lnSpc>
+              <a:spcAft>
+                <a:spcPts val="588"/>
+              </a:spcAft>
+              <a:buFont typeface="Arial" panose="020B0604020202020204" pitchFamily="34" charset="0"/>
+              <a:buChar char="•"/>
+            </a:pPr>
+            <a:r>
+              <a:rPr lang="en-US" sz="2400" dirty="0">
+                <a:gradFill>
+                  <a:gsLst>
+                    <a:gs pos="2917">
+                      <a:srgbClr val="FFFFFF"/>
+                    </a:gs>
+                    <a:gs pos="30000">
+                      <a:srgbClr val="FFFFFF"/>
+                    </a:gs>
+                  </a:gsLst>
+                  <a:lin ang="5400000" scaled="0"/>
+                </a:gradFill>
+              </a:rPr>
+              <a:t>Reduce the dependence on offsite tape backup to accelerate recovery time</a:t>
+            </a:r>
+          </a:p>
+          <a:p>
+            <a:pPr marL="285750" indent="-285750">
+              <a:lnSpc>
+                <a:spcPct val="90000"/>
+              </a:lnSpc>
+              <a:spcAft>
+                <a:spcPts val="588"/>
+              </a:spcAft>
+              <a:buFont typeface="Arial" panose="020B0604020202020204" pitchFamily="34" charset="0"/>
+              <a:buChar char="•"/>
+            </a:pPr>
+            <a:r>
+              <a:rPr lang="en-US" sz="2400" dirty="0"/>
+              <a:t>Long term retention 99+ years</a:t>
+            </a:r>
+          </a:p>
+        </p:txBody>
+      </p:sp>
+    </p:spTree>
+    <p:extLst>
+      <p:ext uri="{BB962C8B-B14F-4D97-AF65-F5344CB8AC3E}">
+        <p14:creationId xmlns:p14="http://schemas.microsoft.com/office/powerpoint/2010/main" val="2889212199"/>
+      </p:ext>
+    </p:extLst>
+  </p:cSld>
+  <p:clrMapOvr>
+    <a:masterClrMapping/>
+  </p:clrMapOvr>
+  <p:transition>
+    <p:fade/>
+  </p:transition>
+</p:sld>
+</file>
+
+<file path=ppt/slides/slide42.xml><?xml version="1.0" encoding="utf-8"?>
+<p:sld xmlns:a="http://schemas.openxmlformats.org/drawingml/2006/main" xmlns:r="http://schemas.openxmlformats.org/officeDocument/2006/relationships" xmlns:p="http://schemas.openxmlformats.org/presentationml/2006/main">
+  <p:cSld>
+    <p:spTree>
+      <p:nvGrpSpPr>
+        <p:cNvPr id="1" name=""/>
+        <p:cNvGrpSpPr/>
+        <p:nvPr/>
+      </p:nvGrpSpPr>
+      <p:grpSpPr>
+        <a:xfrm>
+          <a:off x="0" y="0"/>
+          <a:ext cx="0" cy="0"/>
+          <a:chOff x="0" y="0"/>
+          <a:chExt cx="0" cy="0"/>
+        </a:xfrm>
+      </p:grpSpPr>
+      <p:sp>
+        <p:nvSpPr>
+          <p:cNvPr id="2" name="Title 1"/>
+          <p:cNvSpPr>
+            <a:spLocks noGrp="1"/>
+          </p:cNvSpPr>
+          <p:nvPr>
+            <p:ph type="title"/>
+          </p:nvPr>
+        </p:nvSpPr>
+        <p:spPr/>
+        <p:txBody>
+          <a:bodyPr/>
+          <a:lstStyle/>
+          <a:p>
+            <a:r>
+              <a:rPr lang="en-US"/>
+              <a:t>Linux on Azure</a:t>
+            </a:r>
+          </a:p>
+        </p:txBody>
+      </p:sp>
+    </p:spTree>
+    <p:extLst>
+      <p:ext uri="{BB962C8B-B14F-4D97-AF65-F5344CB8AC3E}">
+        <p14:creationId xmlns:p14="http://schemas.microsoft.com/office/powerpoint/2010/main" val="1800609660"/>
+      </p:ext>
+    </p:extLst>
+  </p:cSld>
+  <p:clrMapOvr>
+    <a:masterClrMapping/>
+  </p:clrMapOvr>
+  <p:transition>
+    <p:fade/>
+  </p:transition>
+</p:sld>
+</file>
+
+<file path=ppt/slides/slide43.xml><?xml version="1.0" encoding="utf-8"?>
+<p:sld xmlns:a="http://schemas.openxmlformats.org/drawingml/2006/main" xmlns:r="http://schemas.openxmlformats.org/officeDocument/2006/relationships" xmlns:p="http://schemas.openxmlformats.org/presentationml/2006/main">
+  <p:cSld>
+    <p:spTree>
+      <p:nvGrpSpPr>
+        <p:cNvPr id="1" name=""/>
+        <p:cNvGrpSpPr/>
+        <p:nvPr/>
+      </p:nvGrpSpPr>
+      <p:grpSpPr>
+        <a:xfrm>
+          <a:off x="0" y="0"/>
+          <a:ext cx="0" cy="0"/>
+          <a:chOff x="0" y="0"/>
+          <a:chExt cx="0" cy="0"/>
+        </a:xfrm>
+      </p:grpSpPr>
+      <p:sp>
+        <p:nvSpPr>
+          <p:cNvPr id="2" name="Title 1"/>
+          <p:cNvSpPr>
+            <a:spLocks noGrp="1"/>
+          </p:cNvSpPr>
+          <p:nvPr>
+            <p:ph type="title"/>
+          </p:nvPr>
+        </p:nvSpPr>
+        <p:spPr/>
+        <p:txBody>
+          <a:bodyPr/>
+          <a:lstStyle/>
+          <a:p>
+            <a:r>
+              <a:rPr lang="en-US" dirty="0"/>
               <a:t>Azure-Endorsed Linux Distributions</a:t>
             </a:r>
           </a:p>
@@ -34386,21 +34907,13 @@
             </a:pPr>
             <a:r>
               <a:rPr lang="en-US" sz="2400" dirty="0">
-                <a:gradFill>
-                  <a:gsLst>
-                    <a:gs pos="1250">
-                      <a:schemeClr val="tx1"/>
-                    </a:gs>
-                    <a:gs pos="100000">
-                      <a:schemeClr val="tx1"/>
-                    </a:gs>
-                  </a:gsLst>
-                  <a:lin ang="5400000" scaled="0"/>
-                </a:gradFill>
+                <a:solidFill>
+                  <a:srgbClr val="FFFF00"/>
+                </a:solidFill>
                 <a:latin typeface="+mj-lt"/>
                 <a:cs typeface="Segoe UI" panose="020B0502040204020203" pitchFamily="34" charset="0"/>
               </a:rPr>
-              <a:t>SUSE SLES 11SP3 only</a:t>
+              <a:t>SUSE SLES 11SP3 is the only one certified for SAP</a:t>
             </a:r>
           </a:p>
         </p:txBody>
@@ -35280,7 +35793,7 @@
 </p:sld>
 </file>
 
-<file path=ppt/slides/slide42.xml><?xml version="1.0" encoding="utf-8"?>
+<file path=ppt/slides/slide44.xml><?xml version="1.0" encoding="utf-8"?>
 <p:sld xmlns:a="http://schemas.openxmlformats.org/drawingml/2006/main" xmlns:r="http://schemas.openxmlformats.org/officeDocument/2006/relationships" xmlns:p="http://schemas.openxmlformats.org/presentationml/2006/main">
   <p:cSld>
     <p:spTree>
@@ -35309,17 +35822,19 @@
         </p:nvSpPr>
         <p:spPr>
           <a:xfrm>
-            <a:off x="269239" y="1189495"/>
-            <a:ext cx="11653523" cy="3754874"/>
+            <a:off x="269239" y="1189496"/>
+            <a:ext cx="11653523" cy="3834992"/>
           </a:xfrm>
         </p:spPr>
         <p:txBody>
-          <a:bodyPr/>
+          <a:bodyPr>
+            <a:normAutofit fontScale="92500" lnSpcReduction="10000"/>
+          </a:bodyPr>
           <a:lstStyle/>
           <a:p>
             <a:r>
               <a:rPr lang="en-US" dirty="0"/>
-              <a:t>Available either included in Azure-endorsed Linux distributions or directly from </a:t>
+              <a:t>Available in Azure-endorsed Linux distributions or directly from </a:t>
             </a:r>
             <a:r>
               <a:rPr lang="en-US" dirty="0" err="1"/>
@@ -35328,10 +35843,16 @@
             <a:endParaRPr lang="en-US" dirty="0"/>
           </a:p>
           <a:p>
+            <a:endParaRPr lang="en-US" dirty="0"/>
+          </a:p>
+          <a:p>
             <a:r>
               <a:rPr lang="en-US" dirty="0"/>
               <a:t>Installation using a RPM or DEB package is preferred</a:t>
             </a:r>
+          </a:p>
+          <a:p>
+            <a:endParaRPr lang="en-US" dirty="0"/>
           </a:p>
           <a:p>
             <a:r>
@@ -35664,7 +36185,7 @@
 </p:sld>
 </file>
 
-<file path=ppt/slides/slide43.xml><?xml version="1.0" encoding="utf-8"?>
+<file path=ppt/slides/slide45.xml><?xml version="1.0" encoding="utf-8"?>
 <p:sld xmlns:a="http://schemas.openxmlformats.org/drawingml/2006/main" xmlns:r="http://schemas.openxmlformats.org/officeDocument/2006/relationships" xmlns:p="http://schemas.openxmlformats.org/presentationml/2006/main">
   <p:cSld>
     <p:spTree>
@@ -35805,7 +36326,7 @@
 </p:sld>
 </file>
 
-<file path=ppt/slides/slide44.xml><?xml version="1.0" encoding="utf-8"?>
+<file path=ppt/slides/slide46.xml><?xml version="1.0" encoding="utf-8"?>
 <p:sld xmlns:a="http://schemas.openxmlformats.org/drawingml/2006/main" xmlns:r="http://schemas.openxmlformats.org/officeDocument/2006/relationships" xmlns:p="http://schemas.openxmlformats.org/presentationml/2006/main">
   <p:cSld>
     <p:spTree>
@@ -35950,7 +36471,7 @@
 </p:sld>
 </file>
 
-<file path=ppt/slides/slide45.xml><?xml version="1.0" encoding="utf-8"?>
+<file path=ppt/slides/slide47.xml><?xml version="1.0" encoding="utf-8"?>
 <p:sld xmlns:a="http://schemas.openxmlformats.org/drawingml/2006/main" xmlns:r="http://schemas.openxmlformats.org/officeDocument/2006/relationships" xmlns:p="http://schemas.openxmlformats.org/presentationml/2006/main">
   <p:cSld>
     <p:spTree>
@@ -36002,7 +36523,7 @@
         <p:spPr>
           <a:xfrm>
             <a:off x="268288" y="1398397"/>
-            <a:ext cx="11542503" cy="4567404"/>
+            <a:ext cx="11542503" cy="4124206"/>
           </a:xfrm>
         </p:spPr>
         <p:txBody>
@@ -36021,15 +36542,7 @@
             </a:pPr>
             <a:r>
               <a:rPr lang="en-US" sz="3200" dirty="0"/>
-              <a:t>SAP HANA developer, enterprise editions on SLES (announced at </a:t>
-            </a:r>
-            <a:r>
-              <a:rPr lang="en-US" sz="3200" dirty="0" err="1"/>
-              <a:t>SAPphire</a:t>
-            </a:r>
-            <a:r>
-              <a:rPr lang="en-US" sz="3200" dirty="0"/>
-              <a:t> in May)</a:t>
+              <a:t>SAP HANA developer, enterprise editions on SLES </a:t>
             </a:r>
           </a:p>
           <a:p>
@@ -36216,7 +36729,7 @@
 </p:sld>
 </file>
 
-<file path=ppt/slides/slide46.xml><?xml version="1.0" encoding="utf-8"?>
+<file path=ppt/slides/slide48.xml><?xml version="1.0" encoding="utf-8"?>
 <p:sld xmlns:a="http://schemas.openxmlformats.org/drawingml/2006/main" xmlns:r="http://schemas.openxmlformats.org/officeDocument/2006/relationships" xmlns:p="http://schemas.openxmlformats.org/presentationml/2006/main">
   <p:cSld>
     <p:spTree>
@@ -36271,7 +36784,7 @@
 </p:sld>
 </file>
 
-<file path=ppt/slides/slide47.xml><?xml version="1.0" encoding="utf-8"?>
+<file path=ppt/slides/slide49.xml><?xml version="1.0" encoding="utf-8"?>
 <p:sld xmlns:a="http://schemas.openxmlformats.org/drawingml/2006/main" xmlns:r="http://schemas.openxmlformats.org/officeDocument/2006/relationships" xmlns:p="http://schemas.openxmlformats.org/presentationml/2006/main">
   <p:cSld>
     <p:spTree>
@@ -41614,7 +42127,124 @@
 </p:sld>
 </file>
 
-<file path=ppt/slides/slide48.xml><?xml version="1.0" encoding="utf-8"?>
+<file path=ppt/slides/slide5.xml><?xml version="1.0" encoding="utf-8"?>
+<p:sld xmlns:a="http://schemas.openxmlformats.org/drawingml/2006/main" xmlns:r="http://schemas.openxmlformats.org/officeDocument/2006/relationships" xmlns:p="http://schemas.openxmlformats.org/presentationml/2006/main">
+  <p:cSld>
+    <p:spTree>
+      <p:nvGrpSpPr>
+        <p:cNvPr id="1" name=""/>
+        <p:cNvGrpSpPr/>
+        <p:nvPr/>
+      </p:nvGrpSpPr>
+      <p:grpSpPr>
+        <a:xfrm>
+          <a:off x="0" y="0"/>
+          <a:ext cx="0" cy="0"/>
+          <a:chOff x="0" y="0"/>
+          <a:chExt cx="0" cy="0"/>
+        </a:xfrm>
+      </p:grpSpPr>
+      <p:sp>
+        <p:nvSpPr>
+          <p:cNvPr id="2" name="Title 1"/>
+          <p:cNvSpPr>
+            <a:spLocks noGrp="1"/>
+          </p:cNvSpPr>
+          <p:nvPr>
+            <p:ph type="title"/>
+          </p:nvPr>
+        </p:nvSpPr>
+        <p:spPr/>
+        <p:txBody>
+          <a:bodyPr/>
+          <a:lstStyle/>
+          <a:p>
+            <a:r>
+              <a:rPr lang="en-US" sz="4800" dirty="0"/>
+              <a:t>Configurations of Server AD in Azure</a:t>
+            </a:r>
+          </a:p>
+        </p:txBody>
+      </p:sp>
+      <p:sp>
+        <p:nvSpPr>
+          <p:cNvPr id="3" name="Content Placeholder 2"/>
+          <p:cNvSpPr>
+            <a:spLocks noGrp="1"/>
+          </p:cNvSpPr>
+          <p:nvPr>
+            <p:ph sz="quarter" idx="10"/>
+          </p:nvPr>
+        </p:nvSpPr>
+        <p:spPr>
+          <a:xfrm>
+            <a:off x="268288" y="1398397"/>
+            <a:ext cx="11542503" cy="4961460"/>
+          </a:xfrm>
+        </p:spPr>
+        <p:txBody>
+          <a:bodyPr>
+            <a:normAutofit/>
+          </a:bodyPr>
+          <a:lstStyle/>
+          <a:p>
+            <a:r>
+              <a:rPr lang="en-US" dirty="0"/>
+              <a:t>Stand-alone environment with Server AD</a:t>
+            </a:r>
+          </a:p>
+          <a:p>
+            <a:pPr lvl="1"/>
+            <a:r>
+              <a:rPr lang="en-US" dirty="0"/>
+              <a:t>Typical for dev/test scenarios</a:t>
+            </a:r>
+          </a:p>
+          <a:p>
+            <a:pPr marL="99599" indent="0">
+              <a:buNone/>
+            </a:pPr>
+            <a:endParaRPr lang="en-US" dirty="0"/>
+          </a:p>
+          <a:p>
+            <a:r>
+              <a:rPr lang="en-US" dirty="0"/>
+              <a:t>Hybrid scenarios (VPN via Site-to-Site or ExpressRoute)</a:t>
+            </a:r>
+          </a:p>
+          <a:p>
+            <a:pPr lvl="1"/>
+            <a:r>
+              <a:rPr lang="en-US" dirty="0"/>
+              <a:t>Server AD on-premises + application workloads in Azure</a:t>
+            </a:r>
+          </a:p>
+          <a:p>
+            <a:pPr lvl="1"/>
+            <a:r>
+              <a:rPr lang="en-US" dirty="0"/>
+              <a:t>Replica domain controllers in Azure</a:t>
+            </a:r>
+          </a:p>
+        </p:txBody>
+      </p:sp>
+    </p:spTree>
+    <p:extLst>
+      <p:ext uri="{BB962C8B-B14F-4D97-AF65-F5344CB8AC3E}">
+        <p14:creationId xmlns:p14="http://schemas.microsoft.com/office/powerpoint/2010/main" val="1737584848"/>
+      </p:ext>
+    </p:extLst>
+  </p:cSld>
+  <p:clrMapOvr>
+    <a:masterClrMapping/>
+  </p:clrMapOvr>
+  <p:transition>
+    <p:fade/>
+  </p:transition>
+</p:sld>
+</file>
+
+<file path=ppt/slides/slide50.xml><?xml version="1.0" encoding="utf-8"?>
 <p:sld xmlns:a="http://schemas.openxmlformats.org/drawingml/2006/main" xmlns:r="http://schemas.openxmlformats.org/officeDocument/2006/relationships" xmlns:p="http://schemas.openxmlformats.org/presentationml/2006/main">
   <p:cSld>
     <p:spTree>
@@ -49664,7 +50294,7 @@
 </p:sld>
 </file>
 
-<file path=ppt/slides/slide49.xml><?xml version="1.0" encoding="utf-8"?>
+<file path=ppt/slides/slide51.xml><?xml version="1.0" encoding="utf-8"?>
 <p:sld xmlns:a="http://schemas.openxmlformats.org/drawingml/2006/main" xmlns:r="http://schemas.openxmlformats.org/officeDocument/2006/relationships" xmlns:p="http://schemas.openxmlformats.org/presentationml/2006/main">
   <p:cSld>
     <p:spTree>
@@ -49721,124 +50351,7 @@
 </p:sld>
 </file>
 
-<file path=ppt/slides/slide5.xml><?xml version="1.0" encoding="utf-8"?>
-<p:sld xmlns:a="http://schemas.openxmlformats.org/drawingml/2006/main" xmlns:r="http://schemas.openxmlformats.org/officeDocument/2006/relationships" xmlns:p="http://schemas.openxmlformats.org/presentationml/2006/main">
-  <p:cSld>
-    <p:spTree>
-      <p:nvGrpSpPr>
-        <p:cNvPr id="1" name=""/>
-        <p:cNvGrpSpPr/>
-        <p:nvPr/>
-      </p:nvGrpSpPr>
-      <p:grpSpPr>
-        <a:xfrm>
-          <a:off x="0" y="0"/>
-          <a:ext cx="0" cy="0"/>
-          <a:chOff x="0" y="0"/>
-          <a:chExt cx="0" cy="0"/>
-        </a:xfrm>
-      </p:grpSpPr>
-      <p:sp>
-        <p:nvSpPr>
-          <p:cNvPr id="2" name="Title 1"/>
-          <p:cNvSpPr>
-            <a:spLocks noGrp="1"/>
-          </p:cNvSpPr>
-          <p:nvPr>
-            <p:ph type="title"/>
-          </p:nvPr>
-        </p:nvSpPr>
-        <p:spPr/>
-        <p:txBody>
-          <a:bodyPr/>
-          <a:lstStyle/>
-          <a:p>
-            <a:r>
-              <a:rPr lang="en-US" sz="4800" dirty="0"/>
-              <a:t>Configurations of Server AD in Azure</a:t>
-            </a:r>
-          </a:p>
-        </p:txBody>
-      </p:sp>
-      <p:sp>
-        <p:nvSpPr>
-          <p:cNvPr id="3" name="Content Placeholder 2"/>
-          <p:cNvSpPr>
-            <a:spLocks noGrp="1"/>
-          </p:cNvSpPr>
-          <p:nvPr>
-            <p:ph sz="quarter" idx="10"/>
-          </p:nvPr>
-        </p:nvSpPr>
-        <p:spPr>
-          <a:xfrm>
-            <a:off x="268288" y="1398397"/>
-            <a:ext cx="11542503" cy="4961460"/>
-          </a:xfrm>
-        </p:spPr>
-        <p:txBody>
-          <a:bodyPr>
-            <a:normAutofit/>
-          </a:bodyPr>
-          <a:lstStyle/>
-          <a:p>
-            <a:r>
-              <a:rPr lang="en-US" dirty="0"/>
-              <a:t>Stand-alone environment with Server AD</a:t>
-            </a:r>
-          </a:p>
-          <a:p>
-            <a:pPr lvl="1"/>
-            <a:r>
-              <a:rPr lang="en-US" dirty="0"/>
-              <a:t>Typical for dev/test scenarios</a:t>
-            </a:r>
-          </a:p>
-          <a:p>
-            <a:pPr marL="99599" indent="0">
-              <a:buNone/>
-            </a:pPr>
-            <a:endParaRPr lang="en-US" dirty="0"/>
-          </a:p>
-          <a:p>
-            <a:r>
-              <a:rPr lang="en-US" dirty="0"/>
-              <a:t>Hybrid scenarios (VPN via Site-to-Site or ExpressRoute)</a:t>
-            </a:r>
-          </a:p>
-          <a:p>
-            <a:pPr lvl="1"/>
-            <a:r>
-              <a:rPr lang="en-US" dirty="0"/>
-              <a:t>Server AD on-premises + application workloads in Azure</a:t>
-            </a:r>
-          </a:p>
-          <a:p>
-            <a:pPr lvl="1"/>
-            <a:r>
-              <a:rPr lang="en-US" dirty="0"/>
-              <a:t>Replica domain controllers in Azure</a:t>
-            </a:r>
-          </a:p>
-        </p:txBody>
-      </p:sp>
-    </p:spTree>
-    <p:extLst>
-      <p:ext uri="{BB962C8B-B14F-4D97-AF65-F5344CB8AC3E}">
-        <p14:creationId xmlns:p14="http://schemas.microsoft.com/office/powerpoint/2010/main" val="1737584848"/>
-      </p:ext>
-    </p:extLst>
-  </p:cSld>
-  <p:clrMapOvr>
-    <a:masterClrMapping/>
-  </p:clrMapOvr>
-  <p:transition>
-    <p:fade/>
-  </p:transition>
-</p:sld>
-</file>
-
-<file path=ppt/slides/slide50.xml><?xml version="1.0" encoding="utf-8"?>
+<file path=ppt/slides/slide52.xml><?xml version="1.0" encoding="utf-8"?>
 <p:sld xmlns:a="http://schemas.openxmlformats.org/drawingml/2006/main" xmlns:r="http://schemas.openxmlformats.org/officeDocument/2006/relationships" xmlns:p="http://schemas.openxmlformats.org/presentationml/2006/main">
   <p:cSld>
     <p:spTree>
@@ -49950,7 +50463,7 @@
 </p:sld>
 </file>
 
-<file path=ppt/slides/slide51.xml><?xml version="1.0" encoding="utf-8"?>
+<file path=ppt/slides/slide53.xml><?xml version="1.0" encoding="utf-8"?>
 <p:sld xmlns:a="http://schemas.openxmlformats.org/drawingml/2006/main" xmlns:r="http://schemas.openxmlformats.org/officeDocument/2006/relationships" xmlns:p="http://schemas.openxmlformats.org/presentationml/2006/main">
   <p:cSld>
     <p:spTree>
@@ -50152,7 +50665,7 @@
 </p:sld>
 </file>
 
-<file path=ppt/slides/slide52.xml><?xml version="1.0" encoding="utf-8"?>
+<file path=ppt/slides/slide54.xml><?xml version="1.0" encoding="utf-8"?>
 <p:sld xmlns:a="http://schemas.openxmlformats.org/drawingml/2006/main" xmlns:r="http://schemas.openxmlformats.org/officeDocument/2006/relationships" xmlns:p="http://schemas.openxmlformats.org/presentationml/2006/main">
   <p:cSld>
     <p:spTree>
@@ -51621,7 +52134,7 @@
 </p:sld>
 </file>
 
-<file path=ppt/slides/slide53.xml><?xml version="1.0" encoding="utf-8"?>
+<file path=ppt/slides/slide55.xml><?xml version="1.0" encoding="utf-8"?>
 <p:sld xmlns:a="http://schemas.openxmlformats.org/drawingml/2006/main" xmlns:r="http://schemas.openxmlformats.org/officeDocument/2006/relationships" xmlns:p="http://schemas.openxmlformats.org/presentationml/2006/main" show="0">
   <p:cSld>
     <p:spTree>
@@ -51659,7 +52172,7 @@
           <a:graphicData uri="http://schemas.openxmlformats.org/presentationml/2006/ole">
             <mc:AlternateContent xmlns:mc="http://schemas.openxmlformats.org/markup-compatibility/2006">
               <mc:Choice xmlns:v="urn:schemas-microsoft-com:vml" Requires="v">
-                <p:oleObj spid="_x0000_s63493" name="think-cell Slide" r:id="rId5" imgW="270" imgH="270" progId="TCLayout.ActiveDocument.1">
+                <p:oleObj spid="_x0000_s63500" name="think-cell Slide" r:id="rId5" imgW="270" imgH="270" progId="TCLayout.ActiveDocument.1">
                   <p:embed/>
                 </p:oleObj>
               </mc:Choice>
@@ -52045,7 +52558,7 @@
 </p:sld>
 </file>
 
-<file path=ppt/slides/slide54.xml><?xml version="1.0" encoding="utf-8"?>
+<file path=ppt/slides/slide56.xml><?xml version="1.0" encoding="utf-8"?>
 <p:sld xmlns:a="http://schemas.openxmlformats.org/drawingml/2006/main" xmlns:r="http://schemas.openxmlformats.org/officeDocument/2006/relationships" xmlns:p="http://schemas.openxmlformats.org/presentationml/2006/main" show="0">
   <p:cSld>
     <p:spTree>
@@ -52190,7 +52703,7 @@
 </p:sld>
 </file>
 
-<file path=ppt/slides/slide55.xml><?xml version="1.0" encoding="utf-8"?>
+<file path=ppt/slides/slide57.xml><?xml version="1.0" encoding="utf-8"?>
 <p:sld xmlns:a="http://schemas.openxmlformats.org/drawingml/2006/main" xmlns:r="http://schemas.openxmlformats.org/officeDocument/2006/relationships" xmlns:p="http://schemas.openxmlformats.org/presentationml/2006/main" show="0">
   <p:cSld>
     <p:spTree>
@@ -52545,7 +53058,7 @@
           <a:p>
             <a:r>
               <a:rPr lang="en-US" dirty="0"/>
-              <a:t>Users need access to apps running on-premises and in cloud where SSO is required.</a:t>
+              <a:t>Users need access to apps on-premises from public and on-premises locations with SSO</a:t>
             </a:r>
           </a:p>
           <a:p>
